--- a/assets/lectures/BPW_Lecture_07.pptx
+++ b/assets/lectures/BPW_Lecture_07.pptx
@@ -15,14 +15,13 @@
     <p:sldId id="308" r:id="rId9"/>
     <p:sldId id="309" r:id="rId10"/>
     <p:sldId id="310" r:id="rId11"/>
-    <p:sldId id="311" r:id="rId12"/>
-    <p:sldId id="312" r:id="rId13"/>
-    <p:sldId id="313" r:id="rId14"/>
-    <p:sldId id="314" r:id="rId15"/>
-    <p:sldId id="316" r:id="rId16"/>
-    <p:sldId id="317" r:id="rId17"/>
-    <p:sldId id="318" r:id="rId18"/>
-    <p:sldId id="302" r:id="rId19"/>
+    <p:sldId id="319" r:id="rId12"/>
+    <p:sldId id="320" r:id="rId13"/>
+    <p:sldId id="321" r:id="rId14"/>
+    <p:sldId id="316" r:id="rId15"/>
+    <p:sldId id="317" r:id="rId16"/>
+    <p:sldId id="318" r:id="rId17"/>
+    <p:sldId id="302" r:id="rId18"/>
   </p:sldIdLst>
   <p:sldSz cx="12192000" cy="6858000"/>
   <p:notesSz cx="6858000" cy="9144000"/>
@@ -288,7 +287,7 @@
           <a:p>
             <a:fld id="{F57857CC-207A-4D73-9A20-C856A5068D10}" type="datetimeFigureOut">
               <a:rPr lang="en-US" smtClean="0"/>
-              <a:t>12/18/2018</a:t>
+              <a:t>1/1/19</a:t>
             </a:fld>
             <a:endParaRPr lang="en-US"/>
           </a:p>
@@ -486,7 +485,7 @@
           <a:p>
             <a:fld id="{F57857CC-207A-4D73-9A20-C856A5068D10}" type="datetimeFigureOut">
               <a:rPr lang="en-US" smtClean="0"/>
-              <a:t>12/18/2018</a:t>
+              <a:t>1/1/19</a:t>
             </a:fld>
             <a:endParaRPr lang="en-US"/>
           </a:p>
@@ -694,7 +693,7 @@
           <a:p>
             <a:fld id="{F57857CC-207A-4D73-9A20-C856A5068D10}" type="datetimeFigureOut">
               <a:rPr lang="en-US" smtClean="0"/>
-              <a:t>12/18/2018</a:t>
+              <a:t>1/1/19</a:t>
             </a:fld>
             <a:endParaRPr lang="en-US"/>
           </a:p>
@@ -892,7 +891,7 @@
           <a:p>
             <a:fld id="{F57857CC-207A-4D73-9A20-C856A5068D10}" type="datetimeFigureOut">
               <a:rPr lang="en-US" smtClean="0"/>
-              <a:t>12/18/2018</a:t>
+              <a:t>1/1/19</a:t>
             </a:fld>
             <a:endParaRPr lang="en-US"/>
           </a:p>
@@ -1167,7 +1166,7 @@
           <a:p>
             <a:fld id="{F57857CC-207A-4D73-9A20-C856A5068D10}" type="datetimeFigureOut">
               <a:rPr lang="en-US" smtClean="0"/>
-              <a:t>12/18/2018</a:t>
+              <a:t>1/1/19</a:t>
             </a:fld>
             <a:endParaRPr lang="en-US"/>
           </a:p>
@@ -1432,7 +1431,7 @@
           <a:p>
             <a:fld id="{F57857CC-207A-4D73-9A20-C856A5068D10}" type="datetimeFigureOut">
               <a:rPr lang="en-US" smtClean="0"/>
-              <a:t>12/18/2018</a:t>
+              <a:t>1/1/19</a:t>
             </a:fld>
             <a:endParaRPr lang="en-US"/>
           </a:p>
@@ -1844,7 +1843,7 @@
           <a:p>
             <a:fld id="{F57857CC-207A-4D73-9A20-C856A5068D10}" type="datetimeFigureOut">
               <a:rPr lang="en-US" smtClean="0"/>
-              <a:t>12/18/2018</a:t>
+              <a:t>1/1/19</a:t>
             </a:fld>
             <a:endParaRPr lang="en-US"/>
           </a:p>
@@ -1985,7 +1984,7 @@
           <a:p>
             <a:fld id="{F57857CC-207A-4D73-9A20-C856A5068D10}" type="datetimeFigureOut">
               <a:rPr lang="en-US" smtClean="0"/>
-              <a:t>12/18/2018</a:t>
+              <a:t>1/1/19</a:t>
             </a:fld>
             <a:endParaRPr lang="en-US"/>
           </a:p>
@@ -2098,7 +2097,7 @@
           <a:p>
             <a:fld id="{F57857CC-207A-4D73-9A20-C856A5068D10}" type="datetimeFigureOut">
               <a:rPr lang="en-US" smtClean="0"/>
-              <a:t>12/18/2018</a:t>
+              <a:t>1/1/19</a:t>
             </a:fld>
             <a:endParaRPr lang="en-US"/>
           </a:p>
@@ -2409,7 +2408,7 @@
           <a:p>
             <a:fld id="{F57857CC-207A-4D73-9A20-C856A5068D10}" type="datetimeFigureOut">
               <a:rPr lang="en-US" smtClean="0"/>
-              <a:t>12/18/2018</a:t>
+              <a:t>1/1/19</a:t>
             </a:fld>
             <a:endParaRPr lang="en-US"/>
           </a:p>
@@ -2697,7 +2696,7 @@
           <a:p>
             <a:fld id="{F57857CC-207A-4D73-9A20-C856A5068D10}" type="datetimeFigureOut">
               <a:rPr lang="en-US" smtClean="0"/>
-              <a:t>12/18/2018</a:t>
+              <a:t>1/1/19</a:t>
             </a:fld>
             <a:endParaRPr lang="en-US"/>
           </a:p>
@@ -2938,7 +2937,7 @@
           <a:p>
             <a:fld id="{F57857CC-207A-4D73-9A20-C856A5068D10}" type="datetimeFigureOut">
               <a:rPr lang="en-US" smtClean="0"/>
-              <a:t>12/18/2018</a:t>
+              <a:t>1/1/19</a:t>
             </a:fld>
             <a:endParaRPr lang="en-US"/>
           </a:p>
@@ -3568,7 +3567,7 @@
                   <a:schemeClr val="bg1"/>
                 </a:solidFill>
               </a:rPr>
-              <a:t>Lecture 05 | Basic Animations</a:t>
+              <a:t>Lecture 07 | Basic Animations</a:t>
             </a:r>
           </a:p>
         </p:txBody>
@@ -3788,7 +3787,7 @@
                   <a:schemeClr val="bg1"/>
                 </a:solidFill>
               </a:rPr>
-              <a:t>Lecture 05 | Basic Animations</a:t>
+              <a:t>Lecture 07 | Basic Animations</a:t>
             </a:r>
           </a:p>
         </p:txBody>
@@ -3849,7 +3848,7 @@
             </a:pPr>
             <a:r>
               <a:rPr lang="en-US" sz="4400" dirty="0"/>
-              <a:t> Transition Property</a:t>
+              <a:t> Basic Animations: A CSS Approach</a:t>
             </a:r>
           </a:p>
         </p:txBody>
@@ -4069,208 +4068,7 @@
                   <a:schemeClr val="bg1"/>
                 </a:solidFill>
               </a:rPr>
-              <a:t>Lecture 05 | Basic Animations</a:t>
-            </a:r>
-          </a:p>
-        </p:txBody>
-      </p:sp>
-      <p:sp>
-        <p:nvSpPr>
-          <p:cNvPr id="2" name="TextBox 1">
-            <a:extLst>
-              <a:ext uri="{FF2B5EF4-FFF2-40B4-BE49-F238E27FC236}">
-                <a16:creationId xmlns:a16="http://schemas.microsoft.com/office/drawing/2014/main" id="{53B4155B-BFEB-48D4-B480-5EF1BB7CA9FD}"/>
-              </a:ext>
-            </a:extLst>
-          </p:cNvPr>
-          <p:cNvSpPr txBox="1"/>
-          <p:nvPr/>
-        </p:nvSpPr>
-        <p:spPr>
-          <a:xfrm>
-            <a:off x="6096000" y="751344"/>
-            <a:ext cx="5282343" cy="2677656"/>
-          </a:xfrm>
-          <a:prstGeom prst="rect">
-            <a:avLst/>
-          </a:prstGeom>
-          <a:noFill/>
-        </p:spPr>
-        <p:txBody>
-          <a:bodyPr wrap="none" rtlCol="0">
-            <a:spAutoFit/>
-          </a:bodyPr>
-          <a:lstStyle/>
-          <a:p>
-            <a:r>
-              <a:rPr lang="en-US" sz="2400" dirty="0"/>
-              <a:t>.</a:t>
-            </a:r>
-            <a:r>
-              <a:rPr lang="en-US" sz="2400" dirty="0" err="1"/>
-              <a:t>css-transition:hover</a:t>
-            </a:r>
-            <a:r>
-              <a:rPr lang="en-US" sz="2400" dirty="0"/>
-              <a:t> {</a:t>
-            </a:r>
-          </a:p>
-          <a:p>
-            <a:r>
-              <a:rPr lang="en-US" sz="2400" dirty="0"/>
-              <a:t>	width: 100%;</a:t>
-            </a:r>
-          </a:p>
-          <a:p>
-            <a:r>
-              <a:rPr lang="en-US" sz="2400" dirty="0"/>
-              <a:t>	</a:t>
-            </a:r>
-            <a:r>
-              <a:rPr lang="en-US" sz="2400" dirty="0">
-                <a:solidFill>
-                  <a:srgbClr val="FF0000"/>
-                </a:solidFill>
-              </a:rPr>
-              <a:t>transition-property: </a:t>
-            </a:r>
-            <a:r>
-              <a:rPr lang="en-US" sz="2400" dirty="0">
-                <a:solidFill>
-                  <a:schemeClr val="accent1"/>
-                </a:solidFill>
-              </a:rPr>
-              <a:t>width;</a:t>
-            </a:r>
-            <a:br>
-              <a:rPr lang="en-US" sz="2400" dirty="0">
-                <a:solidFill>
-                  <a:srgbClr val="FF0000"/>
-                </a:solidFill>
-              </a:rPr>
-            </a:br>
-            <a:r>
-              <a:rPr lang="en-US" sz="2400" dirty="0">
-                <a:solidFill>
-                  <a:srgbClr val="FF0000"/>
-                </a:solidFill>
-              </a:rPr>
-              <a:t> 	transition-duration: </a:t>
-            </a:r>
-            <a:r>
-              <a:rPr lang="en-US" sz="2400" dirty="0">
-                <a:solidFill>
-                  <a:schemeClr val="accent1"/>
-                </a:solidFill>
-              </a:rPr>
-              <a:t>2s;</a:t>
-            </a:r>
-            <a:br>
-              <a:rPr lang="en-US" sz="2400" dirty="0">
-                <a:solidFill>
-                  <a:srgbClr val="FF0000"/>
-                </a:solidFill>
-              </a:rPr>
-            </a:br>
-            <a:r>
-              <a:rPr lang="en-US" sz="2400" dirty="0">
-                <a:solidFill>
-                  <a:srgbClr val="FF0000"/>
-                </a:solidFill>
-              </a:rPr>
-              <a:t> 	transition-timing-function:</a:t>
-            </a:r>
-            <a:r>
-              <a:rPr lang="en-US" sz="2400" dirty="0">
-                <a:solidFill>
-                  <a:schemeClr val="accent1"/>
-                </a:solidFill>
-              </a:rPr>
-              <a:t> linear;</a:t>
-            </a:r>
-            <a:br>
-              <a:rPr lang="en-US" sz="2400" dirty="0">
-                <a:solidFill>
-                  <a:schemeClr val="accent1"/>
-                </a:solidFill>
-              </a:rPr>
-            </a:br>
-            <a:r>
-              <a:rPr lang="en-US" sz="2400" dirty="0">
-                <a:solidFill>
-                  <a:srgbClr val="FF0000"/>
-                </a:solidFill>
-              </a:rPr>
-              <a:t> 	transition-delay: </a:t>
-            </a:r>
-            <a:r>
-              <a:rPr lang="en-US" sz="2400" dirty="0">
-                <a:solidFill>
-                  <a:schemeClr val="accent1"/>
-                </a:solidFill>
-              </a:rPr>
-              <a:t>1s;</a:t>
-            </a:r>
-          </a:p>
-          <a:p>
-            <a:r>
-              <a:rPr lang="en-US" sz="2400" dirty="0"/>
-              <a:t>}</a:t>
-            </a:r>
-          </a:p>
-        </p:txBody>
-      </p:sp>
-      <p:sp>
-        <p:nvSpPr>
-          <p:cNvPr id="9" name="TextBox 8">
-            <a:extLst>
-              <a:ext uri="{FF2B5EF4-FFF2-40B4-BE49-F238E27FC236}">
-                <a16:creationId xmlns:a16="http://schemas.microsoft.com/office/drawing/2014/main" id="{F4A72856-AA84-4B32-B161-BBEB57E65E1F}"/>
-              </a:ext>
-            </a:extLst>
-          </p:cNvPr>
-          <p:cNvSpPr txBox="1"/>
-          <p:nvPr/>
-        </p:nvSpPr>
-        <p:spPr>
-          <a:xfrm>
-            <a:off x="2400566" y="749130"/>
-            <a:ext cx="2587568" cy="1200329"/>
-          </a:xfrm>
-          <a:prstGeom prst="rect">
-            <a:avLst/>
-          </a:prstGeom>
-          <a:noFill/>
-        </p:spPr>
-        <p:txBody>
-          <a:bodyPr wrap="none" rtlCol="0">
-            <a:spAutoFit/>
-          </a:bodyPr>
-          <a:lstStyle/>
-          <a:p>
-            <a:r>
-              <a:rPr lang="en-US" sz="2400" dirty="0"/>
-              <a:t>.</a:t>
-            </a:r>
-            <a:r>
-              <a:rPr lang="en-US" sz="2400" dirty="0" err="1"/>
-              <a:t>css</a:t>
-            </a:r>
-            <a:r>
-              <a:rPr lang="en-US" sz="2400" dirty="0"/>
-              <a:t>-transition {</a:t>
-            </a:r>
-          </a:p>
-          <a:p>
-            <a:r>
-              <a:rPr lang="en-US" sz="2400" dirty="0"/>
-              <a:t>	width: 50%;</a:t>
-            </a:r>
-          </a:p>
-          <a:p>
-            <a:r>
-              <a:rPr lang="en-US" sz="2400" dirty="0"/>
-              <a:t>}</a:t>
+              <a:t>Lecture 07 | Basic Animations</a:t>
             </a:r>
           </a:p>
         </p:txBody>
@@ -4460,8 +4258,8 @@
         </p:nvSpPr>
         <p:spPr>
           <a:xfrm>
-            <a:off x="-29416" y="5057717"/>
-            <a:ext cx="11984712" cy="1697068"/>
+            <a:off x="675524" y="5233295"/>
+            <a:ext cx="9714226" cy="923330"/>
           </a:xfrm>
           <a:prstGeom prst="rect">
             <a:avLst/>
@@ -4474,49 +4272,465 @@
           </a:bodyPr>
           <a:lstStyle/>
           <a:p>
-            <a:pPr algn="r">
+            <a:r>
+              <a:rPr lang="en-US" dirty="0"/>
+              <a:t>When we hover, the width increases linearly by 50% over 2 seconds with a  1 second delay.</a:t>
+            </a:r>
+          </a:p>
+          <a:p>
+            <a:r>
+              <a:rPr lang="en-US" dirty="0"/>
+              <a:t>When we </a:t>
+            </a:r>
+            <a:r>
+              <a:rPr lang="en-US" dirty="0" err="1"/>
+              <a:t>unhover</a:t>
+            </a:r>
+            <a:r>
+              <a:rPr lang="en-US" dirty="0"/>
+              <a:t>, the width decreases linearly by 50% over 2 seconds with a  1 second delay.</a:t>
+            </a:r>
+          </a:p>
+          <a:p>
+            <a:endParaRPr lang="en-US" dirty="0"/>
+          </a:p>
+        </p:txBody>
+      </p:sp>
+      <p:sp>
+        <p:nvSpPr>
+          <p:cNvPr id="20" name="Rectangle 19">
+            <a:extLst>
+              <a:ext uri="{FF2B5EF4-FFF2-40B4-BE49-F238E27FC236}">
+                <a16:creationId xmlns:a16="http://schemas.microsoft.com/office/drawing/2014/main" id="{5A0D4391-56AB-3B4F-B55C-433271992896}"/>
+              </a:ext>
+            </a:extLst>
+          </p:cNvPr>
+          <p:cNvSpPr/>
+          <p:nvPr/>
+        </p:nvSpPr>
+        <p:spPr>
+          <a:xfrm>
+            <a:off x="675524" y="1249594"/>
+            <a:ext cx="5055432" cy="1842923"/>
+          </a:xfrm>
+          <a:prstGeom prst="rect">
+            <a:avLst/>
+          </a:prstGeom>
+          <a:solidFill>
+            <a:schemeClr val="bg1">
+              <a:lumMod val="95000"/>
+            </a:schemeClr>
+          </a:solidFill>
+          <a:ln w="3175">
+            <a:solidFill>
+              <a:schemeClr val="bg1">
+                <a:lumMod val="85000"/>
+              </a:schemeClr>
+            </a:solidFill>
+          </a:ln>
+        </p:spPr>
+        <p:style>
+          <a:lnRef idx="2">
+            <a:schemeClr val="accent1">
+              <a:shade val="50000"/>
+            </a:schemeClr>
+          </a:lnRef>
+          <a:fillRef idx="1">
+            <a:schemeClr val="accent1"/>
+          </a:fillRef>
+          <a:effectRef idx="0">
+            <a:schemeClr val="accent1"/>
+          </a:effectRef>
+          <a:fontRef idx="minor">
+            <a:schemeClr val="lt1"/>
+          </a:fontRef>
+        </p:style>
+        <p:txBody>
+          <a:bodyPr rtlCol="0" anchor="t"/>
+          <a:lstStyle/>
+          <a:p>
+            <a:pPr lvl="1"/>
+            <a:r>
+              <a:rPr lang="en-US" dirty="0">
+                <a:solidFill>
+                  <a:schemeClr val="tx1"/>
+                </a:solidFill>
+              </a:rPr>
+              <a:t>.</a:t>
+            </a:r>
+            <a:r>
+              <a:rPr lang="en-US" dirty="0" err="1">
+                <a:solidFill>
+                  <a:schemeClr val="accent2"/>
+                </a:solidFill>
+              </a:rPr>
+              <a:t>css</a:t>
+            </a:r>
+            <a:r>
+              <a:rPr lang="en-US" dirty="0">
+                <a:solidFill>
+                  <a:schemeClr val="accent2"/>
+                </a:solidFill>
+              </a:rPr>
+              <a:t>-transition</a:t>
+            </a:r>
+            <a:r>
+              <a:rPr lang="en-US" dirty="0">
+                <a:solidFill>
+                  <a:schemeClr val="tx1"/>
+                </a:solidFill>
+              </a:rPr>
+              <a:t> {</a:t>
+            </a:r>
+          </a:p>
+          <a:p>
+            <a:pPr lvl="1"/>
+            <a:r>
+              <a:rPr lang="en-US" dirty="0">
+                <a:solidFill>
+                  <a:schemeClr val="tx1"/>
+                </a:solidFill>
+              </a:rPr>
+              <a:t>	</a:t>
+            </a:r>
+            <a:r>
+              <a:rPr lang="en-US" dirty="0">
+                <a:solidFill>
+                  <a:schemeClr val="accent1"/>
+                </a:solidFill>
+              </a:rPr>
+              <a:t>width: 50%; </a:t>
+            </a:r>
+            <a:r>
+              <a:rPr lang="en-US" dirty="0">
+                <a:solidFill>
+                  <a:schemeClr val="tx1"/>
+                </a:solidFill>
+              </a:rPr>
+              <a:t>}</a:t>
+            </a:r>
+          </a:p>
+        </p:txBody>
+      </p:sp>
+      <p:sp>
+        <p:nvSpPr>
+          <p:cNvPr id="22" name="Rectangle 21">
+            <a:extLst>
+              <a:ext uri="{FF2B5EF4-FFF2-40B4-BE49-F238E27FC236}">
+                <a16:creationId xmlns:a16="http://schemas.microsoft.com/office/drawing/2014/main" id="{DF43F5C5-2E9E-F246-9D4A-0BD3C3CF6D8D}"/>
+              </a:ext>
+            </a:extLst>
+          </p:cNvPr>
+          <p:cNvSpPr/>
+          <p:nvPr/>
+        </p:nvSpPr>
+        <p:spPr>
+          <a:xfrm>
+            <a:off x="5730956" y="1249595"/>
+            <a:ext cx="5550188" cy="1842922"/>
+          </a:xfrm>
+          <a:prstGeom prst="rect">
+            <a:avLst/>
+          </a:prstGeom>
+          <a:solidFill>
+            <a:schemeClr val="bg1">
+              <a:lumMod val="95000"/>
+            </a:schemeClr>
+          </a:solidFill>
+          <a:ln w="3175">
+            <a:solidFill>
+              <a:schemeClr val="bg1">
+                <a:lumMod val="85000"/>
+              </a:schemeClr>
+            </a:solidFill>
+          </a:ln>
+        </p:spPr>
+        <p:style>
+          <a:lnRef idx="2">
+            <a:schemeClr val="accent1">
+              <a:shade val="50000"/>
+            </a:schemeClr>
+          </a:lnRef>
+          <a:fillRef idx="1">
+            <a:schemeClr val="accent1"/>
+          </a:fillRef>
+          <a:effectRef idx="0">
+            <a:schemeClr val="accent1"/>
+          </a:effectRef>
+          <a:fontRef idx="minor">
+            <a:schemeClr val="lt1"/>
+          </a:fontRef>
+        </p:style>
+        <p:txBody>
+          <a:bodyPr rtlCol="0" anchor="t"/>
+          <a:lstStyle/>
+          <a:p>
+            <a:pPr lvl="1"/>
+            <a:r>
+              <a:rPr lang="en-US" dirty="0">
+                <a:solidFill>
+                  <a:schemeClr val="tx1"/>
+                </a:solidFill>
+              </a:rPr>
+              <a:t>.</a:t>
+            </a:r>
+            <a:r>
+              <a:rPr lang="en-US" dirty="0" err="1">
+                <a:solidFill>
+                  <a:schemeClr val="accent2"/>
+                </a:solidFill>
+              </a:rPr>
+              <a:t>css-transition:hover</a:t>
+            </a:r>
+            <a:r>
+              <a:rPr lang="en-US" dirty="0">
+                <a:solidFill>
+                  <a:schemeClr val="accent2"/>
+                </a:solidFill>
+              </a:rPr>
+              <a:t> </a:t>
+            </a:r>
+            <a:r>
+              <a:rPr lang="en-US" dirty="0">
+                <a:solidFill>
+                  <a:schemeClr val="tx1"/>
+                </a:solidFill>
+              </a:rPr>
+              <a:t>{</a:t>
+            </a:r>
+          </a:p>
+          <a:p>
+            <a:pPr lvl="1"/>
+            <a:r>
+              <a:rPr lang="en-US" dirty="0">
+                <a:solidFill>
+                  <a:schemeClr val="tx1"/>
+                </a:solidFill>
+              </a:rPr>
+              <a:t>	</a:t>
+            </a:r>
+            <a:r>
+              <a:rPr lang="en-US" dirty="0">
+                <a:solidFill>
+                  <a:schemeClr val="accent1"/>
+                </a:solidFill>
+              </a:rPr>
+              <a:t>width: 100%;</a:t>
+            </a:r>
+          </a:p>
+          <a:p>
+            <a:pPr lvl="1"/>
+            <a:r>
+              <a:rPr lang="en-US" dirty="0">
+                <a:solidFill>
+                  <a:schemeClr val="accent1"/>
+                </a:solidFill>
+              </a:rPr>
+              <a:t>	</a:t>
+            </a:r>
+            <a:r>
+              <a:rPr lang="en-US" dirty="0">
+                <a:solidFill>
+                  <a:srgbClr val="FF0000"/>
+                </a:solidFill>
+              </a:rPr>
+              <a:t>transition-property:</a:t>
+            </a:r>
+            <a:r>
+              <a:rPr lang="en-US" dirty="0">
+                <a:solidFill>
+                  <a:schemeClr val="accent1"/>
+                </a:solidFill>
+              </a:rPr>
+              <a:t> width;</a:t>
+            </a:r>
+            <a:br>
+              <a:rPr lang="en-US" dirty="0">
+                <a:solidFill>
+                  <a:schemeClr val="accent1"/>
+                </a:solidFill>
+              </a:rPr>
+            </a:br>
+            <a:r>
+              <a:rPr lang="en-US" dirty="0">
+                <a:solidFill>
+                  <a:schemeClr val="accent1"/>
+                </a:solidFill>
+              </a:rPr>
+              <a:t> 	</a:t>
+            </a:r>
+            <a:r>
+              <a:rPr lang="en-US" dirty="0">
+                <a:solidFill>
+                  <a:srgbClr val="FF0000"/>
+                </a:solidFill>
+              </a:rPr>
+              <a:t>transition-duration:</a:t>
+            </a:r>
+            <a:r>
+              <a:rPr lang="en-US" dirty="0">
+                <a:solidFill>
+                  <a:schemeClr val="accent1"/>
+                </a:solidFill>
+              </a:rPr>
+              <a:t> 2s;</a:t>
+            </a:r>
+            <a:br>
+              <a:rPr lang="en-US" dirty="0">
+                <a:solidFill>
+                  <a:schemeClr val="accent1"/>
+                </a:solidFill>
+              </a:rPr>
+            </a:br>
+            <a:r>
+              <a:rPr lang="en-US" dirty="0">
+                <a:solidFill>
+                  <a:schemeClr val="accent1"/>
+                </a:solidFill>
+              </a:rPr>
+              <a:t> 	</a:t>
+            </a:r>
+            <a:r>
+              <a:rPr lang="en-US" dirty="0">
+                <a:solidFill>
+                  <a:srgbClr val="FF0000"/>
+                </a:solidFill>
+              </a:rPr>
+              <a:t>transition-timing-function: </a:t>
+            </a:r>
+            <a:r>
+              <a:rPr lang="en-US" dirty="0">
+                <a:solidFill>
+                  <a:schemeClr val="accent1"/>
+                </a:solidFill>
+              </a:rPr>
+              <a:t>linear;</a:t>
+            </a:r>
+            <a:br>
+              <a:rPr lang="en-US" dirty="0">
+                <a:solidFill>
+                  <a:schemeClr val="accent1"/>
+                </a:solidFill>
+              </a:rPr>
+            </a:br>
+            <a:r>
+              <a:rPr lang="en-US" dirty="0">
+                <a:solidFill>
+                  <a:schemeClr val="accent1"/>
+                </a:solidFill>
+              </a:rPr>
+              <a:t> 	</a:t>
+            </a:r>
+            <a:r>
+              <a:rPr lang="en-US" dirty="0">
+                <a:solidFill>
+                  <a:srgbClr val="FF0000"/>
+                </a:solidFill>
+              </a:rPr>
+              <a:t>transition-delay: </a:t>
+            </a:r>
+            <a:r>
+              <a:rPr lang="en-US" dirty="0">
+                <a:solidFill>
+                  <a:schemeClr val="accent1"/>
+                </a:solidFill>
+              </a:rPr>
+              <a:t>1s; </a:t>
+            </a:r>
+            <a:r>
+              <a:rPr lang="en-US" dirty="0">
+                <a:solidFill>
+                  <a:schemeClr val="tx1"/>
+                </a:solidFill>
+              </a:rPr>
+              <a:t>}</a:t>
+            </a:r>
+          </a:p>
+        </p:txBody>
+      </p:sp>
+      <p:sp>
+        <p:nvSpPr>
+          <p:cNvPr id="23" name="TextBox 22">
+            <a:extLst>
+              <a:ext uri="{FF2B5EF4-FFF2-40B4-BE49-F238E27FC236}">
+                <a16:creationId xmlns:a16="http://schemas.microsoft.com/office/drawing/2014/main" id="{D0284AB2-CB64-2542-8269-F4FCF878DE41}"/>
+              </a:ext>
+            </a:extLst>
+          </p:cNvPr>
+          <p:cNvSpPr txBox="1"/>
+          <p:nvPr/>
+        </p:nvSpPr>
+        <p:spPr>
+          <a:xfrm>
+            <a:off x="3068560" y="10633"/>
+            <a:ext cx="5744777" cy="1003031"/>
+          </a:xfrm>
+          <a:prstGeom prst="rect">
+            <a:avLst/>
+          </a:prstGeom>
+          <a:noFill/>
+        </p:spPr>
+        <p:txBody>
+          <a:bodyPr wrap="square" rtlCol="0">
+            <a:spAutoFit/>
+          </a:bodyPr>
+          <a:lstStyle/>
+          <a:p>
+            <a:pPr algn="ctr">
               <a:lnSpc>
                 <a:spcPct val="150000"/>
               </a:lnSpc>
             </a:pPr>
             <a:r>
-              <a:rPr lang="en-US" sz="2400" dirty="0"/>
-              <a:t>When we hover, the width increases linearly by 50% over 2 seconds with a  1 second delay.</a:t>
-            </a:r>
-          </a:p>
-          <a:p>
-            <a:pPr algn="r">
-              <a:lnSpc>
-                <a:spcPct val="150000"/>
-              </a:lnSpc>
-            </a:pPr>
-            <a:r>
-              <a:rPr lang="en-US" sz="2400" dirty="0"/>
-              <a:t>When we </a:t>
-            </a:r>
-            <a:r>
-              <a:rPr lang="en-US" sz="2400" dirty="0" err="1"/>
-              <a:t>unhover</a:t>
-            </a:r>
-            <a:r>
-              <a:rPr lang="en-US" sz="2400" dirty="0"/>
-              <a:t>, the width decreases linearly by 50% over 2 seconds with a  1 second delay.</a:t>
-            </a:r>
-          </a:p>
-          <a:p>
-            <a:pPr>
-              <a:lnSpc>
-                <a:spcPct val="150000"/>
-              </a:lnSpc>
-            </a:pPr>
-            <a:endParaRPr lang="en-US" sz="2400" dirty="0"/>
-          </a:p>
-        </p:txBody>
-      </p:sp>
+              <a:rPr lang="en-US" sz="4400" dirty="0"/>
+              <a:t>Transition Property</a:t>
+            </a:r>
+          </a:p>
+        </p:txBody>
+      </p:sp>
+      <p:cxnSp>
+        <p:nvCxnSpPr>
+          <p:cNvPr id="24" name="Straight Connector 23">
+            <a:extLst>
+              <a:ext uri="{FF2B5EF4-FFF2-40B4-BE49-F238E27FC236}">
+                <a16:creationId xmlns:a16="http://schemas.microsoft.com/office/drawing/2014/main" id="{130A7CE7-E5E3-D049-B20C-D2A9FDCB1ECD}"/>
+              </a:ext>
+            </a:extLst>
+          </p:cNvPr>
+          <p:cNvCxnSpPr>
+            <a:cxnSpLocks/>
+          </p:cNvCxnSpPr>
+          <p:nvPr/>
+        </p:nvCxnSpPr>
+        <p:spPr>
+          <a:xfrm>
+            <a:off x="5730956" y="1013664"/>
+            <a:ext cx="419986" cy="0"/>
+          </a:xfrm>
+          <a:prstGeom prst="line">
+            <a:avLst/>
+          </a:prstGeom>
+          <a:ln w="28575"/>
+        </p:spPr>
+        <p:style>
+          <a:lnRef idx="1">
+            <a:schemeClr val="dk1"/>
+          </a:lnRef>
+          <a:fillRef idx="0">
+            <a:schemeClr val="dk1"/>
+          </a:fillRef>
+          <a:effectRef idx="0">
+            <a:schemeClr val="dk1"/>
+          </a:effectRef>
+          <a:fontRef idx="minor">
+            <a:schemeClr val="tx1"/>
+          </a:fontRef>
+        </p:style>
+      </p:cxnSp>
     </p:spTree>
     <p:extLst>
       <p:ext uri="{BB962C8B-B14F-4D97-AF65-F5344CB8AC3E}">
-        <p14:creationId xmlns:p14="http://schemas.microsoft.com/office/powerpoint/2010/main" val="2328615045"/>
+        <p14:creationId xmlns:p14="http://schemas.microsoft.com/office/powerpoint/2010/main" val="1082017509"/>
       </p:ext>
     </p:extLst>
   </p:cSld>
@@ -4728,17 +4942,17 @@
                   <a:schemeClr val="bg1"/>
                 </a:solidFill>
               </a:rPr>
-              <a:t>Lecture 05 | Basic Animations</a:t>
-            </a:r>
-          </a:p>
-        </p:txBody>
-      </p:sp>
-      <p:sp>
-        <p:nvSpPr>
-          <p:cNvPr id="2" name="TextBox 1">
-            <a:extLst>
-              <a:ext uri="{FF2B5EF4-FFF2-40B4-BE49-F238E27FC236}">
-                <a16:creationId xmlns:a16="http://schemas.microsoft.com/office/drawing/2014/main" id="{53B4155B-BFEB-48D4-B480-5EF1BB7CA9FD}"/>
+              <a:t>Lecture 07 | Basic Animations</a:t>
+            </a:r>
+          </a:p>
+        </p:txBody>
+      </p:sp>
+      <p:sp>
+        <p:nvSpPr>
+          <p:cNvPr id="15" name="TextBox 14">
+            <a:extLst>
+              <a:ext uri="{FF2B5EF4-FFF2-40B4-BE49-F238E27FC236}">
+                <a16:creationId xmlns:a16="http://schemas.microsoft.com/office/drawing/2014/main" id="{CD9FDE3C-2991-4DB4-89CF-913FB487E8A2}"/>
               </a:ext>
             </a:extLst>
           </p:cNvPr>
@@ -4747,8 +4961,8 @@
         </p:nvSpPr>
         <p:spPr>
           <a:xfrm>
-            <a:off x="813657" y="1745955"/>
-            <a:ext cx="5282343" cy="2677656"/>
+            <a:off x="675524" y="1895004"/>
+            <a:ext cx="9714226" cy="400110"/>
           </a:xfrm>
           <a:prstGeom prst="rect">
             <a:avLst/>
@@ -4756,124 +4970,395 @@
           <a:noFill/>
         </p:spPr>
         <p:txBody>
-          <a:bodyPr wrap="none" rtlCol="0">
+          <a:bodyPr wrap="square" rtlCol="0">
             <a:spAutoFit/>
           </a:bodyPr>
           <a:lstStyle/>
           <a:p>
             <a:r>
-              <a:rPr lang="en-US" sz="2400" dirty="0"/>
+              <a:rPr lang="en-US" sz="2000" dirty="0"/>
+              <a:t>These two are equivalent.</a:t>
+            </a:r>
+          </a:p>
+        </p:txBody>
+      </p:sp>
+      <p:sp>
+        <p:nvSpPr>
+          <p:cNvPr id="20" name="Rectangle 19">
+            <a:extLst>
+              <a:ext uri="{FF2B5EF4-FFF2-40B4-BE49-F238E27FC236}">
+                <a16:creationId xmlns:a16="http://schemas.microsoft.com/office/drawing/2014/main" id="{5A0D4391-56AB-3B4F-B55C-433271992896}"/>
+              </a:ext>
+            </a:extLst>
+          </p:cNvPr>
+          <p:cNvSpPr/>
+          <p:nvPr/>
+        </p:nvSpPr>
+        <p:spPr>
+          <a:xfrm>
+            <a:off x="675524" y="2312850"/>
+            <a:ext cx="5055432" cy="1842923"/>
+          </a:xfrm>
+          <a:prstGeom prst="rect">
+            <a:avLst/>
+          </a:prstGeom>
+          <a:solidFill>
+            <a:schemeClr val="bg1">
+              <a:lumMod val="95000"/>
+            </a:schemeClr>
+          </a:solidFill>
+          <a:ln w="3175">
+            <a:solidFill>
+              <a:schemeClr val="bg1">
+                <a:lumMod val="85000"/>
+              </a:schemeClr>
+            </a:solidFill>
+          </a:ln>
+        </p:spPr>
+        <p:style>
+          <a:lnRef idx="2">
+            <a:schemeClr val="accent1">
+              <a:shade val="50000"/>
+            </a:schemeClr>
+          </a:lnRef>
+          <a:fillRef idx="1">
+            <a:schemeClr val="accent1"/>
+          </a:fillRef>
+          <a:effectRef idx="0">
+            <a:schemeClr val="accent1"/>
+          </a:effectRef>
+          <a:fontRef idx="minor">
+            <a:schemeClr val="lt1"/>
+          </a:fontRef>
+        </p:style>
+        <p:txBody>
+          <a:bodyPr rtlCol="0" anchor="t"/>
+          <a:lstStyle/>
+          <a:p>
+            <a:pPr lvl="1"/>
+            <a:r>
+              <a:rPr lang="en-US" dirty="0">
+                <a:solidFill>
+                  <a:schemeClr val="tx1"/>
+                </a:solidFill>
+              </a:rPr>
               <a:t>.</a:t>
             </a:r>
             <a:r>
-              <a:rPr lang="en-US" sz="2400" dirty="0" err="1"/>
+              <a:rPr lang="en-US" dirty="0" err="1">
+                <a:solidFill>
+                  <a:schemeClr val="accent2"/>
+                </a:solidFill>
+              </a:rPr>
               <a:t>css-transition:hover</a:t>
             </a:r>
             <a:r>
-              <a:rPr lang="en-US" sz="2400" dirty="0"/>
-              <a:t> {</a:t>
-            </a:r>
-          </a:p>
-          <a:p>
-            <a:r>
-              <a:rPr lang="en-US" sz="2400" dirty="0"/>
-              <a:t>	width: 100%;</a:t>
-            </a:r>
-          </a:p>
-          <a:p>
-            <a:r>
-              <a:rPr lang="en-US" sz="2400" dirty="0"/>
+              <a:rPr lang="en-US" dirty="0">
+                <a:solidFill>
+                  <a:schemeClr val="accent2"/>
+                </a:solidFill>
+              </a:rPr>
+              <a:t> </a:t>
+            </a:r>
+            <a:r>
+              <a:rPr lang="en-US" dirty="0">
+                <a:solidFill>
+                  <a:schemeClr val="tx1"/>
+                </a:solidFill>
+              </a:rPr>
+              <a:t>{</a:t>
+            </a:r>
+          </a:p>
+          <a:p>
+            <a:pPr lvl="1"/>
+            <a:r>
+              <a:rPr lang="en-US" dirty="0">
+                <a:solidFill>
+                  <a:schemeClr val="tx1"/>
+                </a:solidFill>
+              </a:rPr>
               <a:t>	</a:t>
             </a:r>
             <a:r>
-              <a:rPr lang="en-US" sz="2400" dirty="0">
+              <a:rPr lang="en-US" dirty="0">
+                <a:solidFill>
+                  <a:schemeClr val="accent1"/>
+                </a:solidFill>
+              </a:rPr>
+              <a:t>width: 100%;</a:t>
+            </a:r>
+          </a:p>
+          <a:p>
+            <a:pPr lvl="1"/>
+            <a:r>
+              <a:rPr lang="en-US" dirty="0">
+                <a:solidFill>
+                  <a:schemeClr val="accent1"/>
+                </a:solidFill>
+              </a:rPr>
+              <a:t>	</a:t>
+            </a:r>
+            <a:r>
+              <a:rPr lang="en-US" dirty="0">
                 <a:solidFill>
                   <a:srgbClr val="FF0000"/>
                 </a:solidFill>
               </a:rPr>
-              <a:t>transition-property: </a:t>
-            </a:r>
-            <a:r>
-              <a:rPr lang="en-US" sz="2400" dirty="0">
+              <a:t>transition:</a:t>
+            </a:r>
+            <a:r>
+              <a:rPr lang="en-US" dirty="0">
                 <a:solidFill>
                   <a:schemeClr val="accent1"/>
                 </a:solidFill>
               </a:rPr>
-              <a:t>width;</a:t>
+              <a:t> width 2s linear 1s;</a:t>
+            </a:r>
+          </a:p>
+          <a:p>
+            <a:pPr lvl="1"/>
+            <a:r>
+              <a:rPr lang="en-US" dirty="0">
+                <a:solidFill>
+                  <a:schemeClr val="tx1"/>
+                </a:solidFill>
+              </a:rPr>
+              <a:t>}</a:t>
+            </a:r>
+          </a:p>
+        </p:txBody>
+      </p:sp>
+      <p:sp>
+        <p:nvSpPr>
+          <p:cNvPr id="22" name="Rectangle 21">
+            <a:extLst>
+              <a:ext uri="{FF2B5EF4-FFF2-40B4-BE49-F238E27FC236}">
+                <a16:creationId xmlns:a16="http://schemas.microsoft.com/office/drawing/2014/main" id="{DF43F5C5-2E9E-F246-9D4A-0BD3C3CF6D8D}"/>
+              </a:ext>
+            </a:extLst>
+          </p:cNvPr>
+          <p:cNvSpPr/>
+          <p:nvPr/>
+        </p:nvSpPr>
+        <p:spPr>
+          <a:xfrm>
+            <a:off x="5730956" y="2312851"/>
+            <a:ext cx="5550188" cy="1842922"/>
+          </a:xfrm>
+          <a:prstGeom prst="rect">
+            <a:avLst/>
+          </a:prstGeom>
+          <a:solidFill>
+            <a:schemeClr val="bg1">
+              <a:lumMod val="95000"/>
+            </a:schemeClr>
+          </a:solidFill>
+          <a:ln w="3175">
+            <a:solidFill>
+              <a:schemeClr val="bg1">
+                <a:lumMod val="85000"/>
+              </a:schemeClr>
+            </a:solidFill>
+          </a:ln>
+        </p:spPr>
+        <p:style>
+          <a:lnRef idx="2">
+            <a:schemeClr val="accent1">
+              <a:shade val="50000"/>
+            </a:schemeClr>
+          </a:lnRef>
+          <a:fillRef idx="1">
+            <a:schemeClr val="accent1"/>
+          </a:fillRef>
+          <a:effectRef idx="0">
+            <a:schemeClr val="accent1"/>
+          </a:effectRef>
+          <a:fontRef idx="minor">
+            <a:schemeClr val="lt1"/>
+          </a:fontRef>
+        </p:style>
+        <p:txBody>
+          <a:bodyPr rtlCol="0" anchor="t"/>
+          <a:lstStyle/>
+          <a:p>
+            <a:pPr lvl="1"/>
+            <a:r>
+              <a:rPr lang="en-US" dirty="0">
+                <a:solidFill>
+                  <a:schemeClr val="tx1"/>
+                </a:solidFill>
+              </a:rPr>
+              <a:t>.</a:t>
+            </a:r>
+            <a:r>
+              <a:rPr lang="en-US" dirty="0" err="1">
+                <a:solidFill>
+                  <a:schemeClr val="accent2"/>
+                </a:solidFill>
+              </a:rPr>
+              <a:t>css-transition:hover</a:t>
+            </a:r>
+            <a:r>
+              <a:rPr lang="en-US" dirty="0">
+                <a:solidFill>
+                  <a:schemeClr val="accent2"/>
+                </a:solidFill>
+              </a:rPr>
+              <a:t> </a:t>
+            </a:r>
+            <a:r>
+              <a:rPr lang="en-US" dirty="0">
+                <a:solidFill>
+                  <a:schemeClr val="tx1"/>
+                </a:solidFill>
+              </a:rPr>
+              <a:t>{</a:t>
+            </a:r>
+          </a:p>
+          <a:p>
+            <a:pPr lvl="1"/>
+            <a:r>
+              <a:rPr lang="en-US" dirty="0">
+                <a:solidFill>
+                  <a:schemeClr val="tx1"/>
+                </a:solidFill>
+              </a:rPr>
+              <a:t>	</a:t>
+            </a:r>
+            <a:r>
+              <a:rPr lang="en-US" dirty="0">
+                <a:solidFill>
+                  <a:schemeClr val="accent1"/>
+                </a:solidFill>
+              </a:rPr>
+              <a:t>width: 100%;</a:t>
+            </a:r>
+          </a:p>
+          <a:p>
+            <a:pPr lvl="1"/>
+            <a:r>
+              <a:rPr lang="en-US" dirty="0">
+                <a:solidFill>
+                  <a:schemeClr val="accent1"/>
+                </a:solidFill>
+              </a:rPr>
+              <a:t>	</a:t>
+            </a:r>
+            <a:r>
+              <a:rPr lang="en-US" dirty="0">
+                <a:solidFill>
+                  <a:srgbClr val="FF0000"/>
+                </a:solidFill>
+              </a:rPr>
+              <a:t>transition-property:</a:t>
+            </a:r>
+            <a:r>
+              <a:rPr lang="en-US" dirty="0">
+                <a:solidFill>
+                  <a:schemeClr val="accent1"/>
+                </a:solidFill>
+              </a:rPr>
+              <a:t> width;</a:t>
             </a:r>
             <a:br>
-              <a:rPr lang="en-US" sz="2400" dirty="0">
-                <a:solidFill>
-                  <a:srgbClr val="FF0000"/>
+              <a:rPr lang="en-US" dirty="0">
+                <a:solidFill>
+                  <a:schemeClr val="accent1"/>
                 </a:solidFill>
               </a:rPr>
             </a:br>
             <a:r>
-              <a:rPr lang="en-US" sz="2400" dirty="0">
+              <a:rPr lang="en-US" dirty="0">
+                <a:solidFill>
+                  <a:schemeClr val="accent1"/>
+                </a:solidFill>
+              </a:rPr>
+              <a:t> 	</a:t>
+            </a:r>
+            <a:r>
+              <a:rPr lang="en-US" dirty="0">
                 <a:solidFill>
                   <a:srgbClr val="FF0000"/>
                 </a:solidFill>
               </a:rPr>
-              <a:t> 	transition-duration: </a:t>
-            </a:r>
-            <a:r>
-              <a:rPr lang="en-US" sz="2400" dirty="0">
+              <a:t>transition-duration:</a:t>
+            </a:r>
+            <a:r>
+              <a:rPr lang="en-US" dirty="0">
                 <a:solidFill>
                   <a:schemeClr val="accent1"/>
                 </a:solidFill>
               </a:rPr>
-              <a:t>2s;</a:t>
+              <a:t> 2s;</a:t>
             </a:r>
             <a:br>
-              <a:rPr lang="en-US" sz="2400" dirty="0">
-                <a:solidFill>
-                  <a:srgbClr val="FF0000"/>
+              <a:rPr lang="en-US" dirty="0">
+                <a:solidFill>
+                  <a:schemeClr val="accent1"/>
                 </a:solidFill>
               </a:rPr>
             </a:br>
             <a:r>
-              <a:rPr lang="en-US" sz="2400" dirty="0">
+              <a:rPr lang="en-US" dirty="0">
+                <a:solidFill>
+                  <a:schemeClr val="accent1"/>
+                </a:solidFill>
+              </a:rPr>
+              <a:t> 	</a:t>
+            </a:r>
+            <a:r>
+              <a:rPr lang="en-US" dirty="0">
                 <a:solidFill>
                   <a:srgbClr val="FF0000"/>
                 </a:solidFill>
               </a:rPr>
-              <a:t> 	transition-timing-function:</a:t>
-            </a:r>
-            <a:r>
-              <a:rPr lang="en-US" sz="2400" dirty="0">
+              <a:t>transition-timing-function: </a:t>
+            </a:r>
+            <a:r>
+              <a:rPr lang="en-US" dirty="0">
                 <a:solidFill>
                   <a:schemeClr val="accent1"/>
                 </a:solidFill>
               </a:rPr>
-              <a:t> linear;</a:t>
+              <a:t>linear;</a:t>
             </a:r>
             <a:br>
-              <a:rPr lang="en-US" sz="2400" dirty="0">
+              <a:rPr lang="en-US" dirty="0">
                 <a:solidFill>
                   <a:schemeClr val="accent1"/>
                 </a:solidFill>
               </a:rPr>
             </a:br>
             <a:r>
-              <a:rPr lang="en-US" sz="2400" dirty="0">
+              <a:rPr lang="en-US" dirty="0">
+                <a:solidFill>
+                  <a:schemeClr val="accent1"/>
+                </a:solidFill>
+              </a:rPr>
+              <a:t> 	</a:t>
+            </a:r>
+            <a:r>
+              <a:rPr lang="en-US" dirty="0">
                 <a:solidFill>
                   <a:srgbClr val="FF0000"/>
                 </a:solidFill>
               </a:rPr>
-              <a:t> 	transition-delay: </a:t>
-            </a:r>
-            <a:r>
-              <a:rPr lang="en-US" sz="2400" dirty="0">
+              <a:t>transition-delay: </a:t>
+            </a:r>
+            <a:r>
+              <a:rPr lang="en-US" dirty="0">
                 <a:solidFill>
                   <a:schemeClr val="accent1"/>
                 </a:solidFill>
               </a:rPr>
-              <a:t>1s;</a:t>
-            </a:r>
-          </a:p>
-          <a:p>
-            <a:r>
-              <a:rPr lang="en-US" sz="2400" dirty="0"/>
+              <a:t>1s; </a:t>
+            </a:r>
+            <a:r>
+              <a:rPr lang="en-US" dirty="0">
+                <a:solidFill>
+                  <a:schemeClr val="tx1"/>
+                </a:solidFill>
+              </a:rPr>
               <a:t>}</a:t>
             </a:r>
           </a:p>
@@ -4881,10 +5366,10 @@
       </p:sp>
       <p:sp>
         <p:nvSpPr>
-          <p:cNvPr id="15" name="TextBox 14">
-            <a:extLst>
-              <a:ext uri="{FF2B5EF4-FFF2-40B4-BE49-F238E27FC236}">
-                <a16:creationId xmlns:a16="http://schemas.microsoft.com/office/drawing/2014/main" id="{B51DBD85-8607-4E5A-80A6-B619AB37E784}"/>
+          <p:cNvPr id="16" name="TextBox 15">
+            <a:extLst>
+              <a:ext uri="{FF2B5EF4-FFF2-40B4-BE49-F238E27FC236}">
+                <a16:creationId xmlns:a16="http://schemas.microsoft.com/office/drawing/2014/main" id="{44281892-D1E1-CC45-98D1-2889A088092A}"/>
               </a:ext>
             </a:extLst>
           </p:cNvPr>
@@ -4893,101 +5378,8 @@
         </p:nvSpPr>
         <p:spPr>
           <a:xfrm>
-            <a:off x="6650639" y="1745955"/>
-            <a:ext cx="4727704" cy="1569660"/>
-          </a:xfrm>
-          <a:prstGeom prst="rect">
-            <a:avLst/>
-          </a:prstGeom>
-          <a:noFill/>
-        </p:spPr>
-        <p:txBody>
-          <a:bodyPr wrap="none" rtlCol="0">
-            <a:spAutoFit/>
-          </a:bodyPr>
-          <a:lstStyle/>
-          <a:p>
-            <a:r>
-              <a:rPr lang="en-US" sz="2400" dirty="0"/>
-              <a:t>.</a:t>
-            </a:r>
-            <a:r>
-              <a:rPr lang="en-US" sz="2400" dirty="0" err="1"/>
-              <a:t>css-transition:hover</a:t>
-            </a:r>
-            <a:r>
-              <a:rPr lang="en-US" sz="2400" dirty="0"/>
-              <a:t> {</a:t>
-            </a:r>
-          </a:p>
-          <a:p>
-            <a:r>
-              <a:rPr lang="en-US" sz="2400" dirty="0"/>
-              <a:t>	width: 100%;</a:t>
-            </a:r>
-          </a:p>
-          <a:p>
-            <a:r>
-              <a:rPr lang="en-US" sz="2400" dirty="0"/>
-              <a:t>	</a:t>
-            </a:r>
-            <a:r>
-              <a:rPr lang="en-US" sz="2400" dirty="0">
-                <a:solidFill>
-                  <a:srgbClr val="FF0000"/>
-                </a:solidFill>
-              </a:rPr>
-              <a:t>transition: </a:t>
-            </a:r>
-            <a:r>
-              <a:rPr lang="en-US" sz="2400" dirty="0">
-                <a:solidFill>
-                  <a:schemeClr val="accent1"/>
-                </a:solidFill>
-              </a:rPr>
-              <a:t>width</a:t>
-            </a:r>
-            <a:r>
-              <a:rPr lang="en-US" sz="2400" dirty="0">
-                <a:solidFill>
-                  <a:srgbClr val="FF0000"/>
-                </a:solidFill>
-              </a:rPr>
-              <a:t> </a:t>
-            </a:r>
-            <a:r>
-              <a:rPr lang="en-US" sz="2400" dirty="0">
-                <a:solidFill>
-                  <a:schemeClr val="accent1"/>
-                </a:solidFill>
-              </a:rPr>
-              <a:t>2s linear 1s;</a:t>
-            </a:r>
-          </a:p>
-          <a:p>
-            <a:r>
-              <a:rPr lang="en-US" sz="2400" dirty="0"/>
-              <a:t>}</a:t>
-            </a:r>
-          </a:p>
-        </p:txBody>
-      </p:sp>
-      <p:sp>
-        <p:nvSpPr>
-          <p:cNvPr id="16" name="TextBox 15">
-            <a:extLst>
-              <a:ext uri="{FF2B5EF4-FFF2-40B4-BE49-F238E27FC236}">
-                <a16:creationId xmlns:a16="http://schemas.microsoft.com/office/drawing/2014/main" id="{66D54BD1-8381-4EE5-8E00-75C5A7A35C36}"/>
-              </a:ext>
-            </a:extLst>
-          </p:cNvPr>
-          <p:cNvSpPr txBox="1"/>
-          <p:nvPr/>
-        </p:nvSpPr>
-        <p:spPr>
-          <a:xfrm>
-            <a:off x="1107866" y="4737800"/>
-            <a:ext cx="9976267" cy="589072"/>
+            <a:off x="3068560" y="10633"/>
+            <a:ext cx="5744777" cy="1003031"/>
           </a:xfrm>
           <a:prstGeom prst="rect">
             <a:avLst/>
@@ -5006,16 +5398,55 @@
               </a:lnSpc>
             </a:pPr>
             <a:r>
-              <a:rPr lang="en-US" sz="2400" dirty="0"/>
-              <a:t>These two are equivalent.</a:t>
-            </a:r>
-          </a:p>
-        </p:txBody>
-      </p:sp>
+              <a:rPr lang="en-US" sz="4400" dirty="0"/>
+              <a:t>Transition Property</a:t>
+            </a:r>
+          </a:p>
+        </p:txBody>
+      </p:sp>
+      <p:cxnSp>
+        <p:nvCxnSpPr>
+          <p:cNvPr id="17" name="Straight Connector 16">
+            <a:extLst>
+              <a:ext uri="{FF2B5EF4-FFF2-40B4-BE49-F238E27FC236}">
+                <a16:creationId xmlns:a16="http://schemas.microsoft.com/office/drawing/2014/main" id="{D913FD01-6146-F748-9B9C-DD4334937F8B}"/>
+              </a:ext>
+            </a:extLst>
+          </p:cNvPr>
+          <p:cNvCxnSpPr>
+            <a:cxnSpLocks/>
+          </p:cNvCxnSpPr>
+          <p:nvPr/>
+        </p:nvCxnSpPr>
+        <p:spPr>
+          <a:xfrm>
+            <a:off x="5730956" y="1013664"/>
+            <a:ext cx="419986" cy="0"/>
+          </a:xfrm>
+          <a:prstGeom prst="line">
+            <a:avLst/>
+          </a:prstGeom>
+          <a:ln w="28575"/>
+        </p:spPr>
+        <p:style>
+          <a:lnRef idx="1">
+            <a:schemeClr val="dk1"/>
+          </a:lnRef>
+          <a:fillRef idx="0">
+            <a:schemeClr val="dk1"/>
+          </a:fillRef>
+          <a:effectRef idx="0">
+            <a:schemeClr val="dk1"/>
+          </a:effectRef>
+          <a:fontRef idx="minor">
+            <a:schemeClr val="tx1"/>
+          </a:fontRef>
+        </p:style>
+      </p:cxnSp>
     </p:spTree>
     <p:extLst>
       <p:ext uri="{BB962C8B-B14F-4D97-AF65-F5344CB8AC3E}">
-        <p14:creationId xmlns:p14="http://schemas.microsoft.com/office/powerpoint/2010/main" val="3394027207"/>
+        <p14:creationId xmlns:p14="http://schemas.microsoft.com/office/powerpoint/2010/main" val="2125227698"/>
       </p:ext>
     </p:extLst>
   </p:cSld>
@@ -5227,17 +5658,17 @@
                   <a:schemeClr val="bg1"/>
                 </a:solidFill>
               </a:rPr>
-              <a:t>Lecture 05 | Basic Animations</a:t>
-            </a:r>
-          </a:p>
-        </p:txBody>
-      </p:sp>
-      <p:sp>
-        <p:nvSpPr>
-          <p:cNvPr id="2" name="TextBox 1">
-            <a:extLst>
-              <a:ext uri="{FF2B5EF4-FFF2-40B4-BE49-F238E27FC236}">
-                <a16:creationId xmlns:a16="http://schemas.microsoft.com/office/drawing/2014/main" id="{53B4155B-BFEB-48D4-B480-5EF1BB7CA9FD}"/>
+              <a:t>Lecture 07 | Basic Animations</a:t>
+            </a:r>
+          </a:p>
+        </p:txBody>
+      </p:sp>
+      <p:sp>
+        <p:nvSpPr>
+          <p:cNvPr id="15" name="TextBox 14">
+            <a:extLst>
+              <a:ext uri="{FF2B5EF4-FFF2-40B4-BE49-F238E27FC236}">
+                <a16:creationId xmlns:a16="http://schemas.microsoft.com/office/drawing/2014/main" id="{CD9FDE3C-2991-4DB4-89CF-913FB487E8A2}"/>
               </a:ext>
             </a:extLst>
           </p:cNvPr>
@@ -5246,8 +5677,8 @@
         </p:nvSpPr>
         <p:spPr>
           <a:xfrm>
-            <a:off x="1936606" y="1537761"/>
-            <a:ext cx="2663230" cy="1938992"/>
+            <a:off x="640799" y="1512232"/>
+            <a:ext cx="9714226" cy="400110"/>
           </a:xfrm>
           <a:prstGeom prst="rect">
             <a:avLst/>
@@ -5255,45 +5686,154 @@
           <a:noFill/>
         </p:spPr>
         <p:txBody>
-          <a:bodyPr wrap="none" rtlCol="0">
+          <a:bodyPr wrap="square" rtlCol="0">
             <a:spAutoFit/>
           </a:bodyPr>
           <a:lstStyle/>
           <a:p>
             <a:r>
-              <a:rPr lang="en-US" sz="2400" dirty="0"/>
+              <a:rPr lang="en-US" sz="2000" dirty="0"/>
+              <a:t>We can have separate animation cycles for different values. </a:t>
+            </a:r>
+          </a:p>
+        </p:txBody>
+      </p:sp>
+      <p:sp>
+        <p:nvSpPr>
+          <p:cNvPr id="20" name="Rectangle 19">
+            <a:extLst>
+              <a:ext uri="{FF2B5EF4-FFF2-40B4-BE49-F238E27FC236}">
+                <a16:creationId xmlns:a16="http://schemas.microsoft.com/office/drawing/2014/main" id="{5A0D4391-56AB-3B4F-B55C-433271992896}"/>
+              </a:ext>
+            </a:extLst>
+          </p:cNvPr>
+          <p:cNvSpPr/>
+          <p:nvPr/>
+        </p:nvSpPr>
+        <p:spPr>
+          <a:xfrm>
+            <a:off x="675524" y="1930078"/>
+            <a:ext cx="5055432" cy="2365476"/>
+          </a:xfrm>
+          <a:prstGeom prst="rect">
+            <a:avLst/>
+          </a:prstGeom>
+          <a:solidFill>
+            <a:schemeClr val="bg1">
+              <a:lumMod val="95000"/>
+            </a:schemeClr>
+          </a:solidFill>
+          <a:ln w="3175">
+            <a:solidFill>
+              <a:schemeClr val="bg1">
+                <a:lumMod val="85000"/>
+              </a:schemeClr>
+            </a:solidFill>
+          </a:ln>
+        </p:spPr>
+        <p:style>
+          <a:lnRef idx="2">
+            <a:schemeClr val="accent1">
+              <a:shade val="50000"/>
+            </a:schemeClr>
+          </a:lnRef>
+          <a:fillRef idx="1">
+            <a:schemeClr val="accent1"/>
+          </a:fillRef>
+          <a:effectRef idx="0">
+            <a:schemeClr val="accent1"/>
+          </a:effectRef>
+          <a:fontRef idx="minor">
+            <a:schemeClr val="lt1"/>
+          </a:fontRef>
+        </p:style>
+        <p:txBody>
+          <a:bodyPr rtlCol="0" anchor="t"/>
+          <a:lstStyle/>
+          <a:p>
+            <a:pPr lvl="1"/>
+            <a:r>
+              <a:rPr lang="en-US" dirty="0">
+                <a:solidFill>
+                  <a:schemeClr val="tx1"/>
+                </a:solidFill>
+              </a:rPr>
               <a:t>.</a:t>
             </a:r>
             <a:r>
-              <a:rPr lang="en-US" sz="2400" dirty="0" err="1"/>
+              <a:rPr lang="en-US" dirty="0" err="1">
+                <a:solidFill>
+                  <a:schemeClr val="accent2"/>
+                </a:solidFill>
+              </a:rPr>
               <a:t>css</a:t>
             </a:r>
             <a:r>
-              <a:rPr lang="en-US" sz="2400" dirty="0"/>
-              <a:t>-transition {</a:t>
-            </a:r>
-          </a:p>
-          <a:p>
-            <a:r>
-              <a:rPr lang="en-US" sz="2400" dirty="0"/>
-              <a:t>	width: 50%;</a:t>
-            </a:r>
-          </a:p>
-          <a:p>
-            <a:r>
-              <a:rPr lang="en-US" sz="2400" dirty="0"/>
+              <a:rPr lang="en-US" dirty="0">
+                <a:solidFill>
+                  <a:schemeClr val="accent2"/>
+                </a:solidFill>
+              </a:rPr>
+              <a:t>-transition </a:t>
+            </a:r>
+            <a:r>
+              <a:rPr lang="en-US" dirty="0">
+                <a:solidFill>
+                  <a:schemeClr val="tx1"/>
+                </a:solidFill>
+              </a:rPr>
+              <a:t>{</a:t>
+            </a:r>
+          </a:p>
+          <a:p>
+            <a:pPr lvl="1"/>
+            <a:r>
+              <a:rPr lang="en-US" dirty="0">
+                <a:solidFill>
+                  <a:schemeClr val="tx1"/>
+                </a:solidFill>
+              </a:rPr>
+              <a:t>	</a:t>
+            </a:r>
+            <a:r>
+              <a:rPr lang="en-US" dirty="0">
+                <a:solidFill>
+                  <a:schemeClr val="accent1"/>
+                </a:solidFill>
+              </a:rPr>
+              <a:t>width: 50%;</a:t>
+            </a:r>
+          </a:p>
+          <a:p>
+            <a:pPr lvl="1"/>
+            <a:r>
+              <a:rPr lang="en-US" dirty="0">
+                <a:solidFill>
+                  <a:schemeClr val="accent1"/>
+                </a:solidFill>
+              </a:rPr>
               <a:t>	height: 50%;</a:t>
             </a:r>
           </a:p>
           <a:p>
-            <a:r>
-              <a:rPr lang="en-US" sz="2400" dirty="0"/>
+            <a:pPr lvl="1"/>
+            <a:r>
+              <a:rPr lang="en-US" dirty="0">
+                <a:solidFill>
+                  <a:schemeClr val="accent1"/>
+                </a:solidFill>
+              </a:rPr>
               <a:t>	opacity: 0.5;</a:t>
             </a:r>
           </a:p>
           <a:p>
-            <a:r>
-              <a:rPr lang="en-US" sz="2400" dirty="0"/>
+            <a:pPr lvl="1"/>
+            <a:r>
+              <a:rPr lang="en-US" dirty="0">
+                <a:solidFill>
+                  <a:schemeClr val="tx1"/>
+                </a:solidFill>
+              </a:rPr>
               <a:t>}</a:t>
             </a:r>
           </a:p>
@@ -5301,70 +5841,144 @@
       </p:sp>
       <p:sp>
         <p:nvSpPr>
-          <p:cNvPr id="15" name="TextBox 14">
-            <a:extLst>
-              <a:ext uri="{FF2B5EF4-FFF2-40B4-BE49-F238E27FC236}">
-                <a16:creationId xmlns:a16="http://schemas.microsoft.com/office/drawing/2014/main" id="{B51DBD85-8607-4E5A-80A6-B619AB37E784}"/>
-              </a:ext>
-            </a:extLst>
-          </p:cNvPr>
-          <p:cNvSpPr txBox="1"/>
-          <p:nvPr/>
-        </p:nvSpPr>
-        <p:spPr>
-          <a:xfrm>
-            <a:off x="6526740" y="1537761"/>
-            <a:ext cx="4910319" cy="3046988"/>
+          <p:cNvPr id="22" name="Rectangle 21">
+            <a:extLst>
+              <a:ext uri="{FF2B5EF4-FFF2-40B4-BE49-F238E27FC236}">
+                <a16:creationId xmlns:a16="http://schemas.microsoft.com/office/drawing/2014/main" id="{DF43F5C5-2E9E-F246-9D4A-0BD3C3CF6D8D}"/>
+              </a:ext>
+            </a:extLst>
+          </p:cNvPr>
+          <p:cNvSpPr/>
+          <p:nvPr/>
+        </p:nvSpPr>
+        <p:spPr>
+          <a:xfrm>
+            <a:off x="5730956" y="1930078"/>
+            <a:ext cx="5550188" cy="2365475"/>
           </a:xfrm>
           <a:prstGeom prst="rect">
             <a:avLst/>
           </a:prstGeom>
-          <a:noFill/>
-        </p:spPr>
-        <p:txBody>
-          <a:bodyPr wrap="none" rtlCol="0">
-            <a:spAutoFit/>
-          </a:bodyPr>
-          <a:lstStyle/>
-          <a:p>
-            <a:r>
-              <a:rPr lang="en-US" sz="2400" dirty="0"/>
+          <a:solidFill>
+            <a:schemeClr val="bg1">
+              <a:lumMod val="95000"/>
+            </a:schemeClr>
+          </a:solidFill>
+          <a:ln w="3175">
+            <a:solidFill>
+              <a:schemeClr val="bg1">
+                <a:lumMod val="85000"/>
+              </a:schemeClr>
+            </a:solidFill>
+          </a:ln>
+        </p:spPr>
+        <p:style>
+          <a:lnRef idx="2">
+            <a:schemeClr val="accent1">
+              <a:shade val="50000"/>
+            </a:schemeClr>
+          </a:lnRef>
+          <a:fillRef idx="1">
+            <a:schemeClr val="accent1"/>
+          </a:fillRef>
+          <a:effectRef idx="0">
+            <a:schemeClr val="accent1"/>
+          </a:effectRef>
+          <a:fontRef idx="minor">
+            <a:schemeClr val="lt1"/>
+          </a:fontRef>
+        </p:style>
+        <p:txBody>
+          <a:bodyPr rtlCol="0" anchor="t"/>
+          <a:lstStyle/>
+          <a:p>
+            <a:pPr lvl="1"/>
+            <a:r>
+              <a:rPr lang="en-US" dirty="0">
+                <a:solidFill>
+                  <a:schemeClr val="tx1"/>
+                </a:solidFill>
+              </a:rPr>
               <a:t>.</a:t>
             </a:r>
             <a:r>
-              <a:rPr lang="en-US" sz="2400" dirty="0" err="1"/>
+              <a:rPr lang="en-US" dirty="0" err="1">
+                <a:solidFill>
+                  <a:schemeClr val="accent2"/>
+                </a:solidFill>
+              </a:rPr>
               <a:t>css-transition:hover</a:t>
             </a:r>
             <a:r>
-              <a:rPr lang="en-US" sz="2400" dirty="0"/>
-              <a:t> {</a:t>
-            </a:r>
-          </a:p>
-          <a:p>
-            <a:r>
-              <a:rPr lang="en-US" sz="2400" dirty="0"/>
-              <a:t>	width: 100%;</a:t>
-            </a:r>
-          </a:p>
-          <a:p>
-            <a:r>
-              <a:rPr lang="en-US" sz="2400" dirty="0"/>
+              <a:rPr lang="en-US" dirty="0">
+                <a:solidFill>
+                  <a:schemeClr val="accent2"/>
+                </a:solidFill>
+              </a:rPr>
+              <a:t> </a:t>
+            </a:r>
+            <a:r>
+              <a:rPr lang="en-US" dirty="0">
+                <a:solidFill>
+                  <a:schemeClr val="tx1"/>
+                </a:solidFill>
+              </a:rPr>
+              <a:t>{</a:t>
+            </a:r>
+          </a:p>
+          <a:p>
+            <a:pPr lvl="1"/>
+            <a:r>
+              <a:rPr lang="en-US" dirty="0">
+                <a:solidFill>
+                  <a:schemeClr val="tx1"/>
+                </a:solidFill>
+              </a:rPr>
+              <a:t>	</a:t>
+            </a:r>
+            <a:r>
+              <a:rPr lang="en-US" dirty="0">
+                <a:solidFill>
+                  <a:schemeClr val="accent1"/>
+                </a:solidFill>
+              </a:rPr>
+              <a:t>width: 100%;</a:t>
+            </a:r>
+          </a:p>
+          <a:p>
+            <a:pPr lvl="1"/>
+            <a:r>
+              <a:rPr lang="en-US" dirty="0">
+                <a:solidFill>
+                  <a:schemeClr val="accent1"/>
+                </a:solidFill>
+              </a:rPr>
               <a:t>	height: 100%;</a:t>
             </a:r>
           </a:p>
           <a:p>
-            <a:r>
-              <a:rPr lang="en-US" sz="2400" dirty="0"/>
+            <a:pPr lvl="1"/>
+            <a:r>
+              <a:rPr lang="en-US" dirty="0">
+                <a:solidFill>
+                  <a:schemeClr val="accent1"/>
+                </a:solidFill>
+              </a:rPr>
               <a:t>	opacity: 1;</a:t>
             </a:r>
           </a:p>
           <a:p>
-            <a:r>
-              <a:rPr lang="en-US" sz="2400" dirty="0"/>
+            <a:pPr lvl="1"/>
+            <a:r>
+              <a:rPr lang="en-US" dirty="0">
+                <a:solidFill>
+                  <a:schemeClr val="accent1"/>
+                </a:solidFill>
+              </a:rPr>
               <a:t>	</a:t>
             </a:r>
             <a:r>
-              <a:rPr lang="en-US" sz="2400" dirty="0">
+              <a:rPr lang="en-US" dirty="0">
                 <a:solidFill>
                   <a:srgbClr val="FF0000"/>
                 </a:solidFill>
@@ -5372,85 +5986,52 @@
               <a:t>transition: </a:t>
             </a:r>
             <a:r>
-              <a:rPr lang="en-US" sz="2400" dirty="0">
+              <a:rPr lang="en-US" dirty="0">
                 <a:solidFill>
                   <a:schemeClr val="accent1"/>
                 </a:solidFill>
               </a:rPr>
-              <a:t>width</a:t>
-            </a:r>
-            <a:r>
-              <a:rPr lang="en-US" sz="2400" dirty="0">
-                <a:solidFill>
-                  <a:srgbClr val="FF0000"/>
+              <a:t>width 2s linear 1s,</a:t>
+            </a:r>
+          </a:p>
+          <a:p>
+            <a:pPr lvl="1"/>
+            <a:r>
+              <a:rPr lang="en-US" dirty="0">
+                <a:solidFill>
+                  <a:schemeClr val="accent1"/>
                 </a:solidFill>
               </a:rPr>
-              <a:t> </a:t>
-            </a:r>
-            <a:r>
-              <a:rPr lang="en-US" sz="2400" dirty="0">
+              <a:t>		  height 2s linear 1s;</a:t>
+            </a:r>
+          </a:p>
+          <a:p>
+            <a:pPr lvl="1"/>
+            <a:r>
+              <a:rPr lang="en-US" dirty="0">
                 <a:solidFill>
                   <a:schemeClr val="accent1"/>
                 </a:solidFill>
               </a:rPr>
-              <a:t>2s linear 1s,</a:t>
-            </a:r>
-          </a:p>
-          <a:p>
-            <a:r>
-              <a:rPr lang="en-US" sz="2400" dirty="0">
+              <a:t>		  opacity 3s cubic 0s;</a:t>
+            </a:r>
+          </a:p>
+          <a:p>
+            <a:pPr lvl="1"/>
+            <a:r>
+              <a:rPr lang="en-US" dirty="0">
                 <a:solidFill>
                   <a:schemeClr val="accent1"/>
                 </a:solidFill>
               </a:rPr>
-              <a:t>		      height</a:t>
-            </a:r>
-            <a:r>
-              <a:rPr lang="en-US" sz="2400" dirty="0">
-                <a:solidFill>
-                  <a:srgbClr val="FF0000"/>
+              <a:t> </a:t>
+            </a:r>
+            <a:r>
+              <a:rPr lang="en-US" dirty="0">
+                <a:solidFill>
+                  <a:schemeClr val="tx1"/>
                 </a:solidFill>
               </a:rPr>
-              <a:t> </a:t>
-            </a:r>
-            <a:r>
-              <a:rPr lang="en-US" sz="2400" dirty="0">
-                <a:solidFill>
-                  <a:schemeClr val="accent1"/>
-                </a:solidFill>
-              </a:rPr>
-              <a:t>2s linear 1s;</a:t>
-            </a:r>
-          </a:p>
-          <a:p>
-            <a:r>
-              <a:rPr lang="en-US" sz="2400" dirty="0">
-                <a:solidFill>
-                  <a:schemeClr val="accent1"/>
-                </a:solidFill>
-              </a:rPr>
-              <a:t>		      opacity</a:t>
-            </a:r>
-            <a:r>
-              <a:rPr lang="en-US" sz="2400" dirty="0">
-                <a:solidFill>
-                  <a:srgbClr val="FF0000"/>
-                </a:solidFill>
-              </a:rPr>
-              <a:t> </a:t>
-            </a:r>
-            <a:r>
-              <a:rPr lang="en-US" sz="2400" dirty="0">
-                <a:solidFill>
-                  <a:schemeClr val="accent1"/>
-                </a:solidFill>
-              </a:rPr>
-              <a:t>3s cubic 0s;</a:t>
-            </a:r>
-          </a:p>
-          <a:p>
-            <a:r>
-              <a:rPr lang="en-US" sz="2400" dirty="0"/>
               <a:t>}</a:t>
             </a:r>
           </a:p>
@@ -5461,7 +6042,7 @@
           <p:cNvPr id="16" name="TextBox 15">
             <a:extLst>
               <a:ext uri="{FF2B5EF4-FFF2-40B4-BE49-F238E27FC236}">
-                <a16:creationId xmlns:a16="http://schemas.microsoft.com/office/drawing/2014/main" id="{66D54BD1-8381-4EE5-8E00-75C5A7A35C36}"/>
+                <a16:creationId xmlns:a16="http://schemas.microsoft.com/office/drawing/2014/main" id="{44281892-D1E1-CC45-98D1-2889A088092A}"/>
               </a:ext>
             </a:extLst>
           </p:cNvPr>
@@ -5470,8 +6051,8 @@
         </p:nvSpPr>
         <p:spPr>
           <a:xfrm>
-            <a:off x="1107866" y="4887492"/>
-            <a:ext cx="9976267" cy="589072"/>
+            <a:off x="3068560" y="10633"/>
+            <a:ext cx="5744777" cy="1003031"/>
           </a:xfrm>
           <a:prstGeom prst="rect">
             <a:avLst/>
@@ -5490,8 +6071,388 @@
               </a:lnSpc>
             </a:pPr>
             <a:r>
-              <a:rPr lang="en-US" sz="2400" dirty="0"/>
-              <a:t>We specify an animation cycle for each value we want to animate over.</a:t>
+              <a:rPr lang="en-US" sz="4400" dirty="0"/>
+              <a:t>Transition Property</a:t>
+            </a:r>
+          </a:p>
+        </p:txBody>
+      </p:sp>
+      <p:cxnSp>
+        <p:nvCxnSpPr>
+          <p:cNvPr id="17" name="Straight Connector 16">
+            <a:extLst>
+              <a:ext uri="{FF2B5EF4-FFF2-40B4-BE49-F238E27FC236}">
+                <a16:creationId xmlns:a16="http://schemas.microsoft.com/office/drawing/2014/main" id="{D913FD01-6146-F748-9B9C-DD4334937F8B}"/>
+              </a:ext>
+            </a:extLst>
+          </p:cNvPr>
+          <p:cNvCxnSpPr>
+            <a:cxnSpLocks/>
+          </p:cNvCxnSpPr>
+          <p:nvPr/>
+        </p:nvCxnSpPr>
+        <p:spPr>
+          <a:xfrm>
+            <a:off x="5730956" y="1013664"/>
+            <a:ext cx="419986" cy="0"/>
+          </a:xfrm>
+          <a:prstGeom prst="line">
+            <a:avLst/>
+          </a:prstGeom>
+          <a:ln w="28575"/>
+        </p:spPr>
+        <p:style>
+          <a:lnRef idx="1">
+            <a:schemeClr val="dk1"/>
+          </a:lnRef>
+          <a:fillRef idx="0">
+            <a:schemeClr val="dk1"/>
+          </a:fillRef>
+          <a:effectRef idx="0">
+            <a:schemeClr val="dk1"/>
+          </a:effectRef>
+          <a:fontRef idx="minor">
+            <a:schemeClr val="tx1"/>
+          </a:fontRef>
+        </p:style>
+      </p:cxnSp>
+      <p:sp>
+        <p:nvSpPr>
+          <p:cNvPr id="11" name="TextBox 10">
+            <a:extLst>
+              <a:ext uri="{FF2B5EF4-FFF2-40B4-BE49-F238E27FC236}">
+                <a16:creationId xmlns:a16="http://schemas.microsoft.com/office/drawing/2014/main" id="{1DBD7ABE-B2F1-CF40-8A25-5222BACA13B2}"/>
+              </a:ext>
+            </a:extLst>
+          </p:cNvPr>
+          <p:cNvSpPr txBox="1"/>
+          <p:nvPr/>
+        </p:nvSpPr>
+        <p:spPr>
+          <a:xfrm>
+            <a:off x="640799" y="4429097"/>
+            <a:ext cx="9714226" cy="400110"/>
+          </a:xfrm>
+          <a:prstGeom prst="rect">
+            <a:avLst/>
+          </a:prstGeom>
+          <a:noFill/>
+        </p:spPr>
+        <p:txBody>
+          <a:bodyPr wrap="square" rtlCol="0">
+            <a:spAutoFit/>
+          </a:bodyPr>
+          <a:lstStyle/>
+          <a:p>
+            <a:r>
+              <a:rPr lang="en-US" sz="2000" dirty="0"/>
+              <a:t>Or we can have all properties share the same interpolation.</a:t>
+            </a:r>
+          </a:p>
+        </p:txBody>
+      </p:sp>
+      <p:sp>
+        <p:nvSpPr>
+          <p:cNvPr id="12" name="Rectangle 11">
+            <a:extLst>
+              <a:ext uri="{FF2B5EF4-FFF2-40B4-BE49-F238E27FC236}">
+                <a16:creationId xmlns:a16="http://schemas.microsoft.com/office/drawing/2014/main" id="{4A6C830E-3040-1B46-A5BE-C4820362162C}"/>
+              </a:ext>
+            </a:extLst>
+          </p:cNvPr>
+          <p:cNvSpPr/>
+          <p:nvPr/>
+        </p:nvSpPr>
+        <p:spPr>
+          <a:xfrm>
+            <a:off x="675524" y="4846943"/>
+            <a:ext cx="5055432" cy="1513218"/>
+          </a:xfrm>
+          <a:prstGeom prst="rect">
+            <a:avLst/>
+          </a:prstGeom>
+          <a:solidFill>
+            <a:schemeClr val="bg1">
+              <a:lumMod val="95000"/>
+            </a:schemeClr>
+          </a:solidFill>
+          <a:ln w="3175">
+            <a:solidFill>
+              <a:schemeClr val="bg1">
+                <a:lumMod val="85000"/>
+              </a:schemeClr>
+            </a:solidFill>
+          </a:ln>
+        </p:spPr>
+        <p:style>
+          <a:lnRef idx="2">
+            <a:schemeClr val="accent1">
+              <a:shade val="50000"/>
+            </a:schemeClr>
+          </a:lnRef>
+          <a:fillRef idx="1">
+            <a:schemeClr val="accent1"/>
+          </a:fillRef>
+          <a:effectRef idx="0">
+            <a:schemeClr val="accent1"/>
+          </a:effectRef>
+          <a:fontRef idx="minor">
+            <a:schemeClr val="lt1"/>
+          </a:fontRef>
+        </p:style>
+        <p:txBody>
+          <a:bodyPr rtlCol="0" anchor="t"/>
+          <a:lstStyle/>
+          <a:p>
+            <a:pPr lvl="1"/>
+            <a:r>
+              <a:rPr lang="en-US" dirty="0">
+                <a:solidFill>
+                  <a:schemeClr val="tx1"/>
+                </a:solidFill>
+              </a:rPr>
+              <a:t>.</a:t>
+            </a:r>
+            <a:r>
+              <a:rPr lang="en-US" dirty="0" err="1">
+                <a:solidFill>
+                  <a:schemeClr val="accent2"/>
+                </a:solidFill>
+              </a:rPr>
+              <a:t>css</a:t>
+            </a:r>
+            <a:r>
+              <a:rPr lang="en-US" dirty="0">
+                <a:solidFill>
+                  <a:schemeClr val="accent2"/>
+                </a:solidFill>
+              </a:rPr>
+              <a:t>-transition </a:t>
+            </a:r>
+            <a:r>
+              <a:rPr lang="en-US" dirty="0">
+                <a:solidFill>
+                  <a:schemeClr val="tx1"/>
+                </a:solidFill>
+              </a:rPr>
+              <a:t>{</a:t>
+            </a:r>
+          </a:p>
+          <a:p>
+            <a:pPr lvl="1"/>
+            <a:r>
+              <a:rPr lang="en-US" dirty="0">
+                <a:solidFill>
+                  <a:schemeClr val="tx1"/>
+                </a:solidFill>
+              </a:rPr>
+              <a:t>	</a:t>
+            </a:r>
+            <a:r>
+              <a:rPr lang="en-US" dirty="0">
+                <a:solidFill>
+                  <a:schemeClr val="accent1"/>
+                </a:solidFill>
+              </a:rPr>
+              <a:t>width: 50%;</a:t>
+            </a:r>
+          </a:p>
+          <a:p>
+            <a:pPr lvl="1"/>
+            <a:r>
+              <a:rPr lang="en-US" dirty="0">
+                <a:solidFill>
+                  <a:schemeClr val="accent1"/>
+                </a:solidFill>
+              </a:rPr>
+              <a:t>	height: 50%;</a:t>
+            </a:r>
+          </a:p>
+          <a:p>
+            <a:pPr lvl="1"/>
+            <a:r>
+              <a:rPr lang="en-US" dirty="0">
+                <a:solidFill>
+                  <a:schemeClr val="accent1"/>
+                </a:solidFill>
+              </a:rPr>
+              <a:t>	opacity: 0.5;</a:t>
+            </a:r>
+          </a:p>
+          <a:p>
+            <a:pPr lvl="1"/>
+            <a:r>
+              <a:rPr lang="en-US" dirty="0">
+                <a:solidFill>
+                  <a:schemeClr val="tx1"/>
+                </a:solidFill>
+              </a:rPr>
+              <a:t>}</a:t>
+            </a:r>
+          </a:p>
+        </p:txBody>
+      </p:sp>
+      <p:sp>
+        <p:nvSpPr>
+          <p:cNvPr id="13" name="Rectangle 12">
+            <a:extLst>
+              <a:ext uri="{FF2B5EF4-FFF2-40B4-BE49-F238E27FC236}">
+                <a16:creationId xmlns:a16="http://schemas.microsoft.com/office/drawing/2014/main" id="{E7012364-2AC8-7947-B7CD-00C460303730}"/>
+              </a:ext>
+            </a:extLst>
+          </p:cNvPr>
+          <p:cNvSpPr/>
+          <p:nvPr/>
+        </p:nvSpPr>
+        <p:spPr>
+          <a:xfrm>
+            <a:off x="5730956" y="4846943"/>
+            <a:ext cx="5550188" cy="1513217"/>
+          </a:xfrm>
+          <a:prstGeom prst="rect">
+            <a:avLst/>
+          </a:prstGeom>
+          <a:solidFill>
+            <a:schemeClr val="bg1">
+              <a:lumMod val="95000"/>
+            </a:schemeClr>
+          </a:solidFill>
+          <a:ln w="3175">
+            <a:solidFill>
+              <a:schemeClr val="bg1">
+                <a:lumMod val="85000"/>
+              </a:schemeClr>
+            </a:solidFill>
+          </a:ln>
+        </p:spPr>
+        <p:style>
+          <a:lnRef idx="2">
+            <a:schemeClr val="accent1">
+              <a:shade val="50000"/>
+            </a:schemeClr>
+          </a:lnRef>
+          <a:fillRef idx="1">
+            <a:schemeClr val="accent1"/>
+          </a:fillRef>
+          <a:effectRef idx="0">
+            <a:schemeClr val="accent1"/>
+          </a:effectRef>
+          <a:fontRef idx="minor">
+            <a:schemeClr val="lt1"/>
+          </a:fontRef>
+        </p:style>
+        <p:txBody>
+          <a:bodyPr rtlCol="0" anchor="t"/>
+          <a:lstStyle/>
+          <a:p>
+            <a:pPr lvl="1"/>
+            <a:r>
+              <a:rPr lang="en-US" dirty="0">
+                <a:solidFill>
+                  <a:schemeClr val="tx1"/>
+                </a:solidFill>
+              </a:rPr>
+              <a:t>.</a:t>
+            </a:r>
+            <a:r>
+              <a:rPr lang="en-US" dirty="0" err="1">
+                <a:solidFill>
+                  <a:schemeClr val="accent2"/>
+                </a:solidFill>
+              </a:rPr>
+              <a:t>css-transition:hover</a:t>
+            </a:r>
+            <a:r>
+              <a:rPr lang="en-US" dirty="0">
+                <a:solidFill>
+                  <a:schemeClr val="accent2"/>
+                </a:solidFill>
+              </a:rPr>
+              <a:t> </a:t>
+            </a:r>
+            <a:r>
+              <a:rPr lang="en-US" dirty="0">
+                <a:solidFill>
+                  <a:schemeClr val="tx1"/>
+                </a:solidFill>
+              </a:rPr>
+              <a:t>{</a:t>
+            </a:r>
+          </a:p>
+          <a:p>
+            <a:pPr lvl="1"/>
+            <a:r>
+              <a:rPr lang="en-US" dirty="0">
+                <a:solidFill>
+                  <a:schemeClr val="tx1"/>
+                </a:solidFill>
+              </a:rPr>
+              <a:t>	</a:t>
+            </a:r>
+            <a:r>
+              <a:rPr lang="en-US" dirty="0">
+                <a:solidFill>
+                  <a:schemeClr val="accent1"/>
+                </a:solidFill>
+              </a:rPr>
+              <a:t>width: 100%;</a:t>
+            </a:r>
+          </a:p>
+          <a:p>
+            <a:pPr lvl="1"/>
+            <a:r>
+              <a:rPr lang="en-US" dirty="0">
+                <a:solidFill>
+                  <a:schemeClr val="accent1"/>
+                </a:solidFill>
+              </a:rPr>
+              <a:t>	height: 100%;</a:t>
+            </a:r>
+          </a:p>
+          <a:p>
+            <a:pPr lvl="1"/>
+            <a:r>
+              <a:rPr lang="en-US" dirty="0">
+                <a:solidFill>
+                  <a:schemeClr val="accent1"/>
+                </a:solidFill>
+              </a:rPr>
+              <a:t>	opacity: 1;</a:t>
+            </a:r>
+          </a:p>
+          <a:p>
+            <a:pPr lvl="1"/>
+            <a:r>
+              <a:rPr lang="en-US" dirty="0">
+                <a:solidFill>
+                  <a:schemeClr val="accent1"/>
+                </a:solidFill>
+              </a:rPr>
+              <a:t>	</a:t>
+            </a:r>
+            <a:r>
+              <a:rPr lang="en-US" dirty="0">
+                <a:solidFill>
+                  <a:srgbClr val="FF0000"/>
+                </a:solidFill>
+              </a:rPr>
+              <a:t>transition: </a:t>
+            </a:r>
+            <a:r>
+              <a:rPr lang="en-US" dirty="0">
+                <a:solidFill>
+                  <a:schemeClr val="accent1"/>
+                </a:solidFill>
+              </a:rPr>
+              <a:t>all 2s linear 0s, </a:t>
+            </a:r>
+            <a:r>
+              <a:rPr lang="en-US" dirty="0">
+                <a:solidFill>
+                  <a:schemeClr val="tx1"/>
+                </a:solidFill>
+              </a:rPr>
+              <a:t>}</a:t>
             </a:r>
           </a:p>
         </p:txBody>
@@ -5499,7 +6460,7 @@
     </p:spTree>
     <p:extLst>
       <p:ext uri="{BB962C8B-B14F-4D97-AF65-F5344CB8AC3E}">
-        <p14:creationId xmlns:p14="http://schemas.microsoft.com/office/powerpoint/2010/main" val="165826004"/>
+        <p14:creationId xmlns:p14="http://schemas.microsoft.com/office/powerpoint/2010/main" val="781315920"/>
       </p:ext>
     </p:extLst>
   </p:cSld>
@@ -5711,17 +6672,17 @@
                   <a:schemeClr val="bg1"/>
                 </a:solidFill>
               </a:rPr>
-              <a:t>Lecture 05 | Basic Animations</a:t>
-            </a:r>
-          </a:p>
-        </p:txBody>
-      </p:sp>
-      <p:sp>
-        <p:nvSpPr>
-          <p:cNvPr id="2" name="TextBox 1">
-            <a:extLst>
-              <a:ext uri="{FF2B5EF4-FFF2-40B4-BE49-F238E27FC236}">
-                <a16:creationId xmlns:a16="http://schemas.microsoft.com/office/drawing/2014/main" id="{53B4155B-BFEB-48D4-B480-5EF1BB7CA9FD}"/>
+              <a:t>Lecture 07 | Basic Animations</a:t>
+            </a:r>
+          </a:p>
+        </p:txBody>
+      </p:sp>
+      <p:sp>
+        <p:nvSpPr>
+          <p:cNvPr id="21" name="TextBox 20">
+            <a:extLst>
+              <a:ext uri="{FF2B5EF4-FFF2-40B4-BE49-F238E27FC236}">
+                <a16:creationId xmlns:a16="http://schemas.microsoft.com/office/drawing/2014/main" id="{F2052457-9DCE-43DF-AFE4-1D6148577FC9}"/>
               </a:ext>
             </a:extLst>
           </p:cNvPr>
@@ -5730,232 +6691,8 @@
         </p:nvSpPr>
         <p:spPr>
           <a:xfrm>
-            <a:off x="1936606" y="1537761"/>
-            <a:ext cx="2663230" cy="1938992"/>
-          </a:xfrm>
-          <a:prstGeom prst="rect">
-            <a:avLst/>
-          </a:prstGeom>
-          <a:noFill/>
-        </p:spPr>
-        <p:txBody>
-          <a:bodyPr wrap="none" rtlCol="0">
-            <a:spAutoFit/>
-          </a:bodyPr>
-          <a:lstStyle/>
-          <a:p>
-            <a:r>
-              <a:rPr lang="en-US" sz="2400" dirty="0"/>
-              <a:t>.</a:t>
-            </a:r>
-            <a:r>
-              <a:rPr lang="en-US" sz="2400" dirty="0" err="1"/>
-              <a:t>css</a:t>
-            </a:r>
-            <a:r>
-              <a:rPr lang="en-US" sz="2400" dirty="0"/>
-              <a:t>-transition {</a:t>
-            </a:r>
-          </a:p>
-          <a:p>
-            <a:r>
-              <a:rPr lang="en-US" sz="2400" dirty="0"/>
-              <a:t>	width: 50%;</a:t>
-            </a:r>
-          </a:p>
-          <a:p>
-            <a:r>
-              <a:rPr lang="en-US" sz="2400" dirty="0"/>
-              <a:t>	height: 50%;</a:t>
-            </a:r>
-          </a:p>
-          <a:p>
-            <a:r>
-              <a:rPr lang="en-US" sz="2400" dirty="0"/>
-              <a:t>	opacity: 0.5;</a:t>
-            </a:r>
-          </a:p>
-          <a:p>
-            <a:r>
-              <a:rPr lang="en-US" sz="2400" dirty="0"/>
-              <a:t>}</a:t>
-            </a:r>
-          </a:p>
-        </p:txBody>
-      </p:sp>
-      <p:sp>
-        <p:nvSpPr>
-          <p:cNvPr id="15" name="TextBox 14">
-            <a:extLst>
-              <a:ext uri="{FF2B5EF4-FFF2-40B4-BE49-F238E27FC236}">
-                <a16:creationId xmlns:a16="http://schemas.microsoft.com/office/drawing/2014/main" id="{B51DBD85-8607-4E5A-80A6-B619AB37E784}"/>
-              </a:ext>
-            </a:extLst>
-          </p:cNvPr>
-          <p:cNvSpPr txBox="1"/>
-          <p:nvPr/>
-        </p:nvSpPr>
-        <p:spPr>
-          <a:xfrm>
-            <a:off x="6526740" y="1537761"/>
-            <a:ext cx="4910319" cy="3046988"/>
-          </a:xfrm>
-          <a:prstGeom prst="rect">
-            <a:avLst/>
-          </a:prstGeom>
-          <a:noFill/>
-        </p:spPr>
-        <p:txBody>
-          <a:bodyPr wrap="none" rtlCol="0">
-            <a:spAutoFit/>
-          </a:bodyPr>
-          <a:lstStyle/>
-          <a:p>
-            <a:r>
-              <a:rPr lang="en-US" sz="2400" dirty="0"/>
-              <a:t>.</a:t>
-            </a:r>
-            <a:r>
-              <a:rPr lang="en-US" sz="2400" dirty="0" err="1"/>
-              <a:t>css-transition:hover</a:t>
-            </a:r>
-            <a:r>
-              <a:rPr lang="en-US" sz="2400" dirty="0"/>
-              <a:t> {</a:t>
-            </a:r>
-          </a:p>
-          <a:p>
-            <a:r>
-              <a:rPr lang="en-US" sz="2400" dirty="0"/>
-              <a:t>	width: 100%;</a:t>
-            </a:r>
-          </a:p>
-          <a:p>
-            <a:r>
-              <a:rPr lang="en-US" sz="2400" dirty="0"/>
-              <a:t>	height: 100%;</a:t>
-            </a:r>
-          </a:p>
-          <a:p>
-            <a:r>
-              <a:rPr lang="en-US" sz="2400" dirty="0"/>
-              <a:t>	opacity: 1;</a:t>
-            </a:r>
-          </a:p>
-          <a:p>
-            <a:r>
-              <a:rPr lang="en-US" sz="2400" dirty="0"/>
-              <a:t>	</a:t>
-            </a:r>
-            <a:r>
-              <a:rPr lang="en-US" sz="2400" dirty="0">
-                <a:solidFill>
-                  <a:srgbClr val="FF0000"/>
-                </a:solidFill>
-              </a:rPr>
-              <a:t>transition: </a:t>
-            </a:r>
-            <a:r>
-              <a:rPr lang="en-US" sz="2400" dirty="0">
-                <a:solidFill>
-                  <a:schemeClr val="accent1"/>
-                </a:solidFill>
-              </a:rPr>
-              <a:t>width</a:t>
-            </a:r>
-            <a:r>
-              <a:rPr lang="en-US" sz="2400" dirty="0">
-                <a:solidFill>
-                  <a:srgbClr val="FF0000"/>
-                </a:solidFill>
-              </a:rPr>
-              <a:t> </a:t>
-            </a:r>
-            <a:r>
-              <a:rPr lang="en-US" sz="2400" dirty="0">
-                <a:solidFill>
-                  <a:schemeClr val="accent1"/>
-                </a:solidFill>
-              </a:rPr>
-              <a:t>2s linear 1s,</a:t>
-            </a:r>
-          </a:p>
-          <a:p>
-            <a:r>
-              <a:rPr lang="en-US" sz="2400" dirty="0">
-                <a:solidFill>
-                  <a:schemeClr val="accent1"/>
-                </a:solidFill>
-              </a:rPr>
-              <a:t>		      height</a:t>
-            </a:r>
-            <a:r>
-              <a:rPr lang="en-US" sz="2400" dirty="0">
-                <a:solidFill>
-                  <a:srgbClr val="FF0000"/>
-                </a:solidFill>
-              </a:rPr>
-              <a:t> </a:t>
-            </a:r>
-            <a:r>
-              <a:rPr lang="en-US" sz="2400" dirty="0">
-                <a:solidFill>
-                  <a:schemeClr val="accent1"/>
-                </a:solidFill>
-              </a:rPr>
-              <a:t>2s linear 1s;</a:t>
-            </a:r>
-          </a:p>
-          <a:p>
-            <a:r>
-              <a:rPr lang="en-US" sz="2400" dirty="0">
-                <a:solidFill>
-                  <a:schemeClr val="accent1"/>
-                </a:solidFill>
-              </a:rPr>
-              <a:t>		      opacity</a:t>
-            </a:r>
-            <a:r>
-              <a:rPr lang="en-US" sz="2400" dirty="0">
-                <a:solidFill>
-                  <a:srgbClr val="FF0000"/>
-                </a:solidFill>
-              </a:rPr>
-              <a:t> </a:t>
-            </a:r>
-            <a:r>
-              <a:rPr lang="en-US" sz="2400" dirty="0">
-                <a:solidFill>
-                  <a:schemeClr val="accent1"/>
-                </a:solidFill>
-              </a:rPr>
-              <a:t>3s cubic 0s;</a:t>
-            </a:r>
-          </a:p>
-          <a:p>
-            <a:r>
-              <a:rPr lang="en-US" sz="2400" dirty="0"/>
-              <a:t>}</a:t>
-            </a:r>
-          </a:p>
-        </p:txBody>
-      </p:sp>
-      <p:sp>
-        <p:nvSpPr>
-          <p:cNvPr id="16" name="TextBox 15">
-            <a:extLst>
-              <a:ext uri="{FF2B5EF4-FFF2-40B4-BE49-F238E27FC236}">
-                <a16:creationId xmlns:a16="http://schemas.microsoft.com/office/drawing/2014/main" id="{66D54BD1-8381-4EE5-8E00-75C5A7A35C36}"/>
-              </a:ext>
-            </a:extLst>
-          </p:cNvPr>
-          <p:cNvSpPr txBox="1"/>
-          <p:nvPr/>
-        </p:nvSpPr>
-        <p:spPr>
-          <a:xfrm>
-            <a:off x="1107865" y="4887492"/>
-            <a:ext cx="10329193" cy="1143070"/>
+            <a:off x="3361502" y="127524"/>
+            <a:ext cx="5430254" cy="837473"/>
           </a:xfrm>
           <a:prstGeom prst="rect">
             <a:avLst/>
@@ -5974,326 +6711,12 @@
               </a:lnSpc>
             </a:pPr>
             <a:r>
-              <a:rPr lang="en-US" sz="2400" dirty="0"/>
-              <a:t>We specify an animation cycle for each value we want to animate over.</a:t>
-            </a:r>
-          </a:p>
-          <a:p>
-            <a:pPr algn="ctr">
-              <a:lnSpc>
-                <a:spcPct val="150000"/>
-              </a:lnSpc>
-            </a:pPr>
-            <a:r>
-              <a:rPr lang="en-US" sz="2400" dirty="0"/>
-              <a:t>So we can animate values independently, even if they are in the same class or ID.</a:t>
-            </a:r>
-          </a:p>
-        </p:txBody>
-      </p:sp>
-    </p:spTree>
-    <p:extLst>
-      <p:ext uri="{BB962C8B-B14F-4D97-AF65-F5344CB8AC3E}">
-        <p14:creationId xmlns:p14="http://schemas.microsoft.com/office/powerpoint/2010/main" val="2473153443"/>
-      </p:ext>
-    </p:extLst>
-  </p:cSld>
-  <p:clrMapOvr>
-    <a:masterClrMapping/>
-  </p:clrMapOvr>
-</p:sld>
-</file>
-
-<file path=ppt/slides/slide15.xml><?xml version="1.0" encoding="utf-8"?>
-<p:sld xmlns:a="http://schemas.openxmlformats.org/drawingml/2006/main" xmlns:r="http://schemas.openxmlformats.org/officeDocument/2006/relationships" xmlns:p="http://schemas.openxmlformats.org/presentationml/2006/main">
-  <p:cSld>
-    <p:bg>
-      <p:bgPr>
-        <a:solidFill>
-          <a:schemeClr val="bg2"/>
-        </a:solidFill>
-        <a:effectLst/>
-      </p:bgPr>
-    </p:bg>
-    <p:spTree>
-      <p:nvGrpSpPr>
-        <p:cNvPr id="1" name=""/>
-        <p:cNvGrpSpPr/>
-        <p:nvPr/>
-      </p:nvGrpSpPr>
-      <p:grpSpPr>
-        <a:xfrm>
-          <a:off x="0" y="0"/>
-          <a:ext cx="0" cy="0"/>
-          <a:chOff x="0" y="0"/>
-          <a:chExt cx="0" cy="0"/>
-        </a:xfrm>
-      </p:grpSpPr>
-      <p:sp>
-        <p:nvSpPr>
-          <p:cNvPr id="4" name="Rectangle 3">
-            <a:extLst>
-              <a:ext uri="{FF2B5EF4-FFF2-40B4-BE49-F238E27FC236}">
-                <a16:creationId xmlns:a16="http://schemas.microsoft.com/office/drawing/2014/main" id="{678F1DA2-2833-49FF-9287-44720AC6C8D2}"/>
-              </a:ext>
-            </a:extLst>
-          </p:cNvPr>
-          <p:cNvSpPr/>
-          <p:nvPr/>
-        </p:nvSpPr>
-        <p:spPr>
-          <a:xfrm>
-            <a:off x="0" y="6581001"/>
-            <a:ext cx="9976268" cy="276999"/>
-          </a:xfrm>
-          <a:prstGeom prst="rect">
-            <a:avLst/>
-          </a:prstGeom>
-          <a:solidFill>
-            <a:srgbClr val="92D050"/>
-          </a:solidFill>
-          <a:ln>
-            <a:noFill/>
-          </a:ln>
-        </p:spPr>
-        <p:style>
-          <a:lnRef idx="2">
-            <a:schemeClr val="accent1">
-              <a:shade val="50000"/>
-            </a:schemeClr>
-          </a:lnRef>
-          <a:fillRef idx="1">
-            <a:schemeClr val="accent1"/>
-          </a:fillRef>
-          <a:effectRef idx="0">
-            <a:schemeClr val="accent1"/>
-          </a:effectRef>
-          <a:fontRef idx="minor">
-            <a:schemeClr val="lt1"/>
-          </a:fontRef>
-        </p:style>
-        <p:txBody>
-          <a:bodyPr rtlCol="0" anchor="ctr"/>
-          <a:lstStyle/>
-          <a:p>
-            <a:pPr algn="ctr"/>
-            <a:endParaRPr lang="en-US" dirty="0"/>
-          </a:p>
-        </p:txBody>
-      </p:sp>
-      <p:sp>
-        <p:nvSpPr>
-          <p:cNvPr id="5" name="TextBox 4">
-            <a:extLst>
-              <a:ext uri="{FF2B5EF4-FFF2-40B4-BE49-F238E27FC236}">
-                <a16:creationId xmlns:a16="http://schemas.microsoft.com/office/drawing/2014/main" id="{9758F7A4-2143-4CCD-B8B3-8B4A1461ECF9}"/>
-              </a:ext>
-            </a:extLst>
-          </p:cNvPr>
-          <p:cNvSpPr txBox="1"/>
-          <p:nvPr/>
-        </p:nvSpPr>
-        <p:spPr>
-          <a:xfrm>
-            <a:off x="36674" y="6583215"/>
-            <a:ext cx="2682077" cy="276999"/>
-          </a:xfrm>
-          <a:prstGeom prst="rect">
-            <a:avLst/>
-          </a:prstGeom>
-          <a:noFill/>
-        </p:spPr>
-        <p:txBody>
-          <a:bodyPr wrap="square" rtlCol="0">
-            <a:spAutoFit/>
-          </a:bodyPr>
-          <a:lstStyle/>
-          <a:p>
-            <a:r>
-              <a:rPr lang="en-US" sz="1200" dirty="0">
-                <a:solidFill>
-                  <a:schemeClr val="bg1"/>
-                </a:solidFill>
-              </a:rPr>
-              <a:t>Building Personal Websites</a:t>
-            </a:r>
-          </a:p>
-        </p:txBody>
-      </p:sp>
-      <p:sp>
-        <p:nvSpPr>
-          <p:cNvPr id="6" name="Rectangle 5">
-            <a:extLst>
-              <a:ext uri="{FF2B5EF4-FFF2-40B4-BE49-F238E27FC236}">
-                <a16:creationId xmlns:a16="http://schemas.microsoft.com/office/drawing/2014/main" id="{40845236-8634-4353-BA0D-8817FE36EC7A}"/>
-              </a:ext>
-            </a:extLst>
-          </p:cNvPr>
-          <p:cNvSpPr/>
-          <p:nvPr/>
-        </p:nvSpPr>
-        <p:spPr>
-          <a:xfrm>
-            <a:off x="9921514" y="6581001"/>
-            <a:ext cx="2270485" cy="276999"/>
-          </a:xfrm>
-          <a:prstGeom prst="rect">
-            <a:avLst/>
-          </a:prstGeom>
-          <a:solidFill>
-            <a:srgbClr val="00B0F0"/>
-          </a:solidFill>
-          <a:ln>
-            <a:noFill/>
-          </a:ln>
-        </p:spPr>
-        <p:style>
-          <a:lnRef idx="2">
-            <a:schemeClr val="accent1">
-              <a:shade val="50000"/>
-            </a:schemeClr>
-          </a:lnRef>
-          <a:fillRef idx="1">
-            <a:schemeClr val="accent1"/>
-          </a:fillRef>
-          <a:effectRef idx="0">
-            <a:schemeClr val="accent1"/>
-          </a:effectRef>
-          <a:fontRef idx="minor">
-            <a:schemeClr val="lt1"/>
-          </a:fontRef>
-        </p:style>
-        <p:txBody>
-          <a:bodyPr rtlCol="0" anchor="ctr"/>
-          <a:lstStyle/>
-          <a:p>
-            <a:pPr algn="ctr"/>
-            <a:endParaRPr lang="en-US" dirty="0"/>
-          </a:p>
-        </p:txBody>
-      </p:sp>
-      <p:sp>
-        <p:nvSpPr>
-          <p:cNvPr id="8" name="TextBox 7">
-            <a:extLst>
-              <a:ext uri="{FF2B5EF4-FFF2-40B4-BE49-F238E27FC236}">
-                <a16:creationId xmlns:a16="http://schemas.microsoft.com/office/drawing/2014/main" id="{6403EA4A-E7EB-4525-B0D2-13B3997D5780}"/>
-              </a:ext>
-            </a:extLst>
-          </p:cNvPr>
-          <p:cNvSpPr txBox="1"/>
-          <p:nvPr/>
-        </p:nvSpPr>
-        <p:spPr>
-          <a:xfrm>
-            <a:off x="9958188" y="6578787"/>
-            <a:ext cx="2682077" cy="276999"/>
-          </a:xfrm>
-          <a:prstGeom prst="rect">
-            <a:avLst/>
-          </a:prstGeom>
-          <a:noFill/>
-        </p:spPr>
-        <p:txBody>
-          <a:bodyPr wrap="square" rtlCol="0">
-            <a:spAutoFit/>
-          </a:bodyPr>
-          <a:lstStyle/>
-          <a:p>
-            <a:r>
-              <a:rPr lang="en-US" sz="1200" dirty="0">
-                <a:solidFill>
-                  <a:schemeClr val="bg1"/>
-                </a:solidFill>
-              </a:rPr>
-              <a:t>Lecture 05 | Basic Animations</a:t>
-            </a:r>
-          </a:p>
-        </p:txBody>
-      </p:sp>
-      <p:sp>
-        <p:nvSpPr>
-          <p:cNvPr id="21" name="TextBox 20">
-            <a:extLst>
-              <a:ext uri="{FF2B5EF4-FFF2-40B4-BE49-F238E27FC236}">
-                <a16:creationId xmlns:a16="http://schemas.microsoft.com/office/drawing/2014/main" id="{F2052457-9DCE-43DF-AFE4-1D6148577FC9}"/>
-              </a:ext>
-            </a:extLst>
-          </p:cNvPr>
-          <p:cNvSpPr txBox="1"/>
-          <p:nvPr/>
-        </p:nvSpPr>
-        <p:spPr>
-          <a:xfrm>
-            <a:off x="3361502" y="127524"/>
-            <a:ext cx="5430254" cy="837473"/>
-          </a:xfrm>
-          <a:prstGeom prst="rect">
-            <a:avLst/>
-          </a:prstGeom>
-          <a:noFill/>
-        </p:spPr>
-        <p:txBody>
-          <a:bodyPr wrap="square" rtlCol="0">
-            <a:spAutoFit/>
-          </a:bodyPr>
-          <a:lstStyle/>
-          <a:p>
-            <a:pPr algn="ctr">
-              <a:lnSpc>
-                <a:spcPct val="150000"/>
-              </a:lnSpc>
-            </a:pPr>
-            <a:r>
               <a:rPr lang="en-US" sz="3600" dirty="0"/>
               <a:t>Transition Timing Functions</a:t>
             </a:r>
           </a:p>
         </p:txBody>
       </p:sp>
-      <p:cxnSp>
-        <p:nvCxnSpPr>
-          <p:cNvPr id="9" name="Straight Connector 8">
-            <a:extLst>
-              <a:ext uri="{FF2B5EF4-FFF2-40B4-BE49-F238E27FC236}">
-                <a16:creationId xmlns:a16="http://schemas.microsoft.com/office/drawing/2014/main" id="{3B82A1F2-DE70-4D91-8037-6B6A4FF1E61B}"/>
-              </a:ext>
-            </a:extLst>
-          </p:cNvPr>
-          <p:cNvCxnSpPr/>
-          <p:nvPr/>
-        </p:nvCxnSpPr>
-        <p:spPr>
-          <a:xfrm>
-            <a:off x="5598695" y="1005196"/>
-            <a:ext cx="1058779" cy="0"/>
-          </a:xfrm>
-          <a:prstGeom prst="line">
-            <a:avLst/>
-          </a:prstGeom>
-          <a:ln w="28575">
-            <a:solidFill>
-              <a:schemeClr val="bg1">
-                <a:lumMod val="65000"/>
-              </a:schemeClr>
-            </a:solidFill>
-          </a:ln>
-        </p:spPr>
-        <p:style>
-          <a:lnRef idx="1">
-            <a:schemeClr val="accent1"/>
-          </a:lnRef>
-          <a:fillRef idx="0">
-            <a:schemeClr val="accent1"/>
-          </a:fillRef>
-          <a:effectRef idx="0">
-            <a:schemeClr val="accent1"/>
-          </a:effectRef>
-          <a:fontRef idx="minor">
-            <a:schemeClr val="tx1"/>
-          </a:fontRef>
-        </p:style>
-      </p:cxnSp>
       <p:grpSp>
         <p:nvGrpSpPr>
           <p:cNvPr id="3" name="Group 2">
@@ -7405,10 +7828,418 @@
           </p:txBody>
         </p:sp>
       </p:grpSp>
+      <p:cxnSp>
+        <p:nvCxnSpPr>
+          <p:cNvPr id="25" name="Straight Connector 24">
+            <a:extLst>
+              <a:ext uri="{FF2B5EF4-FFF2-40B4-BE49-F238E27FC236}">
+                <a16:creationId xmlns:a16="http://schemas.microsoft.com/office/drawing/2014/main" id="{CB9FC7DF-DC1A-CE43-97B9-0C3618B6E047}"/>
+              </a:ext>
+            </a:extLst>
+          </p:cNvPr>
+          <p:cNvCxnSpPr>
+            <a:cxnSpLocks/>
+          </p:cNvCxnSpPr>
+          <p:nvPr/>
+        </p:nvCxnSpPr>
+        <p:spPr>
+          <a:xfrm>
+            <a:off x="5730956" y="1013664"/>
+            <a:ext cx="419986" cy="0"/>
+          </a:xfrm>
+          <a:prstGeom prst="line">
+            <a:avLst/>
+          </a:prstGeom>
+          <a:ln w="28575"/>
+        </p:spPr>
+        <p:style>
+          <a:lnRef idx="1">
+            <a:schemeClr val="dk1"/>
+          </a:lnRef>
+          <a:fillRef idx="0">
+            <a:schemeClr val="dk1"/>
+          </a:fillRef>
+          <a:effectRef idx="0">
+            <a:schemeClr val="dk1"/>
+          </a:effectRef>
+          <a:fontRef idx="minor">
+            <a:schemeClr val="tx1"/>
+          </a:fontRef>
+        </p:style>
+      </p:cxnSp>
     </p:spTree>
     <p:extLst>
       <p:ext uri="{BB962C8B-B14F-4D97-AF65-F5344CB8AC3E}">
         <p14:creationId xmlns:p14="http://schemas.microsoft.com/office/powerpoint/2010/main" val="1810570612"/>
+      </p:ext>
+    </p:extLst>
+  </p:cSld>
+  <p:clrMapOvr>
+    <a:masterClrMapping/>
+  </p:clrMapOvr>
+</p:sld>
+</file>
+
+<file path=ppt/slides/slide15.xml><?xml version="1.0" encoding="utf-8"?>
+<p:sld xmlns:a="http://schemas.openxmlformats.org/drawingml/2006/main" xmlns:r="http://schemas.openxmlformats.org/officeDocument/2006/relationships" xmlns:p="http://schemas.openxmlformats.org/presentationml/2006/main">
+  <p:cSld>
+    <p:bg>
+      <p:bgPr>
+        <a:solidFill>
+          <a:schemeClr val="bg2"/>
+        </a:solidFill>
+        <a:effectLst/>
+      </p:bgPr>
+    </p:bg>
+    <p:spTree>
+      <p:nvGrpSpPr>
+        <p:cNvPr id="1" name=""/>
+        <p:cNvGrpSpPr/>
+        <p:nvPr/>
+      </p:nvGrpSpPr>
+      <p:grpSpPr>
+        <a:xfrm>
+          <a:off x="0" y="0"/>
+          <a:ext cx="0" cy="0"/>
+          <a:chOff x="0" y="0"/>
+          <a:chExt cx="0" cy="0"/>
+        </a:xfrm>
+      </p:grpSpPr>
+      <p:sp>
+        <p:nvSpPr>
+          <p:cNvPr id="4" name="Rectangle 3">
+            <a:extLst>
+              <a:ext uri="{FF2B5EF4-FFF2-40B4-BE49-F238E27FC236}">
+                <a16:creationId xmlns:a16="http://schemas.microsoft.com/office/drawing/2014/main" id="{678F1DA2-2833-49FF-9287-44720AC6C8D2}"/>
+              </a:ext>
+            </a:extLst>
+          </p:cNvPr>
+          <p:cNvSpPr/>
+          <p:nvPr/>
+        </p:nvSpPr>
+        <p:spPr>
+          <a:xfrm>
+            <a:off x="0" y="6581001"/>
+            <a:ext cx="9976268" cy="276999"/>
+          </a:xfrm>
+          <a:prstGeom prst="rect">
+            <a:avLst/>
+          </a:prstGeom>
+          <a:solidFill>
+            <a:srgbClr val="92D050"/>
+          </a:solidFill>
+          <a:ln>
+            <a:noFill/>
+          </a:ln>
+        </p:spPr>
+        <p:style>
+          <a:lnRef idx="2">
+            <a:schemeClr val="accent1">
+              <a:shade val="50000"/>
+            </a:schemeClr>
+          </a:lnRef>
+          <a:fillRef idx="1">
+            <a:schemeClr val="accent1"/>
+          </a:fillRef>
+          <a:effectRef idx="0">
+            <a:schemeClr val="accent1"/>
+          </a:effectRef>
+          <a:fontRef idx="minor">
+            <a:schemeClr val="lt1"/>
+          </a:fontRef>
+        </p:style>
+        <p:txBody>
+          <a:bodyPr rtlCol="0" anchor="ctr"/>
+          <a:lstStyle/>
+          <a:p>
+            <a:pPr algn="ctr"/>
+            <a:endParaRPr lang="en-US" dirty="0"/>
+          </a:p>
+        </p:txBody>
+      </p:sp>
+      <p:sp>
+        <p:nvSpPr>
+          <p:cNvPr id="5" name="TextBox 4">
+            <a:extLst>
+              <a:ext uri="{FF2B5EF4-FFF2-40B4-BE49-F238E27FC236}">
+                <a16:creationId xmlns:a16="http://schemas.microsoft.com/office/drawing/2014/main" id="{9758F7A4-2143-4CCD-B8B3-8B4A1461ECF9}"/>
+              </a:ext>
+            </a:extLst>
+          </p:cNvPr>
+          <p:cNvSpPr txBox="1"/>
+          <p:nvPr/>
+        </p:nvSpPr>
+        <p:spPr>
+          <a:xfrm>
+            <a:off x="36674" y="6583215"/>
+            <a:ext cx="2682077" cy="276999"/>
+          </a:xfrm>
+          <a:prstGeom prst="rect">
+            <a:avLst/>
+          </a:prstGeom>
+          <a:noFill/>
+        </p:spPr>
+        <p:txBody>
+          <a:bodyPr wrap="square" rtlCol="0">
+            <a:spAutoFit/>
+          </a:bodyPr>
+          <a:lstStyle/>
+          <a:p>
+            <a:r>
+              <a:rPr lang="en-US" sz="1200" dirty="0">
+                <a:solidFill>
+                  <a:schemeClr val="bg1"/>
+                </a:solidFill>
+              </a:rPr>
+              <a:t>Building Personal Websites</a:t>
+            </a:r>
+          </a:p>
+        </p:txBody>
+      </p:sp>
+      <p:sp>
+        <p:nvSpPr>
+          <p:cNvPr id="6" name="Rectangle 5">
+            <a:extLst>
+              <a:ext uri="{FF2B5EF4-FFF2-40B4-BE49-F238E27FC236}">
+                <a16:creationId xmlns:a16="http://schemas.microsoft.com/office/drawing/2014/main" id="{40845236-8634-4353-BA0D-8817FE36EC7A}"/>
+              </a:ext>
+            </a:extLst>
+          </p:cNvPr>
+          <p:cNvSpPr/>
+          <p:nvPr/>
+        </p:nvSpPr>
+        <p:spPr>
+          <a:xfrm>
+            <a:off x="9921514" y="6581001"/>
+            <a:ext cx="2270485" cy="276999"/>
+          </a:xfrm>
+          <a:prstGeom prst="rect">
+            <a:avLst/>
+          </a:prstGeom>
+          <a:solidFill>
+            <a:srgbClr val="00B0F0"/>
+          </a:solidFill>
+          <a:ln>
+            <a:noFill/>
+          </a:ln>
+        </p:spPr>
+        <p:style>
+          <a:lnRef idx="2">
+            <a:schemeClr val="accent1">
+              <a:shade val="50000"/>
+            </a:schemeClr>
+          </a:lnRef>
+          <a:fillRef idx="1">
+            <a:schemeClr val="accent1"/>
+          </a:fillRef>
+          <a:effectRef idx="0">
+            <a:schemeClr val="accent1"/>
+          </a:effectRef>
+          <a:fontRef idx="minor">
+            <a:schemeClr val="lt1"/>
+          </a:fontRef>
+        </p:style>
+        <p:txBody>
+          <a:bodyPr rtlCol="0" anchor="ctr"/>
+          <a:lstStyle/>
+          <a:p>
+            <a:pPr algn="ctr"/>
+            <a:endParaRPr lang="en-US" dirty="0"/>
+          </a:p>
+        </p:txBody>
+      </p:sp>
+      <p:sp>
+        <p:nvSpPr>
+          <p:cNvPr id="8" name="TextBox 7">
+            <a:extLst>
+              <a:ext uri="{FF2B5EF4-FFF2-40B4-BE49-F238E27FC236}">
+                <a16:creationId xmlns:a16="http://schemas.microsoft.com/office/drawing/2014/main" id="{6403EA4A-E7EB-4525-B0D2-13B3997D5780}"/>
+              </a:ext>
+            </a:extLst>
+          </p:cNvPr>
+          <p:cNvSpPr txBox="1"/>
+          <p:nvPr/>
+        </p:nvSpPr>
+        <p:spPr>
+          <a:xfrm>
+            <a:off x="9958188" y="6578787"/>
+            <a:ext cx="2682077" cy="276999"/>
+          </a:xfrm>
+          <a:prstGeom prst="rect">
+            <a:avLst/>
+          </a:prstGeom>
+          <a:noFill/>
+        </p:spPr>
+        <p:txBody>
+          <a:bodyPr wrap="square" rtlCol="0">
+            <a:spAutoFit/>
+          </a:bodyPr>
+          <a:lstStyle/>
+          <a:p>
+            <a:r>
+              <a:rPr lang="en-US" sz="1200" dirty="0">
+                <a:solidFill>
+                  <a:schemeClr val="bg1"/>
+                </a:solidFill>
+              </a:rPr>
+              <a:t>Lecture 07 | Basic Animations</a:t>
+            </a:r>
+          </a:p>
+        </p:txBody>
+      </p:sp>
+      <p:sp>
+        <p:nvSpPr>
+          <p:cNvPr id="21" name="TextBox 20">
+            <a:extLst>
+              <a:ext uri="{FF2B5EF4-FFF2-40B4-BE49-F238E27FC236}">
+                <a16:creationId xmlns:a16="http://schemas.microsoft.com/office/drawing/2014/main" id="{F2052457-9DCE-43DF-AFE4-1D6148577FC9}"/>
+              </a:ext>
+            </a:extLst>
+          </p:cNvPr>
+          <p:cNvSpPr txBox="1"/>
+          <p:nvPr/>
+        </p:nvSpPr>
+        <p:spPr>
+          <a:xfrm>
+            <a:off x="3361502" y="127524"/>
+            <a:ext cx="5430254" cy="837473"/>
+          </a:xfrm>
+          <a:prstGeom prst="rect">
+            <a:avLst/>
+          </a:prstGeom>
+          <a:noFill/>
+        </p:spPr>
+        <p:txBody>
+          <a:bodyPr wrap="square" rtlCol="0">
+            <a:spAutoFit/>
+          </a:bodyPr>
+          <a:lstStyle/>
+          <a:p>
+            <a:pPr algn="ctr">
+              <a:lnSpc>
+                <a:spcPct val="150000"/>
+              </a:lnSpc>
+            </a:pPr>
+            <a:r>
+              <a:rPr lang="en-US" sz="3600" dirty="0"/>
+              <a:t>Transition Timing Functions</a:t>
+            </a:r>
+          </a:p>
+        </p:txBody>
+      </p:sp>
+      <p:sp>
+        <p:nvSpPr>
+          <p:cNvPr id="2" name="Rectangle 1">
+            <a:extLst>
+              <a:ext uri="{FF2B5EF4-FFF2-40B4-BE49-F238E27FC236}">
+                <a16:creationId xmlns:a16="http://schemas.microsoft.com/office/drawing/2014/main" id="{A2E26557-2714-49BC-BECB-FD0733CD7897}"/>
+              </a:ext>
+            </a:extLst>
+          </p:cNvPr>
+          <p:cNvSpPr/>
+          <p:nvPr/>
+        </p:nvSpPr>
+        <p:spPr>
+          <a:xfrm>
+            <a:off x="2157663" y="3383567"/>
+            <a:ext cx="7876674" cy="369332"/>
+          </a:xfrm>
+          <a:prstGeom prst="rect">
+            <a:avLst/>
+          </a:prstGeom>
+        </p:spPr>
+        <p:txBody>
+          <a:bodyPr wrap="square">
+            <a:spAutoFit/>
+          </a:bodyPr>
+          <a:lstStyle/>
+          <a:p>
+            <a:pPr algn="ctr"/>
+            <a:r>
+              <a:rPr lang="en-US" dirty="0"/>
+              <a:t>https://www.w3schools.com/css/tryit.asp?filename=trycss3_transition_speed</a:t>
+            </a:r>
+          </a:p>
+        </p:txBody>
+      </p:sp>
+      <p:sp>
+        <p:nvSpPr>
+          <p:cNvPr id="26" name="Rectangle 25">
+            <a:extLst>
+              <a:ext uri="{FF2B5EF4-FFF2-40B4-BE49-F238E27FC236}">
+                <a16:creationId xmlns:a16="http://schemas.microsoft.com/office/drawing/2014/main" id="{1FF4261A-37F1-41A4-BFD0-A9CC0ABFEA70}"/>
+              </a:ext>
+            </a:extLst>
+          </p:cNvPr>
+          <p:cNvSpPr/>
+          <p:nvPr/>
+        </p:nvSpPr>
+        <p:spPr>
+          <a:xfrm>
+            <a:off x="2157663" y="2597630"/>
+            <a:ext cx="7876674" cy="523220"/>
+          </a:xfrm>
+          <a:prstGeom prst="rect">
+            <a:avLst/>
+          </a:prstGeom>
+        </p:spPr>
+        <p:txBody>
+          <a:bodyPr wrap="square">
+            <a:spAutoFit/>
+          </a:bodyPr>
+          <a:lstStyle/>
+          <a:p>
+            <a:pPr algn="ctr"/>
+            <a:r>
+              <a:rPr lang="en-US" sz="2800" dirty="0"/>
+              <a:t>Easing Demo</a:t>
+            </a:r>
+          </a:p>
+        </p:txBody>
+      </p:sp>
+      <p:cxnSp>
+        <p:nvCxnSpPr>
+          <p:cNvPr id="10" name="Straight Connector 9">
+            <a:extLst>
+              <a:ext uri="{FF2B5EF4-FFF2-40B4-BE49-F238E27FC236}">
+                <a16:creationId xmlns:a16="http://schemas.microsoft.com/office/drawing/2014/main" id="{0FB64202-0DA6-0443-8C7A-1BB73DE91954}"/>
+              </a:ext>
+            </a:extLst>
+          </p:cNvPr>
+          <p:cNvCxnSpPr>
+            <a:cxnSpLocks/>
+          </p:cNvCxnSpPr>
+          <p:nvPr/>
+        </p:nvCxnSpPr>
+        <p:spPr>
+          <a:xfrm>
+            <a:off x="5730956" y="1013664"/>
+            <a:ext cx="419986" cy="0"/>
+          </a:xfrm>
+          <a:prstGeom prst="line">
+            <a:avLst/>
+          </a:prstGeom>
+          <a:ln w="28575"/>
+        </p:spPr>
+        <p:style>
+          <a:lnRef idx="1">
+            <a:schemeClr val="dk1"/>
+          </a:lnRef>
+          <a:fillRef idx="0">
+            <a:schemeClr val="dk1"/>
+          </a:fillRef>
+          <a:effectRef idx="0">
+            <a:schemeClr val="dk1"/>
+          </a:effectRef>
+          <a:fontRef idx="minor">
+            <a:schemeClr val="tx1"/>
+          </a:fontRef>
+        </p:style>
+      </p:cxnSp>
+    </p:spTree>
+    <p:extLst>
+      <p:ext uri="{BB962C8B-B14F-4D97-AF65-F5344CB8AC3E}">
+        <p14:creationId xmlns:p14="http://schemas.microsoft.com/office/powerpoint/2010/main" val="2268618196"/>
       </p:ext>
     </p:extLst>
   </p:cSld>
@@ -7620,7 +8451,7 @@
                   <a:schemeClr val="bg1"/>
                 </a:solidFill>
               </a:rPr>
-              <a:t>Lecture 05 | Basic Animations</a:t>
+              <a:t>Lecture 07 | Basic Animations</a:t>
             </a:r>
           </a:p>
         </p:txBody>
@@ -7722,7 +8553,7 @@
         </p:nvSpPr>
         <p:spPr>
           <a:xfrm>
-            <a:off x="2157663" y="3383567"/>
+            <a:off x="2157663" y="5677693"/>
             <a:ext cx="7876674" cy="369332"/>
           </a:xfrm>
           <a:prstGeom prst="rect">
@@ -7738,7 +8569,7 @@
             <a:pPr algn="ctr"/>
             <a:r>
               <a:rPr lang="en-US" dirty="0"/>
-              <a:t>https://www.w3schools.com/css/tryit.asp?filename=trycss3_transition_speed</a:t>
+              <a:t>http://cubic-bezier.com/#.17,.67,.83,.67</a:t>
             </a:r>
           </a:p>
         </p:txBody>
@@ -7757,7 +8588,7 @@
         </p:nvSpPr>
         <p:spPr>
           <a:xfrm>
-            <a:off x="2157663" y="2597630"/>
+            <a:off x="2157663" y="5051048"/>
             <a:ext cx="7876674" cy="523220"/>
           </a:xfrm>
           <a:prstGeom prst="rect">
@@ -7772,8 +8603,180 @@
           <a:p>
             <a:pPr algn="ctr"/>
             <a:r>
-              <a:rPr lang="en-US" sz="2800" dirty="0"/>
-              <a:t>Easing Demo</a:t>
+              <a:rPr lang="en-US" sz="2800" b="1" dirty="0"/>
+              <a:t>Easy Interface (Highly Recommend Bookmarking)</a:t>
+            </a:r>
+          </a:p>
+        </p:txBody>
+      </p:sp>
+      <p:sp>
+        <p:nvSpPr>
+          <p:cNvPr id="10" name="Rectangle 9">
+            <a:extLst>
+              <a:ext uri="{FF2B5EF4-FFF2-40B4-BE49-F238E27FC236}">
+                <a16:creationId xmlns:a16="http://schemas.microsoft.com/office/drawing/2014/main" id="{2903CB27-444A-42CF-B76F-22F3B40A2E56}"/>
+              </a:ext>
+            </a:extLst>
+          </p:cNvPr>
+          <p:cNvSpPr/>
+          <p:nvPr/>
+        </p:nvSpPr>
+        <p:spPr>
+          <a:xfrm>
+            <a:off x="651021" y="1808366"/>
+            <a:ext cx="7876674" cy="400110"/>
+          </a:xfrm>
+          <a:prstGeom prst="rect">
+            <a:avLst/>
+          </a:prstGeom>
+        </p:spPr>
+        <p:txBody>
+          <a:bodyPr wrap="square">
+            <a:spAutoFit/>
+          </a:bodyPr>
+          <a:lstStyle/>
+          <a:p>
+            <a:r>
+              <a:rPr lang="en-US" sz="2000" dirty="0"/>
+              <a:t>Can also specify custom easing properties</a:t>
+            </a:r>
+          </a:p>
+        </p:txBody>
+      </p:sp>
+      <p:sp>
+        <p:nvSpPr>
+          <p:cNvPr id="12" name="Rectangle 11">
+            <a:extLst>
+              <a:ext uri="{FF2B5EF4-FFF2-40B4-BE49-F238E27FC236}">
+                <a16:creationId xmlns:a16="http://schemas.microsoft.com/office/drawing/2014/main" id="{8ABE5153-487B-474A-BF69-935B23E2F0A1}"/>
+              </a:ext>
+            </a:extLst>
+          </p:cNvPr>
+          <p:cNvSpPr/>
+          <p:nvPr/>
+        </p:nvSpPr>
+        <p:spPr>
+          <a:xfrm>
+            <a:off x="685746" y="2311901"/>
+            <a:ext cx="10781765" cy="1513218"/>
+          </a:xfrm>
+          <a:prstGeom prst="rect">
+            <a:avLst/>
+          </a:prstGeom>
+          <a:solidFill>
+            <a:schemeClr val="bg1">
+              <a:lumMod val="95000"/>
+            </a:schemeClr>
+          </a:solidFill>
+          <a:ln w="3175">
+            <a:solidFill>
+              <a:schemeClr val="bg1">
+                <a:lumMod val="85000"/>
+              </a:schemeClr>
+            </a:solidFill>
+          </a:ln>
+        </p:spPr>
+        <p:style>
+          <a:lnRef idx="2">
+            <a:schemeClr val="accent1">
+              <a:shade val="50000"/>
+            </a:schemeClr>
+          </a:lnRef>
+          <a:fillRef idx="1">
+            <a:schemeClr val="accent1"/>
+          </a:fillRef>
+          <a:effectRef idx="0">
+            <a:schemeClr val="accent1"/>
+          </a:effectRef>
+          <a:fontRef idx="minor">
+            <a:schemeClr val="lt1"/>
+          </a:fontRef>
+        </p:style>
+        <p:txBody>
+          <a:bodyPr rtlCol="0" anchor="t"/>
+          <a:lstStyle/>
+          <a:p>
+            <a:pPr lvl="1"/>
+            <a:r>
+              <a:rPr lang="en-US" dirty="0">
+                <a:solidFill>
+                  <a:schemeClr val="tx1"/>
+                </a:solidFill>
+              </a:rPr>
+              <a:t>.</a:t>
+            </a:r>
+            <a:r>
+              <a:rPr lang="en-US" dirty="0" err="1">
+                <a:solidFill>
+                  <a:schemeClr val="accent2"/>
+                </a:solidFill>
+              </a:rPr>
+              <a:t>css-transition:hover</a:t>
+            </a:r>
+            <a:r>
+              <a:rPr lang="en-US" dirty="0">
+                <a:solidFill>
+                  <a:schemeClr val="accent2"/>
+                </a:solidFill>
+              </a:rPr>
+              <a:t> </a:t>
+            </a:r>
+            <a:r>
+              <a:rPr lang="en-US" dirty="0">
+                <a:solidFill>
+                  <a:schemeClr val="tx1"/>
+                </a:solidFill>
+              </a:rPr>
+              <a:t>{</a:t>
+            </a:r>
+          </a:p>
+          <a:p>
+            <a:pPr lvl="1"/>
+            <a:r>
+              <a:rPr lang="en-US" dirty="0">
+                <a:solidFill>
+                  <a:schemeClr val="accent1"/>
+                </a:solidFill>
+              </a:rPr>
+              <a:t>	width: 100%; </a:t>
+            </a:r>
+          </a:p>
+          <a:p>
+            <a:pPr lvl="1"/>
+            <a:r>
+              <a:rPr lang="en-US" dirty="0">
+                <a:solidFill>
+                  <a:schemeClr val="accent1"/>
+                </a:solidFill>
+              </a:rPr>
+              <a:t>	</a:t>
+            </a:r>
+            <a:r>
+              <a:rPr lang="en-US" dirty="0">
+                <a:solidFill>
+                  <a:srgbClr val="FF0000"/>
+                </a:solidFill>
+              </a:rPr>
+              <a:t>transition: </a:t>
+            </a:r>
+            <a:r>
+              <a:rPr lang="en-US" dirty="0">
+                <a:solidFill>
+                  <a:schemeClr val="accent1"/>
+                </a:solidFill>
+              </a:rPr>
+              <a:t>width 2s cubic-Bezier(.17,.67,.83,.67) 1s;</a:t>
+            </a:r>
+          </a:p>
+          <a:p>
+            <a:pPr lvl="1"/>
+            <a:r>
+              <a:rPr lang="en-US" dirty="0">
+                <a:solidFill>
+                  <a:schemeClr val="tx1"/>
+                </a:solidFill>
+              </a:rPr>
+              <a:t>}</a:t>
             </a:r>
           </a:p>
         </p:txBody>
@@ -7781,7 +8784,7 @@
     </p:spTree>
     <p:extLst>
       <p:ext uri="{BB962C8B-B14F-4D97-AF65-F5344CB8AC3E}">
-        <p14:creationId xmlns:p14="http://schemas.microsoft.com/office/powerpoint/2010/main" val="2268618196"/>
+        <p14:creationId xmlns:p14="http://schemas.microsoft.com/office/powerpoint/2010/main" val="600022540"/>
       </p:ext>
     </p:extLst>
   </p:cSld>
@@ -7993,17 +8996,17 @@
                   <a:schemeClr val="bg1"/>
                 </a:solidFill>
               </a:rPr>
-              <a:t>Lecture 05 | Basic Animations</a:t>
-            </a:r>
-          </a:p>
-        </p:txBody>
-      </p:sp>
-      <p:sp>
-        <p:nvSpPr>
-          <p:cNvPr id="21" name="TextBox 20">
-            <a:extLst>
-              <a:ext uri="{FF2B5EF4-FFF2-40B4-BE49-F238E27FC236}">
-                <a16:creationId xmlns:a16="http://schemas.microsoft.com/office/drawing/2014/main" id="{F2052457-9DCE-43DF-AFE4-1D6148577FC9}"/>
+              <a:t>Lecture 07 | Basic Animations</a:t>
+            </a:r>
+          </a:p>
+        </p:txBody>
+      </p:sp>
+      <p:sp>
+        <p:nvSpPr>
+          <p:cNvPr id="7" name="TextBox 6">
+            <a:extLst>
+              <a:ext uri="{FF2B5EF4-FFF2-40B4-BE49-F238E27FC236}">
+                <a16:creationId xmlns:a16="http://schemas.microsoft.com/office/drawing/2014/main" id="{ED7E96AE-E09B-40E0-8966-5104069C1F43}"/>
               </a:ext>
             </a:extLst>
           </p:cNvPr>
@@ -8012,8 +9015,8 @@
         </p:nvSpPr>
         <p:spPr>
           <a:xfrm>
-            <a:off x="3361502" y="127524"/>
-            <a:ext cx="5430254" cy="837473"/>
+            <a:off x="4608636" y="3105834"/>
+            <a:ext cx="2974727" cy="646331"/>
           </a:xfrm>
           <a:prstGeom prst="rect">
             <a:avLst/>
@@ -8026,567 +9029,14 @@
           </a:bodyPr>
           <a:lstStyle/>
           <a:p>
-            <a:pPr algn="ctr">
-              <a:lnSpc>
-                <a:spcPct val="150000"/>
-              </a:lnSpc>
-            </a:pPr>
+            <a:pPr algn="ctr"/>
             <a:r>
               <a:rPr lang="en-US" sz="3600" dirty="0"/>
-              <a:t>Transition Timing Functions</a:t>
-            </a:r>
-          </a:p>
-        </p:txBody>
-      </p:sp>
-      <p:cxnSp>
-        <p:nvCxnSpPr>
-          <p:cNvPr id="9" name="Straight Connector 8">
-            <a:extLst>
-              <a:ext uri="{FF2B5EF4-FFF2-40B4-BE49-F238E27FC236}">
-                <a16:creationId xmlns:a16="http://schemas.microsoft.com/office/drawing/2014/main" id="{3B82A1F2-DE70-4D91-8037-6B6A4FF1E61B}"/>
-              </a:ext>
-            </a:extLst>
-          </p:cNvPr>
-          <p:cNvCxnSpPr/>
-          <p:nvPr/>
-        </p:nvCxnSpPr>
-        <p:spPr>
-          <a:xfrm>
-            <a:off x="5598695" y="1005196"/>
-            <a:ext cx="1058779" cy="0"/>
-          </a:xfrm>
-          <a:prstGeom prst="line">
-            <a:avLst/>
-          </a:prstGeom>
-          <a:ln w="28575">
-            <a:solidFill>
-              <a:schemeClr val="bg1">
-                <a:lumMod val="65000"/>
-              </a:schemeClr>
-            </a:solidFill>
-          </a:ln>
-        </p:spPr>
-        <p:style>
-          <a:lnRef idx="1">
-            <a:schemeClr val="accent1"/>
-          </a:lnRef>
-          <a:fillRef idx="0">
-            <a:schemeClr val="accent1"/>
-          </a:fillRef>
-          <a:effectRef idx="0">
-            <a:schemeClr val="accent1"/>
-          </a:effectRef>
-          <a:fontRef idx="minor">
-            <a:schemeClr val="tx1"/>
-          </a:fontRef>
-        </p:style>
-      </p:cxnSp>
-      <p:sp>
-        <p:nvSpPr>
-          <p:cNvPr id="2" name="Rectangle 1">
-            <a:extLst>
-              <a:ext uri="{FF2B5EF4-FFF2-40B4-BE49-F238E27FC236}">
-                <a16:creationId xmlns:a16="http://schemas.microsoft.com/office/drawing/2014/main" id="{A2E26557-2714-49BC-BECB-FD0733CD7897}"/>
-              </a:ext>
-            </a:extLst>
-          </p:cNvPr>
-          <p:cNvSpPr/>
-          <p:nvPr/>
-        </p:nvSpPr>
-        <p:spPr>
-          <a:xfrm>
-            <a:off x="2157663" y="5677693"/>
-            <a:ext cx="7876674" cy="369332"/>
-          </a:xfrm>
-          <a:prstGeom prst="rect">
-            <a:avLst/>
-          </a:prstGeom>
-        </p:spPr>
-        <p:txBody>
-          <a:bodyPr wrap="square">
-            <a:spAutoFit/>
-          </a:bodyPr>
-          <a:lstStyle/>
-          <a:p>
-            <a:pPr algn="ctr"/>
-            <a:r>
-              <a:rPr lang="en-US" dirty="0"/>
-              <a:t>http://cubic-bezier.com/#.17,.67,.83,.67</a:t>
-            </a:r>
-          </a:p>
-        </p:txBody>
-      </p:sp>
-      <p:sp>
-        <p:nvSpPr>
-          <p:cNvPr id="26" name="Rectangle 25">
-            <a:extLst>
-              <a:ext uri="{FF2B5EF4-FFF2-40B4-BE49-F238E27FC236}">
-                <a16:creationId xmlns:a16="http://schemas.microsoft.com/office/drawing/2014/main" id="{1FF4261A-37F1-41A4-BFD0-A9CC0ABFEA70}"/>
-              </a:ext>
-            </a:extLst>
-          </p:cNvPr>
-          <p:cNvSpPr/>
-          <p:nvPr/>
-        </p:nvSpPr>
-        <p:spPr>
-          <a:xfrm>
-            <a:off x="2157663" y="5051048"/>
-            <a:ext cx="7876674" cy="523220"/>
-          </a:xfrm>
-          <a:prstGeom prst="rect">
-            <a:avLst/>
-          </a:prstGeom>
-        </p:spPr>
-        <p:txBody>
-          <a:bodyPr wrap="square">
-            <a:spAutoFit/>
-          </a:bodyPr>
-          <a:lstStyle/>
-          <a:p>
-            <a:pPr algn="ctr"/>
-            <a:r>
-              <a:rPr lang="en-US" sz="2800" b="1" dirty="0"/>
-              <a:t>Easy Interface (Highly Recommend Bookmarking)</a:t>
-            </a:r>
-          </a:p>
-        </p:txBody>
-      </p:sp>
-      <p:sp>
-        <p:nvSpPr>
-          <p:cNvPr id="10" name="Rectangle 9">
-            <a:extLst>
-              <a:ext uri="{FF2B5EF4-FFF2-40B4-BE49-F238E27FC236}">
-                <a16:creationId xmlns:a16="http://schemas.microsoft.com/office/drawing/2014/main" id="{2903CB27-444A-42CF-B76F-22F3B40A2E56}"/>
-              </a:ext>
-            </a:extLst>
-          </p:cNvPr>
-          <p:cNvSpPr/>
-          <p:nvPr/>
-        </p:nvSpPr>
-        <p:spPr>
-          <a:xfrm>
-            <a:off x="2157663" y="1707906"/>
-            <a:ext cx="7876674" cy="523220"/>
-          </a:xfrm>
-          <a:prstGeom prst="rect">
-            <a:avLst/>
-          </a:prstGeom>
-        </p:spPr>
-        <p:txBody>
-          <a:bodyPr wrap="square">
-            <a:spAutoFit/>
-          </a:bodyPr>
-          <a:lstStyle/>
-          <a:p>
-            <a:pPr algn="ctr"/>
-            <a:r>
-              <a:rPr lang="en-US" sz="2800" dirty="0"/>
-              <a:t>Can also specify custom easing properties</a:t>
-            </a:r>
-          </a:p>
-        </p:txBody>
-      </p:sp>
-      <p:sp>
-        <p:nvSpPr>
-          <p:cNvPr id="11" name="TextBox 10">
-            <a:extLst>
-              <a:ext uri="{FF2B5EF4-FFF2-40B4-BE49-F238E27FC236}">
-                <a16:creationId xmlns:a16="http://schemas.microsoft.com/office/drawing/2014/main" id="{CDA88C66-FBCE-4389-8182-764F83BB2E9D}"/>
-              </a:ext>
-            </a:extLst>
-          </p:cNvPr>
-          <p:cNvSpPr txBox="1"/>
-          <p:nvPr/>
-        </p:nvSpPr>
-        <p:spPr>
-          <a:xfrm>
-            <a:off x="2530039" y="2834190"/>
-            <a:ext cx="7504298" cy="1569660"/>
-          </a:xfrm>
-          <a:prstGeom prst="rect">
-            <a:avLst/>
-          </a:prstGeom>
-          <a:noFill/>
-        </p:spPr>
-        <p:txBody>
-          <a:bodyPr wrap="none" rtlCol="0">
-            <a:spAutoFit/>
-          </a:bodyPr>
-          <a:lstStyle/>
-          <a:p>
-            <a:r>
-              <a:rPr lang="en-US" sz="2400" dirty="0"/>
-              <a:t>.</a:t>
-            </a:r>
-            <a:r>
-              <a:rPr lang="en-US" sz="2400" dirty="0" err="1"/>
-              <a:t>css-transition:hover</a:t>
-            </a:r>
-            <a:r>
-              <a:rPr lang="en-US" sz="2400" dirty="0"/>
-              <a:t> {</a:t>
-            </a:r>
-          </a:p>
-          <a:p>
-            <a:r>
-              <a:rPr lang="en-US" sz="2400" dirty="0"/>
-              <a:t>	width: 100%; </a:t>
-            </a:r>
-          </a:p>
-          <a:p>
-            <a:r>
-              <a:rPr lang="en-US" sz="2400" dirty="0"/>
-              <a:t>	</a:t>
-            </a:r>
-            <a:r>
-              <a:rPr lang="en-US" sz="2400" dirty="0">
-                <a:solidFill>
-                  <a:srgbClr val="FF0000"/>
-                </a:solidFill>
-              </a:rPr>
-              <a:t>transition: </a:t>
-            </a:r>
-            <a:r>
-              <a:rPr lang="en-US" sz="2400" dirty="0">
-                <a:solidFill>
-                  <a:schemeClr val="accent1"/>
-                </a:solidFill>
-              </a:rPr>
-              <a:t>width</a:t>
-            </a:r>
-            <a:r>
-              <a:rPr lang="en-US" sz="2400" dirty="0">
-                <a:solidFill>
-                  <a:srgbClr val="FF0000"/>
-                </a:solidFill>
-              </a:rPr>
-              <a:t> </a:t>
-            </a:r>
-            <a:r>
-              <a:rPr lang="en-US" sz="2400" dirty="0">
-                <a:solidFill>
-                  <a:schemeClr val="accent1"/>
-                </a:solidFill>
-              </a:rPr>
-              <a:t>2s cubic-Bezier(.17,.67,.83,.67) 1s;</a:t>
-            </a:r>
-          </a:p>
-          <a:p>
-            <a:r>
-              <a:rPr lang="en-US" sz="2400" dirty="0"/>
-              <a:t>}</a:t>
-            </a:r>
-          </a:p>
-        </p:txBody>
-      </p:sp>
-    </p:spTree>
-    <p:extLst>
-      <p:ext uri="{BB962C8B-B14F-4D97-AF65-F5344CB8AC3E}">
-        <p14:creationId xmlns:p14="http://schemas.microsoft.com/office/powerpoint/2010/main" val="600022540"/>
-      </p:ext>
-    </p:extLst>
-  </p:cSld>
-  <p:clrMapOvr>
-    <a:masterClrMapping/>
-  </p:clrMapOvr>
-</p:sld>
-</file>
-
-<file path=ppt/slides/slide18.xml><?xml version="1.0" encoding="utf-8"?>
-<p:sld xmlns:a="http://schemas.openxmlformats.org/drawingml/2006/main" xmlns:r="http://schemas.openxmlformats.org/officeDocument/2006/relationships" xmlns:p="http://schemas.openxmlformats.org/presentationml/2006/main">
-  <p:cSld>
-    <p:bg>
-      <p:bgPr>
-        <a:solidFill>
-          <a:schemeClr val="bg2"/>
-        </a:solidFill>
-        <a:effectLst/>
-      </p:bgPr>
-    </p:bg>
-    <p:spTree>
-      <p:nvGrpSpPr>
-        <p:cNvPr id="1" name=""/>
-        <p:cNvGrpSpPr/>
-        <p:nvPr/>
-      </p:nvGrpSpPr>
-      <p:grpSpPr>
-        <a:xfrm>
-          <a:off x="0" y="0"/>
-          <a:ext cx="0" cy="0"/>
-          <a:chOff x="0" y="0"/>
-          <a:chExt cx="0" cy="0"/>
-        </a:xfrm>
-      </p:grpSpPr>
-      <p:sp>
-        <p:nvSpPr>
-          <p:cNvPr id="4" name="Rectangle 3">
-            <a:extLst>
-              <a:ext uri="{FF2B5EF4-FFF2-40B4-BE49-F238E27FC236}">
-                <a16:creationId xmlns:a16="http://schemas.microsoft.com/office/drawing/2014/main" id="{678F1DA2-2833-49FF-9287-44720AC6C8D2}"/>
-              </a:ext>
-            </a:extLst>
-          </p:cNvPr>
-          <p:cNvSpPr/>
-          <p:nvPr/>
-        </p:nvSpPr>
-        <p:spPr>
-          <a:xfrm>
-            <a:off x="0" y="6581001"/>
-            <a:ext cx="9976268" cy="276999"/>
-          </a:xfrm>
-          <a:prstGeom prst="rect">
-            <a:avLst/>
-          </a:prstGeom>
-          <a:solidFill>
-            <a:srgbClr val="92D050"/>
-          </a:solidFill>
-          <a:ln>
-            <a:noFill/>
-          </a:ln>
-        </p:spPr>
-        <p:style>
-          <a:lnRef idx="2">
-            <a:schemeClr val="accent1">
-              <a:shade val="50000"/>
-            </a:schemeClr>
-          </a:lnRef>
-          <a:fillRef idx="1">
-            <a:schemeClr val="accent1"/>
-          </a:fillRef>
-          <a:effectRef idx="0">
-            <a:schemeClr val="accent1"/>
-          </a:effectRef>
-          <a:fontRef idx="minor">
-            <a:schemeClr val="lt1"/>
-          </a:fontRef>
-        </p:style>
-        <p:txBody>
-          <a:bodyPr rtlCol="0" anchor="ctr"/>
-          <a:lstStyle/>
-          <a:p>
-            <a:pPr algn="ctr"/>
-            <a:endParaRPr lang="en-US" dirty="0"/>
-          </a:p>
-        </p:txBody>
-      </p:sp>
-      <p:sp>
-        <p:nvSpPr>
-          <p:cNvPr id="5" name="TextBox 4">
-            <a:extLst>
-              <a:ext uri="{FF2B5EF4-FFF2-40B4-BE49-F238E27FC236}">
-                <a16:creationId xmlns:a16="http://schemas.microsoft.com/office/drawing/2014/main" id="{9758F7A4-2143-4CCD-B8B3-8B4A1461ECF9}"/>
-              </a:ext>
-            </a:extLst>
-          </p:cNvPr>
-          <p:cNvSpPr txBox="1"/>
-          <p:nvPr/>
-        </p:nvSpPr>
-        <p:spPr>
-          <a:xfrm>
-            <a:off x="36674" y="6583215"/>
-            <a:ext cx="2682077" cy="276999"/>
-          </a:xfrm>
-          <a:prstGeom prst="rect">
-            <a:avLst/>
-          </a:prstGeom>
-          <a:noFill/>
-        </p:spPr>
-        <p:txBody>
-          <a:bodyPr wrap="square" rtlCol="0">
-            <a:spAutoFit/>
-          </a:bodyPr>
-          <a:lstStyle/>
-          <a:p>
-            <a:r>
-              <a:rPr lang="en-US" sz="1200" dirty="0">
-                <a:solidFill>
-                  <a:schemeClr val="bg1"/>
-                </a:solidFill>
-              </a:rPr>
-              <a:t>Building Personal Websites</a:t>
-            </a:r>
-          </a:p>
-        </p:txBody>
-      </p:sp>
-      <p:sp>
-        <p:nvSpPr>
-          <p:cNvPr id="6" name="Rectangle 5">
-            <a:extLst>
-              <a:ext uri="{FF2B5EF4-FFF2-40B4-BE49-F238E27FC236}">
-                <a16:creationId xmlns:a16="http://schemas.microsoft.com/office/drawing/2014/main" id="{40845236-8634-4353-BA0D-8817FE36EC7A}"/>
-              </a:ext>
-            </a:extLst>
-          </p:cNvPr>
-          <p:cNvSpPr/>
-          <p:nvPr/>
-        </p:nvSpPr>
-        <p:spPr>
-          <a:xfrm>
-            <a:off x="9921514" y="6581001"/>
-            <a:ext cx="2270485" cy="276999"/>
-          </a:xfrm>
-          <a:prstGeom prst="rect">
-            <a:avLst/>
-          </a:prstGeom>
-          <a:solidFill>
-            <a:srgbClr val="00B0F0"/>
-          </a:solidFill>
-          <a:ln>
-            <a:noFill/>
-          </a:ln>
-        </p:spPr>
-        <p:style>
-          <a:lnRef idx="2">
-            <a:schemeClr val="accent1">
-              <a:shade val="50000"/>
-            </a:schemeClr>
-          </a:lnRef>
-          <a:fillRef idx="1">
-            <a:schemeClr val="accent1"/>
-          </a:fillRef>
-          <a:effectRef idx="0">
-            <a:schemeClr val="accent1"/>
-          </a:effectRef>
-          <a:fontRef idx="minor">
-            <a:schemeClr val="lt1"/>
-          </a:fontRef>
-        </p:style>
-        <p:txBody>
-          <a:bodyPr rtlCol="0" anchor="ctr"/>
-          <a:lstStyle/>
-          <a:p>
-            <a:pPr algn="ctr"/>
-            <a:endParaRPr lang="en-US" dirty="0"/>
-          </a:p>
-        </p:txBody>
-      </p:sp>
-      <p:sp>
-        <p:nvSpPr>
-          <p:cNvPr id="8" name="TextBox 7">
-            <a:extLst>
-              <a:ext uri="{FF2B5EF4-FFF2-40B4-BE49-F238E27FC236}">
-                <a16:creationId xmlns:a16="http://schemas.microsoft.com/office/drawing/2014/main" id="{6403EA4A-E7EB-4525-B0D2-13B3997D5780}"/>
-              </a:ext>
-            </a:extLst>
-          </p:cNvPr>
-          <p:cNvSpPr txBox="1"/>
-          <p:nvPr/>
-        </p:nvSpPr>
-        <p:spPr>
-          <a:xfrm>
-            <a:off x="9958188" y="6578787"/>
-            <a:ext cx="2682077" cy="276999"/>
-          </a:xfrm>
-          <a:prstGeom prst="rect">
-            <a:avLst/>
-          </a:prstGeom>
-          <a:noFill/>
-        </p:spPr>
-        <p:txBody>
-          <a:bodyPr wrap="square" rtlCol="0">
-            <a:spAutoFit/>
-          </a:bodyPr>
-          <a:lstStyle/>
-          <a:p>
-            <a:r>
-              <a:rPr lang="en-US" sz="1200" dirty="0">
-                <a:solidFill>
-                  <a:schemeClr val="bg1"/>
-                </a:solidFill>
-              </a:rPr>
-              <a:t>Lecture 05 | Basic Animations</a:t>
-            </a:r>
-          </a:p>
-        </p:txBody>
-      </p:sp>
-      <p:sp>
-        <p:nvSpPr>
-          <p:cNvPr id="7" name="TextBox 6">
-            <a:extLst>
-              <a:ext uri="{FF2B5EF4-FFF2-40B4-BE49-F238E27FC236}">
-                <a16:creationId xmlns:a16="http://schemas.microsoft.com/office/drawing/2014/main" id="{ED7E96AE-E09B-40E0-8966-5104069C1F43}"/>
-              </a:ext>
-            </a:extLst>
-          </p:cNvPr>
-          <p:cNvSpPr txBox="1"/>
-          <p:nvPr/>
-        </p:nvSpPr>
-        <p:spPr>
-          <a:xfrm>
-            <a:off x="4608636" y="3105834"/>
-            <a:ext cx="2974727" cy="646331"/>
-          </a:xfrm>
-          <a:prstGeom prst="rect">
-            <a:avLst/>
-          </a:prstGeom>
-          <a:noFill/>
-        </p:spPr>
-        <p:txBody>
-          <a:bodyPr wrap="square" rtlCol="0">
-            <a:spAutoFit/>
-          </a:bodyPr>
-          <a:lstStyle/>
-          <a:p>
-            <a:pPr algn="ctr"/>
-            <a:r>
-              <a:rPr lang="en-US" sz="3600" dirty="0"/>
-              <a:t>Live </a:t>
-            </a:r>
-            <a:r>
-              <a:rPr lang="en-US" sz="3600" dirty="0" err="1"/>
-              <a:t>Problemo</a:t>
-            </a:r>
-            <a:endParaRPr lang="en-US" sz="3600" dirty="0"/>
-          </a:p>
-        </p:txBody>
-      </p:sp>
-      <p:pic>
-        <p:nvPicPr>
-          <p:cNvPr id="5122" name="Picture 2" descr="Image result for problem">
-            <a:extLst>
-              <a:ext uri="{FF2B5EF4-FFF2-40B4-BE49-F238E27FC236}">
-                <a16:creationId xmlns:a16="http://schemas.microsoft.com/office/drawing/2014/main" id="{4FCCCB82-B851-44BE-9D19-BCCCB05C19C0}"/>
-              </a:ext>
-            </a:extLst>
-          </p:cNvPr>
-          <p:cNvPicPr>
-            <a:picLocks noChangeAspect="1" noChangeArrowheads="1"/>
-          </p:cNvPicPr>
-          <p:nvPr/>
-        </p:nvPicPr>
-        <p:blipFill>
-          <a:blip r:embed="rId2">
-            <a:extLst>
-              <a:ext uri="{28A0092B-C50C-407E-A947-70E740481C1C}">
-                <a14:useLocalDpi xmlns:a14="http://schemas.microsoft.com/office/drawing/2010/main" val="0"/>
-              </a:ext>
-            </a:extLst>
-          </a:blip>
-          <a:srcRect/>
-          <a:stretch>
-            <a:fillRect/>
-          </a:stretch>
-        </p:blipFill>
-        <p:spPr bwMode="auto">
-          <a:xfrm>
-            <a:off x="8141662" y="3528963"/>
-            <a:ext cx="3536992" cy="2674100"/>
-          </a:xfrm>
-          <a:prstGeom prst="rect">
-            <a:avLst/>
-          </a:prstGeom>
-          <a:noFill/>
-          <a:extLst>
-            <a:ext uri="{909E8E84-426E-40DD-AFC4-6F175D3DCCD1}">
-              <a14:hiddenFill xmlns:a14="http://schemas.microsoft.com/office/drawing/2010/main">
-                <a:solidFill>
-                  <a:srgbClr val="FFFFFF"/>
-                </a:solidFill>
-              </a14:hiddenFill>
-            </a:ext>
-          </a:extLst>
-        </p:spPr>
-      </p:pic>
+              <a:t>Live Demo</a:t>
+            </a:r>
+          </a:p>
+        </p:txBody>
+      </p:sp>
     </p:spTree>
     <p:extLst>
       <p:ext uri="{BB962C8B-B14F-4D97-AF65-F5344CB8AC3E}">
@@ -8802,7 +9252,7 @@
                   <a:schemeClr val="bg1"/>
                 </a:solidFill>
               </a:rPr>
-              <a:t>Lecture 05 | Basic Animations</a:t>
+              <a:t>Lecture 07 | Basic Animations</a:t>
             </a:r>
           </a:p>
         </p:txBody>
@@ -8863,7 +9313,7 @@
                   </a:schemeClr>
                 </a:solidFill>
               </a:rPr>
-              <a:t> Transition Property</a:t>
+              <a:t> Basic Animations: A CSS Approach</a:t>
             </a:r>
           </a:p>
         </p:txBody>
@@ -9083,7 +9533,7 @@
                   <a:schemeClr val="bg1"/>
                 </a:solidFill>
               </a:rPr>
-              <a:t>Lecture 05 | Basic Animations</a:t>
+              <a:t>Lecture 07 | Basic Animations</a:t>
             </a:r>
           </a:p>
         </p:txBody>
@@ -9716,7 +10166,7 @@
                   <a:schemeClr val="bg1"/>
                 </a:solidFill>
               </a:rPr>
-              <a:t>Lecture 05 | Basic Animations</a:t>
+              <a:t>Lecture 07 | Basic Animations</a:t>
             </a:r>
           </a:p>
         </p:txBody>
@@ -9962,129 +10412,125 @@
           </a:p>
         </p:txBody>
       </p:sp>
+      <p:sp>
+        <p:nvSpPr>
+          <p:cNvPr id="18" name="TextBox 17">
+            <a:extLst>
+              <a:ext uri="{FF2B5EF4-FFF2-40B4-BE49-F238E27FC236}">
+                <a16:creationId xmlns:a16="http://schemas.microsoft.com/office/drawing/2014/main" id="{12A16D4D-C3C1-4480-82BC-97C6DD55DA2A}"/>
+              </a:ext>
+            </a:extLst>
+          </p:cNvPr>
+          <p:cNvSpPr txBox="1"/>
+          <p:nvPr/>
+        </p:nvSpPr>
+        <p:spPr>
+          <a:xfrm>
+            <a:off x="85478" y="2530770"/>
+            <a:ext cx="3208421" cy="589072"/>
+          </a:xfrm>
+          <a:prstGeom prst="rect">
+            <a:avLst/>
+          </a:prstGeom>
+          <a:noFill/>
+        </p:spPr>
+        <p:txBody>
+          <a:bodyPr wrap="square" rtlCol="0">
+            <a:spAutoFit/>
+          </a:bodyPr>
+          <a:lstStyle/>
+          <a:p>
+            <a:pPr algn="ctr">
+              <a:lnSpc>
+                <a:spcPct val="150000"/>
+              </a:lnSpc>
+            </a:pPr>
+            <a:r>
+              <a:rPr lang="en-US" sz="2400" dirty="0"/>
+              <a:t> x-position: 0m;</a:t>
+            </a:r>
+          </a:p>
+        </p:txBody>
+      </p:sp>
+      <p:sp>
+        <p:nvSpPr>
+          <p:cNvPr id="19" name="TextBox 18">
+            <a:extLst>
+              <a:ext uri="{FF2B5EF4-FFF2-40B4-BE49-F238E27FC236}">
+                <a16:creationId xmlns:a16="http://schemas.microsoft.com/office/drawing/2014/main" id="{1853CB26-9B98-455E-A3B8-8E3AFB9EAA17}"/>
+              </a:ext>
+            </a:extLst>
+          </p:cNvPr>
+          <p:cNvSpPr txBox="1"/>
+          <p:nvPr/>
+        </p:nvSpPr>
+        <p:spPr>
+          <a:xfrm>
+            <a:off x="8882059" y="2597662"/>
+            <a:ext cx="3208421" cy="589072"/>
+          </a:xfrm>
+          <a:prstGeom prst="rect">
+            <a:avLst/>
+          </a:prstGeom>
+          <a:noFill/>
+        </p:spPr>
+        <p:txBody>
+          <a:bodyPr wrap="square" rtlCol="0">
+            <a:spAutoFit/>
+          </a:bodyPr>
+          <a:lstStyle/>
+          <a:p>
+            <a:pPr algn="ctr">
+              <a:lnSpc>
+                <a:spcPct val="150000"/>
+              </a:lnSpc>
+            </a:pPr>
+            <a:r>
+              <a:rPr lang="en-US" sz="2400" dirty="0"/>
+              <a:t> x-position: 1000m;</a:t>
+            </a:r>
+          </a:p>
+        </p:txBody>
+      </p:sp>
       <p:cxnSp>
         <p:nvCxnSpPr>
-          <p:cNvPr id="9" name="Straight Connector 8">
-            <a:extLst>
-              <a:ext uri="{FF2B5EF4-FFF2-40B4-BE49-F238E27FC236}">
-                <a16:creationId xmlns:a16="http://schemas.microsoft.com/office/drawing/2014/main" id="{3B82A1F2-DE70-4D91-8037-6B6A4FF1E61B}"/>
-              </a:ext>
-            </a:extLst>
-          </p:cNvPr>
-          <p:cNvCxnSpPr/>
+          <p:cNvPr id="14" name="Straight Connector 13">
+            <a:extLst>
+              <a:ext uri="{FF2B5EF4-FFF2-40B4-BE49-F238E27FC236}">
+                <a16:creationId xmlns:a16="http://schemas.microsoft.com/office/drawing/2014/main" id="{40BDA565-3680-D34D-B1E2-80FD67BCC212}"/>
+              </a:ext>
+            </a:extLst>
+          </p:cNvPr>
+          <p:cNvCxnSpPr>
+            <a:cxnSpLocks/>
+          </p:cNvCxnSpPr>
           <p:nvPr/>
         </p:nvCxnSpPr>
         <p:spPr>
           <a:xfrm>
-            <a:off x="5598695" y="1005196"/>
-            <a:ext cx="1058779" cy="0"/>
+            <a:off x="5730956" y="1013664"/>
+            <a:ext cx="419986" cy="0"/>
           </a:xfrm>
           <a:prstGeom prst="line">
             <a:avLst/>
           </a:prstGeom>
-          <a:ln w="28575">
-            <a:solidFill>
-              <a:schemeClr val="bg1">
-                <a:lumMod val="65000"/>
-              </a:schemeClr>
-            </a:solidFill>
-          </a:ln>
+          <a:ln w="28575"/>
         </p:spPr>
         <p:style>
           <a:lnRef idx="1">
-            <a:schemeClr val="accent1"/>
+            <a:schemeClr val="dk1"/>
           </a:lnRef>
           <a:fillRef idx="0">
-            <a:schemeClr val="accent1"/>
+            <a:schemeClr val="dk1"/>
           </a:fillRef>
           <a:effectRef idx="0">
-            <a:schemeClr val="accent1"/>
+            <a:schemeClr val="dk1"/>
           </a:effectRef>
           <a:fontRef idx="minor">
             <a:schemeClr val="tx1"/>
           </a:fontRef>
         </p:style>
       </p:cxnSp>
-      <p:sp>
-        <p:nvSpPr>
-          <p:cNvPr id="18" name="TextBox 17">
-            <a:extLst>
-              <a:ext uri="{FF2B5EF4-FFF2-40B4-BE49-F238E27FC236}">
-                <a16:creationId xmlns:a16="http://schemas.microsoft.com/office/drawing/2014/main" id="{12A16D4D-C3C1-4480-82BC-97C6DD55DA2A}"/>
-              </a:ext>
-            </a:extLst>
-          </p:cNvPr>
-          <p:cNvSpPr txBox="1"/>
-          <p:nvPr/>
-        </p:nvSpPr>
-        <p:spPr>
-          <a:xfrm>
-            <a:off x="85478" y="2530770"/>
-            <a:ext cx="3208421" cy="589072"/>
-          </a:xfrm>
-          <a:prstGeom prst="rect">
-            <a:avLst/>
-          </a:prstGeom>
-          <a:noFill/>
-        </p:spPr>
-        <p:txBody>
-          <a:bodyPr wrap="square" rtlCol="0">
-            <a:spAutoFit/>
-          </a:bodyPr>
-          <a:lstStyle/>
-          <a:p>
-            <a:pPr algn="ctr">
-              <a:lnSpc>
-                <a:spcPct val="150000"/>
-              </a:lnSpc>
-            </a:pPr>
-            <a:r>
-              <a:rPr lang="en-US" sz="2400" dirty="0"/>
-              <a:t> x-position: 0m;</a:t>
-            </a:r>
-          </a:p>
-        </p:txBody>
-      </p:sp>
-      <p:sp>
-        <p:nvSpPr>
-          <p:cNvPr id="19" name="TextBox 18">
-            <a:extLst>
-              <a:ext uri="{FF2B5EF4-FFF2-40B4-BE49-F238E27FC236}">
-                <a16:creationId xmlns:a16="http://schemas.microsoft.com/office/drawing/2014/main" id="{1853CB26-9B98-455E-A3B8-8E3AFB9EAA17}"/>
-              </a:ext>
-            </a:extLst>
-          </p:cNvPr>
-          <p:cNvSpPr txBox="1"/>
-          <p:nvPr/>
-        </p:nvSpPr>
-        <p:spPr>
-          <a:xfrm>
-            <a:off x="8882059" y="2597662"/>
-            <a:ext cx="3208421" cy="589072"/>
-          </a:xfrm>
-          <a:prstGeom prst="rect">
-            <a:avLst/>
-          </a:prstGeom>
-          <a:noFill/>
-        </p:spPr>
-        <p:txBody>
-          <a:bodyPr wrap="square" rtlCol="0">
-            <a:spAutoFit/>
-          </a:bodyPr>
-          <a:lstStyle/>
-          <a:p>
-            <a:pPr algn="ctr">
-              <a:lnSpc>
-                <a:spcPct val="150000"/>
-              </a:lnSpc>
-            </a:pPr>
-            <a:r>
-              <a:rPr lang="en-US" sz="2400" dirty="0"/>
-              <a:t> x-position: 1000m;</a:t>
-            </a:r>
-          </a:p>
-        </p:txBody>
-      </p:sp>
     </p:spTree>
     <p:extLst>
       <p:ext uri="{BB962C8B-B14F-4D97-AF65-F5344CB8AC3E}">
@@ -10300,7 +10746,7 @@
                   <a:schemeClr val="bg1"/>
                 </a:solidFill>
               </a:rPr>
-              <a:t>Lecture 05 | Basic Animations</a:t>
+              <a:t>Lecture 07 | Basic Animations</a:t>
             </a:r>
           </a:p>
         </p:txBody>
@@ -10538,89 +10984,85 @@
           </a:p>
         </p:txBody>
       </p:sp>
+      <p:sp>
+        <p:nvSpPr>
+          <p:cNvPr id="18" name="TextBox 17">
+            <a:extLst>
+              <a:ext uri="{FF2B5EF4-FFF2-40B4-BE49-F238E27FC236}">
+                <a16:creationId xmlns:a16="http://schemas.microsoft.com/office/drawing/2014/main" id="{12A16D4D-C3C1-4480-82BC-97C6DD55DA2A}"/>
+              </a:ext>
+            </a:extLst>
+          </p:cNvPr>
+          <p:cNvSpPr txBox="1"/>
+          <p:nvPr/>
+        </p:nvSpPr>
+        <p:spPr>
+          <a:xfrm>
+            <a:off x="3748464" y="2565578"/>
+            <a:ext cx="4695069" cy="589072"/>
+          </a:xfrm>
+          <a:prstGeom prst="rect">
+            <a:avLst/>
+          </a:prstGeom>
+          <a:noFill/>
+        </p:spPr>
+        <p:txBody>
+          <a:bodyPr wrap="square" rtlCol="0">
+            <a:spAutoFit/>
+          </a:bodyPr>
+          <a:lstStyle/>
+          <a:p>
+            <a:pPr algn="ctr">
+              <a:lnSpc>
+                <a:spcPct val="150000"/>
+              </a:lnSpc>
+            </a:pPr>
+            <a:r>
+              <a:rPr lang="en-US" sz="2400" dirty="0"/>
+              <a:t>Takes 10 minutes to walk to work</a:t>
+            </a:r>
+          </a:p>
+        </p:txBody>
+      </p:sp>
       <p:cxnSp>
         <p:nvCxnSpPr>
-          <p:cNvPr id="9" name="Straight Connector 8">
-            <a:extLst>
-              <a:ext uri="{FF2B5EF4-FFF2-40B4-BE49-F238E27FC236}">
-                <a16:creationId xmlns:a16="http://schemas.microsoft.com/office/drawing/2014/main" id="{3B82A1F2-DE70-4D91-8037-6B6A4FF1E61B}"/>
-              </a:ext>
-            </a:extLst>
-          </p:cNvPr>
-          <p:cNvCxnSpPr/>
+          <p:cNvPr id="13" name="Straight Connector 12">
+            <a:extLst>
+              <a:ext uri="{FF2B5EF4-FFF2-40B4-BE49-F238E27FC236}">
+                <a16:creationId xmlns:a16="http://schemas.microsoft.com/office/drawing/2014/main" id="{868D2BA2-78E0-4047-8A4B-B38BD223F106}"/>
+              </a:ext>
+            </a:extLst>
+          </p:cNvPr>
+          <p:cNvCxnSpPr>
+            <a:cxnSpLocks/>
+          </p:cNvCxnSpPr>
           <p:nvPr/>
         </p:nvCxnSpPr>
         <p:spPr>
           <a:xfrm>
-            <a:off x="5598695" y="1005196"/>
-            <a:ext cx="1058779" cy="0"/>
+            <a:off x="5730956" y="1013664"/>
+            <a:ext cx="419986" cy="0"/>
           </a:xfrm>
           <a:prstGeom prst="line">
             <a:avLst/>
           </a:prstGeom>
-          <a:ln w="28575">
-            <a:solidFill>
-              <a:schemeClr val="bg1">
-                <a:lumMod val="65000"/>
-              </a:schemeClr>
-            </a:solidFill>
-          </a:ln>
+          <a:ln w="28575"/>
         </p:spPr>
         <p:style>
           <a:lnRef idx="1">
-            <a:schemeClr val="accent1"/>
+            <a:schemeClr val="dk1"/>
           </a:lnRef>
           <a:fillRef idx="0">
-            <a:schemeClr val="accent1"/>
+            <a:schemeClr val="dk1"/>
           </a:fillRef>
           <a:effectRef idx="0">
-            <a:schemeClr val="accent1"/>
+            <a:schemeClr val="dk1"/>
           </a:effectRef>
           <a:fontRef idx="minor">
             <a:schemeClr val="tx1"/>
           </a:fontRef>
         </p:style>
       </p:cxnSp>
-      <p:sp>
-        <p:nvSpPr>
-          <p:cNvPr id="18" name="TextBox 17">
-            <a:extLst>
-              <a:ext uri="{FF2B5EF4-FFF2-40B4-BE49-F238E27FC236}">
-                <a16:creationId xmlns:a16="http://schemas.microsoft.com/office/drawing/2014/main" id="{12A16D4D-C3C1-4480-82BC-97C6DD55DA2A}"/>
-              </a:ext>
-            </a:extLst>
-          </p:cNvPr>
-          <p:cNvSpPr txBox="1"/>
-          <p:nvPr/>
-        </p:nvSpPr>
-        <p:spPr>
-          <a:xfrm>
-            <a:off x="3748464" y="2565578"/>
-            <a:ext cx="4695069" cy="589072"/>
-          </a:xfrm>
-          <a:prstGeom prst="rect">
-            <a:avLst/>
-          </a:prstGeom>
-          <a:noFill/>
-        </p:spPr>
-        <p:txBody>
-          <a:bodyPr wrap="square" rtlCol="0">
-            <a:spAutoFit/>
-          </a:bodyPr>
-          <a:lstStyle/>
-          <a:p>
-            <a:pPr algn="ctr">
-              <a:lnSpc>
-                <a:spcPct val="150000"/>
-              </a:lnSpc>
-            </a:pPr>
-            <a:r>
-              <a:rPr lang="en-US" sz="2400" dirty="0"/>
-              <a:t>Takes 10 minutes to walk to work</a:t>
-            </a:r>
-          </a:p>
-        </p:txBody>
-      </p:sp>
     </p:spTree>
     <p:extLst>
       <p:ext uri="{BB962C8B-B14F-4D97-AF65-F5344CB8AC3E}">
@@ -10836,7 +11278,7 @@
                   <a:schemeClr val="bg1"/>
                 </a:solidFill>
               </a:rPr>
-              <a:t>Lecture 05 | Basic Animations</a:t>
+              <a:t>Lecture 07 | Basic Animations</a:t>
             </a:r>
           </a:p>
         </p:txBody>
@@ -11074,49 +11516,6 @@
           </a:p>
         </p:txBody>
       </p:sp>
-      <p:cxnSp>
-        <p:nvCxnSpPr>
-          <p:cNvPr id="9" name="Straight Connector 8">
-            <a:extLst>
-              <a:ext uri="{FF2B5EF4-FFF2-40B4-BE49-F238E27FC236}">
-                <a16:creationId xmlns:a16="http://schemas.microsoft.com/office/drawing/2014/main" id="{3B82A1F2-DE70-4D91-8037-6B6A4FF1E61B}"/>
-              </a:ext>
-            </a:extLst>
-          </p:cNvPr>
-          <p:cNvCxnSpPr/>
-          <p:nvPr/>
-        </p:nvCxnSpPr>
-        <p:spPr>
-          <a:xfrm>
-            <a:off x="5598695" y="1005196"/>
-            <a:ext cx="1058779" cy="0"/>
-          </a:xfrm>
-          <a:prstGeom prst="line">
-            <a:avLst/>
-          </a:prstGeom>
-          <a:ln w="28575">
-            <a:solidFill>
-              <a:schemeClr val="bg1">
-                <a:lumMod val="65000"/>
-              </a:schemeClr>
-            </a:solidFill>
-          </a:ln>
-        </p:spPr>
-        <p:style>
-          <a:lnRef idx="1">
-            <a:schemeClr val="accent1"/>
-          </a:lnRef>
-          <a:fillRef idx="0">
-            <a:schemeClr val="accent1"/>
-          </a:fillRef>
-          <a:effectRef idx="0">
-            <a:schemeClr val="accent1"/>
-          </a:effectRef>
-          <a:fontRef idx="minor">
-            <a:schemeClr val="tx1"/>
-          </a:fontRef>
-        </p:style>
-      </p:cxnSp>
       <p:sp>
         <p:nvSpPr>
           <p:cNvPr id="10" name="Right Bracket 9">
@@ -11798,6 +12197,85 @@
           </a:extLst>
         </p:spPr>
       </p:pic>
+      <p:sp>
+        <p:nvSpPr>
+          <p:cNvPr id="26" name="TextBox 25">
+            <a:extLst>
+              <a:ext uri="{FF2B5EF4-FFF2-40B4-BE49-F238E27FC236}">
+                <a16:creationId xmlns:a16="http://schemas.microsoft.com/office/drawing/2014/main" id="{97E6FFDD-C7A1-A34E-A80F-BBE642B854B8}"/>
+              </a:ext>
+            </a:extLst>
+          </p:cNvPr>
+          <p:cNvSpPr txBox="1"/>
+          <p:nvPr/>
+        </p:nvSpPr>
+        <p:spPr>
+          <a:xfrm>
+            <a:off x="3507834" y="5238996"/>
+            <a:ext cx="4695069" cy="589072"/>
+          </a:xfrm>
+          <a:prstGeom prst="rect">
+            <a:avLst/>
+          </a:prstGeom>
+          <a:noFill/>
+        </p:spPr>
+        <p:txBody>
+          <a:bodyPr wrap="square" rtlCol="0">
+            <a:spAutoFit/>
+          </a:bodyPr>
+          <a:lstStyle/>
+          <a:p>
+            <a:pPr algn="ctr">
+              <a:lnSpc>
+                <a:spcPct val="150000"/>
+              </a:lnSpc>
+            </a:pPr>
+            <a:r>
+              <a:rPr lang="en-US" sz="2400" dirty="0"/>
+              <a:t>Stops for a cup of coffee</a:t>
+            </a:r>
+          </a:p>
+        </p:txBody>
+      </p:sp>
+      <p:cxnSp>
+        <p:nvCxnSpPr>
+          <p:cNvPr id="28" name="Straight Connector 27">
+            <a:extLst>
+              <a:ext uri="{FF2B5EF4-FFF2-40B4-BE49-F238E27FC236}">
+                <a16:creationId xmlns:a16="http://schemas.microsoft.com/office/drawing/2014/main" id="{7F6C0FD7-38B3-8348-B3BA-F0205D19492D}"/>
+              </a:ext>
+            </a:extLst>
+          </p:cNvPr>
+          <p:cNvCxnSpPr>
+            <a:cxnSpLocks/>
+          </p:cNvCxnSpPr>
+          <p:nvPr/>
+        </p:nvCxnSpPr>
+        <p:spPr>
+          <a:xfrm>
+            <a:off x="5730956" y="1013664"/>
+            <a:ext cx="419986" cy="0"/>
+          </a:xfrm>
+          <a:prstGeom prst="line">
+            <a:avLst/>
+          </a:prstGeom>
+          <a:ln w="28575"/>
+        </p:spPr>
+        <p:style>
+          <a:lnRef idx="1">
+            <a:schemeClr val="dk1"/>
+          </a:lnRef>
+          <a:fillRef idx="0">
+            <a:schemeClr val="dk1"/>
+          </a:fillRef>
+          <a:effectRef idx="0">
+            <a:schemeClr val="dk1"/>
+          </a:effectRef>
+          <a:fontRef idx="minor">
+            <a:schemeClr val="tx1"/>
+          </a:fontRef>
+        </p:style>
+      </p:cxnSp>
     </p:spTree>
     <p:extLst>
       <p:ext uri="{BB962C8B-B14F-4D97-AF65-F5344CB8AC3E}">
@@ -12013,7 +12491,7 @@
                   <a:schemeClr val="bg1"/>
                 </a:solidFill>
               </a:rPr>
-              <a:t>Lecture 05 | Basic Animations</a:t>
+              <a:t>Lecture 07 | Basic Animations</a:t>
             </a:r>
           </a:p>
         </p:txBody>
@@ -12058,49 +12536,6 @@
           </a:p>
         </p:txBody>
       </p:sp>
-      <p:cxnSp>
-        <p:nvCxnSpPr>
-          <p:cNvPr id="9" name="Straight Connector 8">
-            <a:extLst>
-              <a:ext uri="{FF2B5EF4-FFF2-40B4-BE49-F238E27FC236}">
-                <a16:creationId xmlns:a16="http://schemas.microsoft.com/office/drawing/2014/main" id="{3B82A1F2-DE70-4D91-8037-6B6A4FF1E61B}"/>
-              </a:ext>
-            </a:extLst>
-          </p:cNvPr>
-          <p:cNvCxnSpPr/>
-          <p:nvPr/>
-        </p:nvCxnSpPr>
-        <p:spPr>
-          <a:xfrm>
-            <a:off x="5598695" y="1005196"/>
-            <a:ext cx="1058779" cy="0"/>
-          </a:xfrm>
-          <a:prstGeom prst="line">
-            <a:avLst/>
-          </a:prstGeom>
-          <a:ln w="28575">
-            <a:solidFill>
-              <a:schemeClr val="bg1">
-                <a:lumMod val="65000"/>
-              </a:schemeClr>
-            </a:solidFill>
-          </a:ln>
-        </p:spPr>
-        <p:style>
-          <a:lnRef idx="1">
-            <a:schemeClr val="accent1"/>
-          </a:lnRef>
-          <a:fillRef idx="0">
-            <a:schemeClr val="accent1"/>
-          </a:fillRef>
-          <a:effectRef idx="0">
-            <a:schemeClr val="accent1"/>
-          </a:effectRef>
-          <a:fontRef idx="minor">
-            <a:schemeClr val="tx1"/>
-          </a:fontRef>
-        </p:style>
-      </p:cxnSp>
       <p:grpSp>
         <p:nvGrpSpPr>
           <p:cNvPr id="13" name="Group 12">
@@ -13287,6 +13722,45 @@
           </a:p>
         </p:txBody>
       </p:sp>
+      <p:cxnSp>
+        <p:nvCxnSpPr>
+          <p:cNvPr id="32" name="Straight Connector 31">
+            <a:extLst>
+              <a:ext uri="{FF2B5EF4-FFF2-40B4-BE49-F238E27FC236}">
+                <a16:creationId xmlns:a16="http://schemas.microsoft.com/office/drawing/2014/main" id="{AA46BF53-7229-C44D-A6FC-21926569A237}"/>
+              </a:ext>
+            </a:extLst>
+          </p:cNvPr>
+          <p:cNvCxnSpPr>
+            <a:cxnSpLocks/>
+          </p:cNvCxnSpPr>
+          <p:nvPr/>
+        </p:nvCxnSpPr>
+        <p:spPr>
+          <a:xfrm>
+            <a:off x="5730956" y="1013664"/>
+            <a:ext cx="419986" cy="0"/>
+          </a:xfrm>
+          <a:prstGeom prst="line">
+            <a:avLst/>
+          </a:prstGeom>
+          <a:ln w="28575"/>
+        </p:spPr>
+        <p:style>
+          <a:lnRef idx="1">
+            <a:schemeClr val="dk1"/>
+          </a:lnRef>
+          <a:fillRef idx="0">
+            <a:schemeClr val="dk1"/>
+          </a:fillRef>
+          <a:effectRef idx="0">
+            <a:schemeClr val="dk1"/>
+          </a:effectRef>
+          <a:fontRef idx="minor">
+            <a:schemeClr val="tx1"/>
+          </a:fontRef>
+        </p:style>
+      </p:cxnSp>
     </p:spTree>
     <p:extLst>
       <p:ext uri="{BB962C8B-B14F-4D97-AF65-F5344CB8AC3E}">
@@ -13502,7 +13976,7 @@
                   <a:schemeClr val="bg1"/>
                 </a:solidFill>
               </a:rPr>
-              <a:t>Lecture 05 | Basic Animations</a:t>
+              <a:t>Lecture 07 | Basic Animations</a:t>
             </a:r>
           </a:p>
         </p:txBody>
@@ -13542,54 +14016,11 @@
             </a:pPr>
             <a:r>
               <a:rPr lang="en-US" sz="3600" dirty="0"/>
-              <a:t>This is possible too</a:t>
-            </a:r>
-          </a:p>
-        </p:txBody>
-      </p:sp>
-      <p:cxnSp>
-        <p:nvCxnSpPr>
-          <p:cNvPr id="9" name="Straight Connector 8">
-            <a:extLst>
-              <a:ext uri="{FF2B5EF4-FFF2-40B4-BE49-F238E27FC236}">
-                <a16:creationId xmlns:a16="http://schemas.microsoft.com/office/drawing/2014/main" id="{3B82A1F2-DE70-4D91-8037-6B6A4FF1E61B}"/>
-              </a:ext>
-            </a:extLst>
-          </p:cNvPr>
-          <p:cNvCxnSpPr/>
-          <p:nvPr/>
-        </p:nvCxnSpPr>
-        <p:spPr>
-          <a:xfrm>
-            <a:off x="5598695" y="1005196"/>
-            <a:ext cx="1058779" cy="0"/>
-          </a:xfrm>
-          <a:prstGeom prst="line">
-            <a:avLst/>
-          </a:prstGeom>
-          <a:ln w="28575">
-            <a:solidFill>
-              <a:schemeClr val="bg1">
-                <a:lumMod val="65000"/>
-              </a:schemeClr>
-            </a:solidFill>
-          </a:ln>
-        </p:spPr>
-        <p:style>
-          <a:lnRef idx="1">
-            <a:schemeClr val="accent1"/>
-          </a:lnRef>
-          <a:fillRef idx="0">
-            <a:schemeClr val="accent1"/>
-          </a:fillRef>
-          <a:effectRef idx="0">
-            <a:schemeClr val="accent1"/>
-          </a:effectRef>
-          <a:fontRef idx="minor">
-            <a:schemeClr val="tx1"/>
-          </a:fontRef>
-        </p:style>
-      </p:cxnSp>
+              <a:t>Interpolation (I)</a:t>
+            </a:r>
+          </a:p>
+        </p:txBody>
+      </p:sp>
       <p:grpSp>
         <p:nvGrpSpPr>
           <p:cNvPr id="13" name="Group 12">
@@ -14731,6 +15162,86 @@
           </a:p>
         </p:txBody>
       </p:sp>
+      <p:sp>
+        <p:nvSpPr>
+          <p:cNvPr id="30" name="TextBox 29">
+            <a:extLst>
+              <a:ext uri="{FF2B5EF4-FFF2-40B4-BE49-F238E27FC236}">
+                <a16:creationId xmlns:a16="http://schemas.microsoft.com/office/drawing/2014/main" id="{AC06E27B-8E3B-2945-827D-FBF2F07B4314}"/>
+              </a:ext>
+            </a:extLst>
+          </p:cNvPr>
+          <p:cNvSpPr txBox="1"/>
+          <p:nvPr/>
+        </p:nvSpPr>
+        <p:spPr>
+          <a:xfrm>
+            <a:off x="1670031" y="5831305"/>
+            <a:ext cx="8721949" cy="589072"/>
+          </a:xfrm>
+          <a:prstGeom prst="rect">
+            <a:avLst/>
+          </a:prstGeom>
+          <a:noFill/>
+        </p:spPr>
+        <p:txBody>
+          <a:bodyPr wrap="square" rtlCol="0">
+            <a:spAutoFit/>
+          </a:bodyPr>
+          <a:lstStyle/>
+          <a:p>
+            <a:pPr algn="ctr">
+              <a:lnSpc>
+                <a:spcPct val="150000"/>
+              </a:lnSpc>
+            </a:pPr>
+            <a:r>
+              <a:rPr lang="en-US" sz="2400" dirty="0"/>
+              <a:t>This is also possible too.</a:t>
+            </a:r>
+            <a:endParaRPr lang="en-US" sz="2400" b="1" dirty="0"/>
+          </a:p>
+        </p:txBody>
+      </p:sp>
+      <p:cxnSp>
+        <p:nvCxnSpPr>
+          <p:cNvPr id="31" name="Straight Connector 30">
+            <a:extLst>
+              <a:ext uri="{FF2B5EF4-FFF2-40B4-BE49-F238E27FC236}">
+                <a16:creationId xmlns:a16="http://schemas.microsoft.com/office/drawing/2014/main" id="{AFA38036-B7CA-D34C-9FF5-580AB858FF6B}"/>
+              </a:ext>
+            </a:extLst>
+          </p:cNvPr>
+          <p:cNvCxnSpPr>
+            <a:cxnSpLocks/>
+          </p:cNvCxnSpPr>
+          <p:nvPr/>
+        </p:nvCxnSpPr>
+        <p:spPr>
+          <a:xfrm>
+            <a:off x="5730956" y="1013664"/>
+            <a:ext cx="419986" cy="0"/>
+          </a:xfrm>
+          <a:prstGeom prst="line">
+            <a:avLst/>
+          </a:prstGeom>
+          <a:ln w="28575"/>
+        </p:spPr>
+        <p:style>
+          <a:lnRef idx="1">
+            <a:schemeClr val="dk1"/>
+          </a:lnRef>
+          <a:fillRef idx="0">
+            <a:schemeClr val="dk1"/>
+          </a:fillRef>
+          <a:effectRef idx="0">
+            <a:schemeClr val="dk1"/>
+          </a:effectRef>
+          <a:fontRef idx="minor">
+            <a:schemeClr val="tx1"/>
+          </a:fontRef>
+        </p:style>
+      </p:cxnSp>
     </p:spTree>
     <p:extLst>
       <p:ext uri="{BB962C8B-B14F-4D97-AF65-F5344CB8AC3E}">
@@ -14946,7 +15457,7 @@
                   <a:schemeClr val="bg1"/>
                 </a:solidFill>
               </a:rPr>
-              <a:t>Lecture 05 | Basic Animations</a:t>
+              <a:t>Lecture 07 | Basic Animations</a:t>
             </a:r>
           </a:p>
         </p:txBody>
@@ -14986,54 +15497,11 @@
             </a:pPr>
             <a:r>
               <a:rPr lang="en-US" sz="3600" dirty="0"/>
-              <a:t>This is possible too</a:t>
-            </a:r>
-          </a:p>
-        </p:txBody>
-      </p:sp>
-      <p:cxnSp>
-        <p:nvCxnSpPr>
-          <p:cNvPr id="9" name="Straight Connector 8">
-            <a:extLst>
-              <a:ext uri="{FF2B5EF4-FFF2-40B4-BE49-F238E27FC236}">
-                <a16:creationId xmlns:a16="http://schemas.microsoft.com/office/drawing/2014/main" id="{3B82A1F2-DE70-4D91-8037-6B6A4FF1E61B}"/>
-              </a:ext>
-            </a:extLst>
-          </p:cNvPr>
-          <p:cNvCxnSpPr/>
-          <p:nvPr/>
-        </p:nvCxnSpPr>
-        <p:spPr>
-          <a:xfrm>
-            <a:off x="5598695" y="1005196"/>
-            <a:ext cx="1058779" cy="0"/>
-          </a:xfrm>
-          <a:prstGeom prst="line">
-            <a:avLst/>
-          </a:prstGeom>
-          <a:ln w="28575">
-            <a:solidFill>
-              <a:schemeClr val="bg1">
-                <a:lumMod val="65000"/>
-              </a:schemeClr>
-            </a:solidFill>
-          </a:ln>
-        </p:spPr>
-        <p:style>
-          <a:lnRef idx="1">
-            <a:schemeClr val="accent1"/>
-          </a:lnRef>
-          <a:fillRef idx="0">
-            <a:schemeClr val="accent1"/>
-          </a:fillRef>
-          <a:effectRef idx="0">
-            <a:schemeClr val="accent1"/>
-          </a:effectRef>
-          <a:fontRef idx="minor">
-            <a:schemeClr val="tx1"/>
-          </a:fontRef>
-        </p:style>
-      </p:cxnSp>
+              <a:t>Interpolation (I)</a:t>
+            </a:r>
+          </a:p>
+        </p:txBody>
+      </p:sp>
       <p:grpSp>
         <p:nvGrpSpPr>
           <p:cNvPr id="13" name="Group 12">
@@ -16100,6 +16568,45 @@
           </a:fontRef>
         </p:style>
       </p:cxnSp>
+      <p:cxnSp>
+        <p:nvCxnSpPr>
+          <p:cNvPr id="34" name="Straight Connector 33">
+            <a:extLst>
+              <a:ext uri="{FF2B5EF4-FFF2-40B4-BE49-F238E27FC236}">
+                <a16:creationId xmlns:a16="http://schemas.microsoft.com/office/drawing/2014/main" id="{2C04BF46-A556-5049-86F6-8361A75D255D}"/>
+              </a:ext>
+            </a:extLst>
+          </p:cNvPr>
+          <p:cNvCxnSpPr>
+            <a:cxnSpLocks/>
+          </p:cNvCxnSpPr>
+          <p:nvPr/>
+        </p:nvCxnSpPr>
+        <p:spPr>
+          <a:xfrm>
+            <a:off x="5730956" y="1013664"/>
+            <a:ext cx="419986" cy="0"/>
+          </a:xfrm>
+          <a:prstGeom prst="line">
+            <a:avLst/>
+          </a:prstGeom>
+          <a:ln w="28575"/>
+        </p:spPr>
+        <p:style>
+          <a:lnRef idx="1">
+            <a:schemeClr val="dk1"/>
+          </a:lnRef>
+          <a:fillRef idx="0">
+            <a:schemeClr val="dk1"/>
+          </a:fillRef>
+          <a:effectRef idx="0">
+            <a:schemeClr val="dk1"/>
+          </a:effectRef>
+          <a:fontRef idx="minor">
+            <a:schemeClr val="tx1"/>
+          </a:fontRef>
+        </p:style>
+      </p:cxnSp>
     </p:spTree>
     <p:extLst>
       <p:ext uri="{BB962C8B-B14F-4D97-AF65-F5344CB8AC3E}">

--- a/assets/lectures/BPW_Lecture_07.pptx
+++ b/assets/lectures/BPW_Lecture_07.pptx
@@ -21,7 +21,8 @@
     <p:sldId id="316" r:id="rId15"/>
     <p:sldId id="317" r:id="rId16"/>
     <p:sldId id="318" r:id="rId17"/>
-    <p:sldId id="302" r:id="rId18"/>
+    <p:sldId id="322" r:id="rId18"/>
+    <p:sldId id="302" r:id="rId19"/>
   </p:sldIdLst>
   <p:sldSz cx="12192000" cy="6858000"/>
   <p:notesSz cx="6858000" cy="9144000"/>
@@ -287,7 +288,7 @@
           <a:p>
             <a:fld id="{F57857CC-207A-4D73-9A20-C856A5068D10}" type="datetimeFigureOut">
               <a:rPr lang="en-US" smtClean="0"/>
-              <a:t>1/1/19</a:t>
+              <a:t>1/2/19</a:t>
             </a:fld>
             <a:endParaRPr lang="en-US"/>
           </a:p>
@@ -485,7 +486,7 @@
           <a:p>
             <a:fld id="{F57857CC-207A-4D73-9A20-C856A5068D10}" type="datetimeFigureOut">
               <a:rPr lang="en-US" smtClean="0"/>
-              <a:t>1/1/19</a:t>
+              <a:t>1/2/19</a:t>
             </a:fld>
             <a:endParaRPr lang="en-US"/>
           </a:p>
@@ -693,7 +694,7 @@
           <a:p>
             <a:fld id="{F57857CC-207A-4D73-9A20-C856A5068D10}" type="datetimeFigureOut">
               <a:rPr lang="en-US" smtClean="0"/>
-              <a:t>1/1/19</a:t>
+              <a:t>1/2/19</a:t>
             </a:fld>
             <a:endParaRPr lang="en-US"/>
           </a:p>
@@ -891,7 +892,7 @@
           <a:p>
             <a:fld id="{F57857CC-207A-4D73-9A20-C856A5068D10}" type="datetimeFigureOut">
               <a:rPr lang="en-US" smtClean="0"/>
-              <a:t>1/1/19</a:t>
+              <a:t>1/2/19</a:t>
             </a:fld>
             <a:endParaRPr lang="en-US"/>
           </a:p>
@@ -1166,7 +1167,7 @@
           <a:p>
             <a:fld id="{F57857CC-207A-4D73-9A20-C856A5068D10}" type="datetimeFigureOut">
               <a:rPr lang="en-US" smtClean="0"/>
-              <a:t>1/1/19</a:t>
+              <a:t>1/2/19</a:t>
             </a:fld>
             <a:endParaRPr lang="en-US"/>
           </a:p>
@@ -1431,7 +1432,7 @@
           <a:p>
             <a:fld id="{F57857CC-207A-4D73-9A20-C856A5068D10}" type="datetimeFigureOut">
               <a:rPr lang="en-US" smtClean="0"/>
-              <a:t>1/1/19</a:t>
+              <a:t>1/2/19</a:t>
             </a:fld>
             <a:endParaRPr lang="en-US"/>
           </a:p>
@@ -1843,7 +1844,7 @@
           <a:p>
             <a:fld id="{F57857CC-207A-4D73-9A20-C856A5068D10}" type="datetimeFigureOut">
               <a:rPr lang="en-US" smtClean="0"/>
-              <a:t>1/1/19</a:t>
+              <a:t>1/2/19</a:t>
             </a:fld>
             <a:endParaRPr lang="en-US"/>
           </a:p>
@@ -1984,7 +1985,7 @@
           <a:p>
             <a:fld id="{F57857CC-207A-4D73-9A20-C856A5068D10}" type="datetimeFigureOut">
               <a:rPr lang="en-US" smtClean="0"/>
-              <a:t>1/1/19</a:t>
+              <a:t>1/2/19</a:t>
             </a:fld>
             <a:endParaRPr lang="en-US"/>
           </a:p>
@@ -2097,7 +2098,7 @@
           <a:p>
             <a:fld id="{F57857CC-207A-4D73-9A20-C856A5068D10}" type="datetimeFigureOut">
               <a:rPr lang="en-US" smtClean="0"/>
-              <a:t>1/1/19</a:t>
+              <a:t>1/2/19</a:t>
             </a:fld>
             <a:endParaRPr lang="en-US"/>
           </a:p>
@@ -2408,7 +2409,7 @@
           <a:p>
             <a:fld id="{F57857CC-207A-4D73-9A20-C856A5068D10}" type="datetimeFigureOut">
               <a:rPr lang="en-US" smtClean="0"/>
-              <a:t>1/1/19</a:t>
+              <a:t>1/2/19</a:t>
             </a:fld>
             <a:endParaRPr lang="en-US"/>
           </a:p>
@@ -2696,7 +2697,7 @@
           <a:p>
             <a:fld id="{F57857CC-207A-4D73-9A20-C856A5068D10}" type="datetimeFigureOut">
               <a:rPr lang="en-US" smtClean="0"/>
-              <a:t>1/1/19</a:t>
+              <a:t>1/2/19</a:t>
             </a:fld>
             <a:endParaRPr lang="en-US"/>
           </a:p>
@@ -2937,7 +2938,7 @@
           <a:p>
             <a:fld id="{F57857CC-207A-4D73-9A20-C856A5068D10}" type="datetimeFigureOut">
               <a:rPr lang="en-US" smtClean="0"/>
-              <a:t>1/1/19</a:t>
+              <a:t>1/2/19</a:t>
             </a:fld>
             <a:endParaRPr lang="en-US"/>
           </a:p>
@@ -8496,49 +8497,6 @@
           </a:p>
         </p:txBody>
       </p:sp>
-      <p:cxnSp>
-        <p:nvCxnSpPr>
-          <p:cNvPr id="9" name="Straight Connector 8">
-            <a:extLst>
-              <a:ext uri="{FF2B5EF4-FFF2-40B4-BE49-F238E27FC236}">
-                <a16:creationId xmlns:a16="http://schemas.microsoft.com/office/drawing/2014/main" id="{3B82A1F2-DE70-4D91-8037-6B6A4FF1E61B}"/>
-              </a:ext>
-            </a:extLst>
-          </p:cNvPr>
-          <p:cNvCxnSpPr/>
-          <p:nvPr/>
-        </p:nvCxnSpPr>
-        <p:spPr>
-          <a:xfrm>
-            <a:off x="5598695" y="1005196"/>
-            <a:ext cx="1058779" cy="0"/>
-          </a:xfrm>
-          <a:prstGeom prst="line">
-            <a:avLst/>
-          </a:prstGeom>
-          <a:ln w="28575">
-            <a:solidFill>
-              <a:schemeClr val="bg1">
-                <a:lumMod val="65000"/>
-              </a:schemeClr>
-            </a:solidFill>
-          </a:ln>
-        </p:spPr>
-        <p:style>
-          <a:lnRef idx="1">
-            <a:schemeClr val="accent1"/>
-          </a:lnRef>
-          <a:fillRef idx="0">
-            <a:schemeClr val="accent1"/>
-          </a:fillRef>
-          <a:effectRef idx="0">
-            <a:schemeClr val="accent1"/>
-          </a:effectRef>
-          <a:fontRef idx="minor">
-            <a:schemeClr val="tx1"/>
-          </a:fontRef>
-        </p:style>
-      </p:cxnSp>
       <p:sp>
         <p:nvSpPr>
           <p:cNvPr id="2" name="Rectangle 1">
@@ -8781,6 +8739,45 @@
           </a:p>
         </p:txBody>
       </p:sp>
+      <p:cxnSp>
+        <p:nvCxnSpPr>
+          <p:cNvPr id="13" name="Straight Connector 12">
+            <a:extLst>
+              <a:ext uri="{FF2B5EF4-FFF2-40B4-BE49-F238E27FC236}">
+                <a16:creationId xmlns:a16="http://schemas.microsoft.com/office/drawing/2014/main" id="{F093F8D7-F748-0B41-9898-7EB6965DF8FA}"/>
+              </a:ext>
+            </a:extLst>
+          </p:cNvPr>
+          <p:cNvCxnSpPr>
+            <a:cxnSpLocks/>
+          </p:cNvCxnSpPr>
+          <p:nvPr/>
+        </p:nvCxnSpPr>
+        <p:spPr>
+          <a:xfrm>
+            <a:off x="5730956" y="1013664"/>
+            <a:ext cx="419986" cy="0"/>
+          </a:xfrm>
+          <a:prstGeom prst="line">
+            <a:avLst/>
+          </a:prstGeom>
+          <a:ln w="28575"/>
+        </p:spPr>
+        <p:style>
+          <a:lnRef idx="1">
+            <a:schemeClr val="dk1"/>
+          </a:lnRef>
+          <a:fillRef idx="0">
+            <a:schemeClr val="dk1"/>
+          </a:fillRef>
+          <a:effectRef idx="0">
+            <a:schemeClr val="dk1"/>
+          </a:effectRef>
+          <a:fontRef idx="minor">
+            <a:schemeClr val="tx1"/>
+          </a:fontRef>
+        </p:style>
+      </p:cxnSp>
     </p:spTree>
     <p:extLst>
       <p:ext uri="{BB962C8B-B14F-4D97-AF65-F5344CB8AC3E}">
@@ -8795,6 +8792,368 @@
 </file>
 
 <file path=ppt/slides/slide17.xml><?xml version="1.0" encoding="utf-8"?>
+<p:sld xmlns:a="http://schemas.openxmlformats.org/drawingml/2006/main" xmlns:r="http://schemas.openxmlformats.org/officeDocument/2006/relationships" xmlns:p="http://schemas.openxmlformats.org/presentationml/2006/main">
+  <p:cSld>
+    <p:bg>
+      <p:bgPr>
+        <a:solidFill>
+          <a:schemeClr val="bg2"/>
+        </a:solidFill>
+        <a:effectLst/>
+      </p:bgPr>
+    </p:bg>
+    <p:spTree>
+      <p:nvGrpSpPr>
+        <p:cNvPr id="1" name=""/>
+        <p:cNvGrpSpPr/>
+        <p:nvPr/>
+      </p:nvGrpSpPr>
+      <p:grpSpPr>
+        <a:xfrm>
+          <a:off x="0" y="0"/>
+          <a:ext cx="0" cy="0"/>
+          <a:chOff x="0" y="0"/>
+          <a:chExt cx="0" cy="0"/>
+        </a:xfrm>
+      </p:grpSpPr>
+      <p:sp>
+        <p:nvSpPr>
+          <p:cNvPr id="4" name="Rectangle 3">
+            <a:extLst>
+              <a:ext uri="{FF2B5EF4-FFF2-40B4-BE49-F238E27FC236}">
+                <a16:creationId xmlns:a16="http://schemas.microsoft.com/office/drawing/2014/main" id="{678F1DA2-2833-49FF-9287-44720AC6C8D2}"/>
+              </a:ext>
+            </a:extLst>
+          </p:cNvPr>
+          <p:cNvSpPr/>
+          <p:nvPr/>
+        </p:nvSpPr>
+        <p:spPr>
+          <a:xfrm>
+            <a:off x="0" y="6581001"/>
+            <a:ext cx="9976268" cy="276999"/>
+          </a:xfrm>
+          <a:prstGeom prst="rect">
+            <a:avLst/>
+          </a:prstGeom>
+          <a:solidFill>
+            <a:srgbClr val="92D050"/>
+          </a:solidFill>
+          <a:ln>
+            <a:noFill/>
+          </a:ln>
+        </p:spPr>
+        <p:style>
+          <a:lnRef idx="2">
+            <a:schemeClr val="accent1">
+              <a:shade val="50000"/>
+            </a:schemeClr>
+          </a:lnRef>
+          <a:fillRef idx="1">
+            <a:schemeClr val="accent1"/>
+          </a:fillRef>
+          <a:effectRef idx="0">
+            <a:schemeClr val="accent1"/>
+          </a:effectRef>
+          <a:fontRef idx="minor">
+            <a:schemeClr val="lt1"/>
+          </a:fontRef>
+        </p:style>
+        <p:txBody>
+          <a:bodyPr rtlCol="0" anchor="ctr"/>
+          <a:lstStyle/>
+          <a:p>
+            <a:pPr algn="ctr"/>
+            <a:endParaRPr lang="en-US" dirty="0"/>
+          </a:p>
+        </p:txBody>
+      </p:sp>
+      <p:sp>
+        <p:nvSpPr>
+          <p:cNvPr id="5" name="TextBox 4">
+            <a:extLst>
+              <a:ext uri="{FF2B5EF4-FFF2-40B4-BE49-F238E27FC236}">
+                <a16:creationId xmlns:a16="http://schemas.microsoft.com/office/drawing/2014/main" id="{9758F7A4-2143-4CCD-B8B3-8B4A1461ECF9}"/>
+              </a:ext>
+            </a:extLst>
+          </p:cNvPr>
+          <p:cNvSpPr txBox="1"/>
+          <p:nvPr/>
+        </p:nvSpPr>
+        <p:spPr>
+          <a:xfrm>
+            <a:off x="36674" y="6583215"/>
+            <a:ext cx="2682077" cy="276999"/>
+          </a:xfrm>
+          <a:prstGeom prst="rect">
+            <a:avLst/>
+          </a:prstGeom>
+          <a:noFill/>
+        </p:spPr>
+        <p:txBody>
+          <a:bodyPr wrap="square" rtlCol="0">
+            <a:spAutoFit/>
+          </a:bodyPr>
+          <a:lstStyle/>
+          <a:p>
+            <a:r>
+              <a:rPr lang="en-US" sz="1200" dirty="0">
+                <a:solidFill>
+                  <a:schemeClr val="bg1"/>
+                </a:solidFill>
+              </a:rPr>
+              <a:t>Building Personal Websites</a:t>
+            </a:r>
+          </a:p>
+        </p:txBody>
+      </p:sp>
+      <p:sp>
+        <p:nvSpPr>
+          <p:cNvPr id="6" name="Rectangle 5">
+            <a:extLst>
+              <a:ext uri="{FF2B5EF4-FFF2-40B4-BE49-F238E27FC236}">
+                <a16:creationId xmlns:a16="http://schemas.microsoft.com/office/drawing/2014/main" id="{40845236-8634-4353-BA0D-8817FE36EC7A}"/>
+              </a:ext>
+            </a:extLst>
+          </p:cNvPr>
+          <p:cNvSpPr/>
+          <p:nvPr/>
+        </p:nvSpPr>
+        <p:spPr>
+          <a:xfrm>
+            <a:off x="9921514" y="6581001"/>
+            <a:ext cx="2270485" cy="276999"/>
+          </a:xfrm>
+          <a:prstGeom prst="rect">
+            <a:avLst/>
+          </a:prstGeom>
+          <a:solidFill>
+            <a:srgbClr val="00B0F0"/>
+          </a:solidFill>
+          <a:ln>
+            <a:noFill/>
+          </a:ln>
+        </p:spPr>
+        <p:style>
+          <a:lnRef idx="2">
+            <a:schemeClr val="accent1">
+              <a:shade val="50000"/>
+            </a:schemeClr>
+          </a:lnRef>
+          <a:fillRef idx="1">
+            <a:schemeClr val="accent1"/>
+          </a:fillRef>
+          <a:effectRef idx="0">
+            <a:schemeClr val="accent1"/>
+          </a:effectRef>
+          <a:fontRef idx="minor">
+            <a:schemeClr val="lt1"/>
+          </a:fontRef>
+        </p:style>
+        <p:txBody>
+          <a:bodyPr rtlCol="0" anchor="ctr"/>
+          <a:lstStyle/>
+          <a:p>
+            <a:pPr algn="ctr"/>
+            <a:endParaRPr lang="en-US" dirty="0"/>
+          </a:p>
+        </p:txBody>
+      </p:sp>
+      <p:sp>
+        <p:nvSpPr>
+          <p:cNvPr id="8" name="TextBox 7">
+            <a:extLst>
+              <a:ext uri="{FF2B5EF4-FFF2-40B4-BE49-F238E27FC236}">
+                <a16:creationId xmlns:a16="http://schemas.microsoft.com/office/drawing/2014/main" id="{6403EA4A-E7EB-4525-B0D2-13B3997D5780}"/>
+              </a:ext>
+            </a:extLst>
+          </p:cNvPr>
+          <p:cNvSpPr txBox="1"/>
+          <p:nvPr/>
+        </p:nvSpPr>
+        <p:spPr>
+          <a:xfrm>
+            <a:off x="9958188" y="6578787"/>
+            <a:ext cx="2682077" cy="276999"/>
+          </a:xfrm>
+          <a:prstGeom prst="rect">
+            <a:avLst/>
+          </a:prstGeom>
+          <a:noFill/>
+        </p:spPr>
+        <p:txBody>
+          <a:bodyPr wrap="square" rtlCol="0">
+            <a:spAutoFit/>
+          </a:bodyPr>
+          <a:lstStyle/>
+          <a:p>
+            <a:r>
+              <a:rPr lang="en-US" sz="1200" dirty="0">
+                <a:solidFill>
+                  <a:schemeClr val="bg1"/>
+                </a:solidFill>
+              </a:rPr>
+              <a:t>Lecture 07 | Basic Animations</a:t>
+            </a:r>
+          </a:p>
+        </p:txBody>
+      </p:sp>
+      <p:sp>
+        <p:nvSpPr>
+          <p:cNvPr id="13" name="TextBox 12">
+            <a:extLst>
+              <a:ext uri="{FF2B5EF4-FFF2-40B4-BE49-F238E27FC236}">
+                <a16:creationId xmlns:a16="http://schemas.microsoft.com/office/drawing/2014/main" id="{8077B4A1-82A6-C040-9E1D-E8D2B9DD3A50}"/>
+              </a:ext>
+            </a:extLst>
+          </p:cNvPr>
+          <p:cNvSpPr txBox="1"/>
+          <p:nvPr/>
+        </p:nvSpPr>
+        <p:spPr>
+          <a:xfrm>
+            <a:off x="536954" y="1318963"/>
+            <a:ext cx="10579395" cy="1429622"/>
+          </a:xfrm>
+          <a:prstGeom prst="rect">
+            <a:avLst/>
+          </a:prstGeom>
+          <a:noFill/>
+        </p:spPr>
+        <p:txBody>
+          <a:bodyPr wrap="square" rtlCol="0">
+            <a:spAutoFit/>
+          </a:bodyPr>
+          <a:lstStyle/>
+          <a:p>
+            <a:pPr marL="342900" indent="-342900">
+              <a:lnSpc>
+                <a:spcPct val="150000"/>
+              </a:lnSpc>
+              <a:buFont typeface="Wingdings" pitchFamily="2" charset="2"/>
+              <a:buChar char="q"/>
+            </a:pPr>
+            <a:r>
+              <a:rPr lang="en-US" sz="2000" dirty="0"/>
+              <a:t>Play around with the Cubic Bezier site for custom interpolations.</a:t>
+            </a:r>
+          </a:p>
+          <a:p>
+            <a:pPr marL="342900" indent="-342900">
+              <a:lnSpc>
+                <a:spcPct val="150000"/>
+              </a:lnSpc>
+              <a:buFont typeface="Wingdings" pitchFamily="2" charset="2"/>
+              <a:buChar char="q"/>
+            </a:pPr>
+            <a:r>
+              <a:rPr lang="en-US" sz="2000" dirty="0"/>
+              <a:t>Use the transition property to create custom animations for elements.</a:t>
+            </a:r>
+          </a:p>
+          <a:p>
+            <a:pPr>
+              <a:lnSpc>
+                <a:spcPct val="150000"/>
+              </a:lnSpc>
+            </a:pPr>
+            <a:endParaRPr lang="en-US" sz="2000" dirty="0"/>
+          </a:p>
+        </p:txBody>
+      </p:sp>
+      <p:sp>
+        <p:nvSpPr>
+          <p:cNvPr id="14" name="TextBox 13">
+            <a:extLst>
+              <a:ext uri="{FF2B5EF4-FFF2-40B4-BE49-F238E27FC236}">
+                <a16:creationId xmlns:a16="http://schemas.microsoft.com/office/drawing/2014/main" id="{081F8AE0-D7CD-5E4A-AE8F-8B2D1CA22466}"/>
+              </a:ext>
+            </a:extLst>
+          </p:cNvPr>
+          <p:cNvSpPr txBox="1"/>
+          <p:nvPr/>
+        </p:nvSpPr>
+        <p:spPr>
+          <a:xfrm>
+            <a:off x="3703675" y="138479"/>
+            <a:ext cx="4784649" cy="837473"/>
+          </a:xfrm>
+          <a:prstGeom prst="rect">
+            <a:avLst/>
+          </a:prstGeom>
+          <a:noFill/>
+        </p:spPr>
+        <p:txBody>
+          <a:bodyPr wrap="square" rtlCol="0">
+            <a:spAutoFit/>
+          </a:bodyPr>
+          <a:lstStyle/>
+          <a:p>
+            <a:pPr algn="ctr">
+              <a:lnSpc>
+                <a:spcPct val="150000"/>
+              </a:lnSpc>
+            </a:pPr>
+            <a:r>
+              <a:rPr lang="en-US" sz="3600" dirty="0"/>
+              <a:t>Homework Ideas</a:t>
+            </a:r>
+          </a:p>
+        </p:txBody>
+      </p:sp>
+      <p:cxnSp>
+        <p:nvCxnSpPr>
+          <p:cNvPr id="15" name="Straight Connector 14">
+            <a:extLst>
+              <a:ext uri="{FF2B5EF4-FFF2-40B4-BE49-F238E27FC236}">
+                <a16:creationId xmlns:a16="http://schemas.microsoft.com/office/drawing/2014/main" id="{F9156874-7A9E-B24D-B05E-6B8B571EB48C}"/>
+              </a:ext>
+            </a:extLst>
+          </p:cNvPr>
+          <p:cNvCxnSpPr>
+            <a:cxnSpLocks/>
+          </p:cNvCxnSpPr>
+          <p:nvPr/>
+        </p:nvCxnSpPr>
+        <p:spPr>
+          <a:xfrm>
+            <a:off x="5955606" y="1013664"/>
+            <a:ext cx="419986" cy="0"/>
+          </a:xfrm>
+          <a:prstGeom prst="line">
+            <a:avLst/>
+          </a:prstGeom>
+          <a:ln w="28575"/>
+        </p:spPr>
+        <p:style>
+          <a:lnRef idx="1">
+            <a:schemeClr val="dk1"/>
+          </a:lnRef>
+          <a:fillRef idx="0">
+            <a:schemeClr val="dk1"/>
+          </a:fillRef>
+          <a:effectRef idx="0">
+            <a:schemeClr val="dk1"/>
+          </a:effectRef>
+          <a:fontRef idx="minor">
+            <a:schemeClr val="tx1"/>
+          </a:fontRef>
+        </p:style>
+      </p:cxnSp>
+    </p:spTree>
+    <p:extLst>
+      <p:ext uri="{BB962C8B-B14F-4D97-AF65-F5344CB8AC3E}">
+        <p14:creationId xmlns:p14="http://schemas.microsoft.com/office/powerpoint/2010/main" val="3581236615"/>
+      </p:ext>
+    </p:extLst>
+  </p:cSld>
+  <p:clrMapOvr>
+    <a:masterClrMapping/>
+  </p:clrMapOvr>
+</p:sld>
+</file>
+
+<file path=ppt/slides/slide18.xml><?xml version="1.0" encoding="utf-8"?>
 <p:sld xmlns:a="http://schemas.openxmlformats.org/drawingml/2006/main" xmlns:r="http://schemas.openxmlformats.org/officeDocument/2006/relationships" xmlns:p="http://schemas.openxmlformats.org/presentationml/2006/main">
   <p:cSld>
     <p:bg>

--- a/assets/lectures/BPW_Lecture_07.pptx
+++ b/assets/lectures/BPW_Lecture_07.pptx
@@ -21,8 +21,15 @@
     <p:sldId id="316" r:id="rId15"/>
     <p:sldId id="317" r:id="rId16"/>
     <p:sldId id="318" r:id="rId17"/>
-    <p:sldId id="322" r:id="rId18"/>
-    <p:sldId id="302" r:id="rId19"/>
+    <p:sldId id="323" r:id="rId18"/>
+    <p:sldId id="324" r:id="rId19"/>
+    <p:sldId id="325" r:id="rId20"/>
+    <p:sldId id="326" r:id="rId21"/>
+    <p:sldId id="327" r:id="rId22"/>
+    <p:sldId id="328" r:id="rId23"/>
+    <p:sldId id="329" r:id="rId24"/>
+    <p:sldId id="322" r:id="rId25"/>
+    <p:sldId id="302" r:id="rId26"/>
   </p:sldIdLst>
   <p:sldSz cx="12192000" cy="6858000"/>
   <p:notesSz cx="6858000" cy="9144000"/>
@@ -288,7 +295,7 @@
           <a:p>
             <a:fld id="{F57857CC-207A-4D73-9A20-C856A5068D10}" type="datetimeFigureOut">
               <a:rPr lang="en-US" smtClean="0"/>
-              <a:t>1/2/19</a:t>
+              <a:t>1/7/19</a:t>
             </a:fld>
             <a:endParaRPr lang="en-US"/>
           </a:p>
@@ -486,7 +493,7 @@
           <a:p>
             <a:fld id="{F57857CC-207A-4D73-9A20-C856A5068D10}" type="datetimeFigureOut">
               <a:rPr lang="en-US" smtClean="0"/>
-              <a:t>1/2/19</a:t>
+              <a:t>1/7/19</a:t>
             </a:fld>
             <a:endParaRPr lang="en-US"/>
           </a:p>
@@ -694,7 +701,7 @@
           <a:p>
             <a:fld id="{F57857CC-207A-4D73-9A20-C856A5068D10}" type="datetimeFigureOut">
               <a:rPr lang="en-US" smtClean="0"/>
-              <a:t>1/2/19</a:t>
+              <a:t>1/7/19</a:t>
             </a:fld>
             <a:endParaRPr lang="en-US"/>
           </a:p>
@@ -892,7 +899,7 @@
           <a:p>
             <a:fld id="{F57857CC-207A-4D73-9A20-C856A5068D10}" type="datetimeFigureOut">
               <a:rPr lang="en-US" smtClean="0"/>
-              <a:t>1/2/19</a:t>
+              <a:t>1/7/19</a:t>
             </a:fld>
             <a:endParaRPr lang="en-US"/>
           </a:p>
@@ -1167,7 +1174,7 @@
           <a:p>
             <a:fld id="{F57857CC-207A-4D73-9A20-C856A5068D10}" type="datetimeFigureOut">
               <a:rPr lang="en-US" smtClean="0"/>
-              <a:t>1/2/19</a:t>
+              <a:t>1/7/19</a:t>
             </a:fld>
             <a:endParaRPr lang="en-US"/>
           </a:p>
@@ -1432,7 +1439,7 @@
           <a:p>
             <a:fld id="{F57857CC-207A-4D73-9A20-C856A5068D10}" type="datetimeFigureOut">
               <a:rPr lang="en-US" smtClean="0"/>
-              <a:t>1/2/19</a:t>
+              <a:t>1/7/19</a:t>
             </a:fld>
             <a:endParaRPr lang="en-US"/>
           </a:p>
@@ -1844,7 +1851,7 @@
           <a:p>
             <a:fld id="{F57857CC-207A-4D73-9A20-C856A5068D10}" type="datetimeFigureOut">
               <a:rPr lang="en-US" smtClean="0"/>
-              <a:t>1/2/19</a:t>
+              <a:t>1/7/19</a:t>
             </a:fld>
             <a:endParaRPr lang="en-US"/>
           </a:p>
@@ -1985,7 +1992,7 @@
           <a:p>
             <a:fld id="{F57857CC-207A-4D73-9A20-C856A5068D10}" type="datetimeFigureOut">
               <a:rPr lang="en-US" smtClean="0"/>
-              <a:t>1/2/19</a:t>
+              <a:t>1/7/19</a:t>
             </a:fld>
             <a:endParaRPr lang="en-US"/>
           </a:p>
@@ -2098,7 +2105,7 @@
           <a:p>
             <a:fld id="{F57857CC-207A-4D73-9A20-C856A5068D10}" type="datetimeFigureOut">
               <a:rPr lang="en-US" smtClean="0"/>
-              <a:t>1/2/19</a:t>
+              <a:t>1/7/19</a:t>
             </a:fld>
             <a:endParaRPr lang="en-US"/>
           </a:p>
@@ -2409,7 +2416,7 @@
           <a:p>
             <a:fld id="{F57857CC-207A-4D73-9A20-C856A5068D10}" type="datetimeFigureOut">
               <a:rPr lang="en-US" smtClean="0"/>
-              <a:t>1/2/19</a:t>
+              <a:t>1/7/19</a:t>
             </a:fld>
             <a:endParaRPr lang="en-US"/>
           </a:p>
@@ -2697,7 +2704,7 @@
           <a:p>
             <a:fld id="{F57857CC-207A-4D73-9A20-C856A5068D10}" type="datetimeFigureOut">
               <a:rPr lang="en-US" smtClean="0"/>
-              <a:t>1/2/19</a:t>
+              <a:t>1/7/19</a:t>
             </a:fld>
             <a:endParaRPr lang="en-US"/>
           </a:p>
@@ -2938,7 +2945,7 @@
           <a:p>
             <a:fld id="{F57857CC-207A-4D73-9A20-C856A5068D10}" type="datetimeFigureOut">
               <a:rPr lang="en-US" smtClean="0"/>
-              <a:t>1/2/19</a:t>
+              <a:t>1/7/19</a:t>
             </a:fld>
             <a:endParaRPr lang="en-US"/>
           </a:p>
@@ -3795,10 +3802,10 @@
       </p:sp>
       <p:sp>
         <p:nvSpPr>
-          <p:cNvPr id="3" name="TextBox 2">
-            <a:extLst>
-              <a:ext uri="{FF2B5EF4-FFF2-40B4-BE49-F238E27FC236}">
-                <a16:creationId xmlns:a16="http://schemas.microsoft.com/office/drawing/2014/main" id="{3720B5D8-AC15-4502-8D58-9C3FDF958DB1}"/>
+          <p:cNvPr id="7" name="TextBox 6">
+            <a:extLst>
+              <a:ext uri="{FF2B5EF4-FFF2-40B4-BE49-F238E27FC236}">
+                <a16:creationId xmlns:a16="http://schemas.microsoft.com/office/drawing/2014/main" id="{FC1F9D59-7A52-EE43-BD5B-34C41711FB6D}"/>
               </a:ext>
             </a:extLst>
           </p:cNvPr>
@@ -3807,8 +3814,8 @@
         </p:nvSpPr>
         <p:spPr>
           <a:xfrm>
-            <a:off x="340241" y="4044216"/>
-            <a:ext cx="9976267" cy="2018694"/>
+            <a:off x="340241" y="3235324"/>
+            <a:ext cx="9976267" cy="3034357"/>
           </a:xfrm>
           <a:prstGeom prst="rect">
             <a:avLst/>
@@ -3850,6 +3857,25 @@
             <a:r>
               <a:rPr lang="en-US" sz="4400" dirty="0"/>
               <a:t> Basic Animations: A CSS Approach</a:t>
+            </a:r>
+          </a:p>
+          <a:p>
+            <a:pPr marL="285750" indent="-285750">
+              <a:lnSpc>
+                <a:spcPct val="150000"/>
+              </a:lnSpc>
+              <a:buFont typeface="Arial" panose="020B0604020202020204" pitchFamily="34" charset="0"/>
+              <a:buChar char="•"/>
+            </a:pPr>
+            <a:r>
+              <a:rPr lang="en-US" sz="4400" dirty="0">
+                <a:solidFill>
+                  <a:schemeClr val="bg1">
+                    <a:lumMod val="65000"/>
+                  </a:schemeClr>
+                </a:solidFill>
+              </a:rPr>
+              <a:t> Keyframing Animations</a:t>
             </a:r>
           </a:p>
         </p:txBody>
@@ -9000,10 +9026,10 @@
       </p:sp>
       <p:sp>
         <p:nvSpPr>
-          <p:cNvPr id="13" name="TextBox 12">
-            <a:extLst>
-              <a:ext uri="{FF2B5EF4-FFF2-40B4-BE49-F238E27FC236}">
-                <a16:creationId xmlns:a16="http://schemas.microsoft.com/office/drawing/2014/main" id="{8077B4A1-82A6-C040-9E1D-E8D2B9DD3A50}"/>
+          <p:cNvPr id="7" name="TextBox 6">
+            <a:extLst>
+              <a:ext uri="{FF2B5EF4-FFF2-40B4-BE49-F238E27FC236}">
+                <a16:creationId xmlns:a16="http://schemas.microsoft.com/office/drawing/2014/main" id="{FC1F9D59-7A52-EE43-BD5B-34C41711FB6D}"/>
               </a:ext>
             </a:extLst>
           </p:cNvPr>
@@ -9012,8 +9038,8 @@
         </p:nvSpPr>
         <p:spPr>
           <a:xfrm>
-            <a:off x="536954" y="1318963"/>
-            <a:ext cx="10579395" cy="1429622"/>
+            <a:off x="340241" y="3235324"/>
+            <a:ext cx="9976267" cy="3034357"/>
           </a:xfrm>
           <a:prstGeom prst="rect">
             <a:avLst/>
@@ -9026,124 +9052,62 @@
           </a:bodyPr>
           <a:lstStyle/>
           <a:p>
-            <a:pPr marL="342900" indent="-342900">
+            <a:pPr marL="285750" indent="-285750">
               <a:lnSpc>
                 <a:spcPct val="150000"/>
               </a:lnSpc>
-              <a:buFont typeface="Wingdings" pitchFamily="2" charset="2"/>
-              <a:buChar char="q"/>
+              <a:buFont typeface="Arial" panose="020B0604020202020204" pitchFamily="34" charset="0"/>
+              <a:buChar char="•"/>
             </a:pPr>
             <a:r>
-              <a:rPr lang="en-US" sz="2000" dirty="0"/>
-              <a:t>Play around with the Cubic Bezier site for custom interpolations.</a:t>
-            </a:r>
-          </a:p>
-          <a:p>
-            <a:pPr marL="342900" indent="-342900">
+              <a:rPr lang="en-US" sz="4400" strike="sngStrike" dirty="0">
+                <a:solidFill>
+                  <a:schemeClr val="bg1">
+                    <a:lumMod val="65000"/>
+                  </a:schemeClr>
+                </a:solidFill>
+              </a:rPr>
+              <a:t> Animations: Overview</a:t>
+            </a:r>
+          </a:p>
+          <a:p>
+            <a:pPr marL="285750" indent="-285750">
               <a:lnSpc>
                 <a:spcPct val="150000"/>
               </a:lnSpc>
-              <a:buFont typeface="Wingdings" pitchFamily="2" charset="2"/>
-              <a:buChar char="q"/>
+              <a:buFont typeface="Arial" panose="020B0604020202020204" pitchFamily="34" charset="0"/>
+              <a:buChar char="•"/>
             </a:pPr>
             <a:r>
-              <a:rPr lang="en-US" sz="2000" dirty="0"/>
-              <a:t>Use the transition property to create custom animations for elements.</a:t>
-            </a:r>
-          </a:p>
-          <a:p>
-            <a:pPr>
+              <a:rPr lang="en-US" sz="4400" strike="sngStrike" dirty="0">
+                <a:solidFill>
+                  <a:schemeClr val="bg1">
+                    <a:lumMod val="65000"/>
+                  </a:schemeClr>
+                </a:solidFill>
+              </a:rPr>
+              <a:t> Basic Animations: A CSS Approach</a:t>
+            </a:r>
+          </a:p>
+          <a:p>
+            <a:pPr marL="285750" indent="-285750">
               <a:lnSpc>
                 <a:spcPct val="150000"/>
               </a:lnSpc>
+              <a:buFont typeface="Arial" panose="020B0604020202020204" pitchFamily="34" charset="0"/>
+              <a:buChar char="•"/>
             </a:pPr>
-            <a:endParaRPr lang="en-US" sz="2000" dirty="0"/>
-          </a:p>
-        </p:txBody>
-      </p:sp>
-      <p:sp>
-        <p:nvSpPr>
-          <p:cNvPr id="14" name="TextBox 13">
-            <a:extLst>
-              <a:ext uri="{FF2B5EF4-FFF2-40B4-BE49-F238E27FC236}">
-                <a16:creationId xmlns:a16="http://schemas.microsoft.com/office/drawing/2014/main" id="{081F8AE0-D7CD-5E4A-AE8F-8B2D1CA22466}"/>
-              </a:ext>
-            </a:extLst>
-          </p:cNvPr>
-          <p:cNvSpPr txBox="1"/>
-          <p:nvPr/>
-        </p:nvSpPr>
-        <p:spPr>
-          <a:xfrm>
-            <a:off x="3703675" y="138479"/>
-            <a:ext cx="4784649" cy="837473"/>
-          </a:xfrm>
-          <a:prstGeom prst="rect">
-            <a:avLst/>
-          </a:prstGeom>
-          <a:noFill/>
-        </p:spPr>
-        <p:txBody>
-          <a:bodyPr wrap="square" rtlCol="0">
-            <a:spAutoFit/>
-          </a:bodyPr>
-          <a:lstStyle/>
-          <a:p>
-            <a:pPr algn="ctr">
-              <a:lnSpc>
-                <a:spcPct val="150000"/>
-              </a:lnSpc>
-            </a:pPr>
-            <a:r>
-              <a:rPr lang="en-US" sz="3600" dirty="0"/>
-              <a:t>Homework Ideas</a:t>
-            </a:r>
-          </a:p>
-        </p:txBody>
-      </p:sp>
-      <p:cxnSp>
-        <p:nvCxnSpPr>
-          <p:cNvPr id="15" name="Straight Connector 14">
-            <a:extLst>
-              <a:ext uri="{FF2B5EF4-FFF2-40B4-BE49-F238E27FC236}">
-                <a16:creationId xmlns:a16="http://schemas.microsoft.com/office/drawing/2014/main" id="{F9156874-7A9E-B24D-B05E-6B8B571EB48C}"/>
-              </a:ext>
-            </a:extLst>
-          </p:cNvPr>
-          <p:cNvCxnSpPr>
-            <a:cxnSpLocks/>
-          </p:cNvCxnSpPr>
-          <p:nvPr/>
-        </p:nvCxnSpPr>
-        <p:spPr>
-          <a:xfrm>
-            <a:off x="5955606" y="1013664"/>
-            <a:ext cx="419986" cy="0"/>
-          </a:xfrm>
-          <a:prstGeom prst="line">
-            <a:avLst/>
-          </a:prstGeom>
-          <a:ln w="28575"/>
-        </p:spPr>
-        <p:style>
-          <a:lnRef idx="1">
-            <a:schemeClr val="dk1"/>
-          </a:lnRef>
-          <a:fillRef idx="0">
-            <a:schemeClr val="dk1"/>
-          </a:fillRef>
-          <a:effectRef idx="0">
-            <a:schemeClr val="dk1"/>
-          </a:effectRef>
-          <a:fontRef idx="minor">
-            <a:schemeClr val="tx1"/>
-          </a:fontRef>
-        </p:style>
-      </p:cxnSp>
+            <a:r>
+              <a:rPr lang="en-US" sz="4400" dirty="0"/>
+              <a:t> Keyframing Animations</a:t>
+            </a:r>
+          </a:p>
+        </p:txBody>
+      </p:sp>
     </p:spTree>
     <p:extLst>
       <p:ext uri="{BB962C8B-B14F-4D97-AF65-F5344CB8AC3E}">
-        <p14:creationId xmlns:p14="http://schemas.microsoft.com/office/powerpoint/2010/main" val="3581236615"/>
+        <p14:creationId xmlns:p14="http://schemas.microsoft.com/office/powerpoint/2010/main" val="2421168337"/>
       </p:ext>
     </p:extLst>
   </p:cSld>
@@ -9362,10 +9326,10 @@
       </p:sp>
       <p:sp>
         <p:nvSpPr>
-          <p:cNvPr id="7" name="TextBox 6">
-            <a:extLst>
-              <a:ext uri="{FF2B5EF4-FFF2-40B4-BE49-F238E27FC236}">
-                <a16:creationId xmlns:a16="http://schemas.microsoft.com/office/drawing/2014/main" id="{ED7E96AE-E09B-40E0-8966-5104069C1F43}"/>
+          <p:cNvPr id="21" name="TextBox 20">
+            <a:extLst>
+              <a:ext uri="{FF2B5EF4-FFF2-40B4-BE49-F238E27FC236}">
+                <a16:creationId xmlns:a16="http://schemas.microsoft.com/office/drawing/2014/main" id="{F2052457-9DCE-43DF-AFE4-1D6148577FC9}"/>
               </a:ext>
             </a:extLst>
           </p:cNvPr>
@@ -9374,8 +9338,8 @@
         </p:nvSpPr>
         <p:spPr>
           <a:xfrm>
-            <a:off x="4608636" y="3105834"/>
-            <a:ext cx="2974727" cy="646331"/>
+            <a:off x="3435815" y="-7700"/>
+            <a:ext cx="5430254" cy="837473"/>
           </a:xfrm>
           <a:prstGeom prst="rect">
             <a:avLst/>
@@ -9388,10 +9352,376 @@
           </a:bodyPr>
           <a:lstStyle/>
           <a:p>
-            <a:pPr algn="ctr"/>
+            <a:pPr algn="ctr">
+              <a:lnSpc>
+                <a:spcPct val="150000"/>
+              </a:lnSpc>
+            </a:pPr>
             <a:r>
               <a:rPr lang="en-US" sz="3600" dirty="0"/>
-              <a:t>Live Demo</a:t>
+              <a:t>Keyframing Animations</a:t>
+            </a:r>
+          </a:p>
+        </p:txBody>
+      </p:sp>
+      <p:sp>
+        <p:nvSpPr>
+          <p:cNvPr id="10" name="Rectangle 9">
+            <a:extLst>
+              <a:ext uri="{FF2B5EF4-FFF2-40B4-BE49-F238E27FC236}">
+                <a16:creationId xmlns:a16="http://schemas.microsoft.com/office/drawing/2014/main" id="{2903CB27-444A-42CF-B76F-22F3B40A2E56}"/>
+              </a:ext>
+            </a:extLst>
+          </p:cNvPr>
+          <p:cNvSpPr/>
+          <p:nvPr/>
+        </p:nvSpPr>
+        <p:spPr>
+          <a:xfrm>
+            <a:off x="767397" y="1808366"/>
+            <a:ext cx="7876674" cy="400110"/>
+          </a:xfrm>
+          <a:prstGeom prst="rect">
+            <a:avLst/>
+          </a:prstGeom>
+        </p:spPr>
+        <p:txBody>
+          <a:bodyPr wrap="square">
+            <a:spAutoFit/>
+          </a:bodyPr>
+          <a:lstStyle/>
+          <a:p>
+            <a:r>
+              <a:rPr lang="en-US" sz="2000" dirty="0"/>
+              <a:t>Animation keyframes obey the following format:</a:t>
+            </a:r>
+          </a:p>
+        </p:txBody>
+      </p:sp>
+      <p:cxnSp>
+        <p:nvCxnSpPr>
+          <p:cNvPr id="13" name="Straight Connector 12">
+            <a:extLst>
+              <a:ext uri="{FF2B5EF4-FFF2-40B4-BE49-F238E27FC236}">
+                <a16:creationId xmlns:a16="http://schemas.microsoft.com/office/drawing/2014/main" id="{F093F8D7-F748-0B41-9898-7EB6965DF8FA}"/>
+              </a:ext>
+            </a:extLst>
+          </p:cNvPr>
+          <p:cNvCxnSpPr>
+            <a:cxnSpLocks/>
+          </p:cNvCxnSpPr>
+          <p:nvPr/>
+        </p:nvCxnSpPr>
+        <p:spPr>
+          <a:xfrm>
+            <a:off x="5866635" y="827662"/>
+            <a:ext cx="419986" cy="0"/>
+          </a:xfrm>
+          <a:prstGeom prst="line">
+            <a:avLst/>
+          </a:prstGeom>
+          <a:ln w="28575"/>
+        </p:spPr>
+        <p:style>
+          <a:lnRef idx="1">
+            <a:schemeClr val="dk1"/>
+          </a:lnRef>
+          <a:fillRef idx="0">
+            <a:schemeClr val="dk1"/>
+          </a:fillRef>
+          <a:effectRef idx="0">
+            <a:schemeClr val="dk1"/>
+          </a:effectRef>
+          <a:fontRef idx="minor">
+            <a:schemeClr val="tx1"/>
+          </a:fontRef>
+        </p:style>
+      </p:cxnSp>
+      <p:sp>
+        <p:nvSpPr>
+          <p:cNvPr id="14" name="Rectangle 13">
+            <a:extLst>
+              <a:ext uri="{FF2B5EF4-FFF2-40B4-BE49-F238E27FC236}">
+                <a16:creationId xmlns:a16="http://schemas.microsoft.com/office/drawing/2014/main" id="{919F0347-9C96-3C47-AFD2-7F30441E0A40}"/>
+              </a:ext>
+            </a:extLst>
+          </p:cNvPr>
+          <p:cNvSpPr/>
+          <p:nvPr/>
+        </p:nvSpPr>
+        <p:spPr>
+          <a:xfrm>
+            <a:off x="767397" y="2208476"/>
+            <a:ext cx="10484937" cy="1220524"/>
+          </a:xfrm>
+          <a:prstGeom prst="rect">
+            <a:avLst/>
+          </a:prstGeom>
+          <a:solidFill>
+            <a:schemeClr val="bg1">
+              <a:lumMod val="95000"/>
+            </a:schemeClr>
+          </a:solidFill>
+          <a:ln w="3175">
+            <a:solidFill>
+              <a:schemeClr val="bg1">
+                <a:lumMod val="85000"/>
+              </a:schemeClr>
+            </a:solidFill>
+          </a:ln>
+        </p:spPr>
+        <p:style>
+          <a:lnRef idx="2">
+            <a:schemeClr val="accent1">
+              <a:shade val="50000"/>
+            </a:schemeClr>
+          </a:lnRef>
+          <a:fillRef idx="1">
+            <a:schemeClr val="accent1"/>
+          </a:fillRef>
+          <a:effectRef idx="0">
+            <a:schemeClr val="accent1"/>
+          </a:effectRef>
+          <a:fontRef idx="minor">
+            <a:schemeClr val="lt1"/>
+          </a:fontRef>
+        </p:style>
+        <p:txBody>
+          <a:bodyPr rtlCol="0" anchor="ctr"/>
+          <a:lstStyle/>
+          <a:p>
+            <a:pPr lvl="1"/>
+            <a:r>
+              <a:rPr lang="en-US" dirty="0">
+                <a:solidFill>
+                  <a:schemeClr val="accent2"/>
+                </a:solidFill>
+              </a:rPr>
+              <a:t>@keyframes name </a:t>
+            </a:r>
+            <a:r>
+              <a:rPr lang="en-US" dirty="0">
+                <a:solidFill>
+                  <a:schemeClr val="tx1"/>
+                </a:solidFill>
+              </a:rPr>
+              <a:t>{</a:t>
+            </a:r>
+          </a:p>
+          <a:p>
+            <a:pPr lvl="1"/>
+            <a:r>
+              <a:rPr lang="en-US" dirty="0">
+                <a:solidFill>
+                  <a:schemeClr val="tx1"/>
+                </a:solidFill>
+              </a:rPr>
+              <a:t>	</a:t>
+            </a:r>
+            <a:r>
+              <a:rPr lang="en-US" dirty="0">
+                <a:solidFill>
+                  <a:schemeClr val="accent1"/>
+                </a:solidFill>
+              </a:rPr>
+              <a:t>from {property: value;}</a:t>
+            </a:r>
+          </a:p>
+          <a:p>
+            <a:pPr lvl="1"/>
+            <a:r>
+              <a:rPr lang="en-US" dirty="0">
+                <a:solidFill>
+                  <a:schemeClr val="accent1"/>
+                </a:solidFill>
+              </a:rPr>
+              <a:t>	to {property: value;) </a:t>
+            </a:r>
+            <a:r>
+              <a:rPr lang="en-US" dirty="0">
+                <a:solidFill>
+                  <a:schemeClr val="tx1"/>
+                </a:solidFill>
+              </a:rPr>
+              <a:t>}</a:t>
+            </a:r>
+          </a:p>
+        </p:txBody>
+      </p:sp>
+      <p:sp>
+        <p:nvSpPr>
+          <p:cNvPr id="17" name="Rectangle 16">
+            <a:extLst>
+              <a:ext uri="{FF2B5EF4-FFF2-40B4-BE49-F238E27FC236}">
+                <a16:creationId xmlns:a16="http://schemas.microsoft.com/office/drawing/2014/main" id="{1D56AAB2-CACE-F54A-ABF1-F0BB67883267}"/>
+              </a:ext>
+            </a:extLst>
+          </p:cNvPr>
+          <p:cNvSpPr/>
+          <p:nvPr/>
+        </p:nvSpPr>
+        <p:spPr>
+          <a:xfrm>
+            <a:off x="767397" y="3639153"/>
+            <a:ext cx="7876674" cy="400110"/>
+          </a:xfrm>
+          <a:prstGeom prst="rect">
+            <a:avLst/>
+          </a:prstGeom>
+        </p:spPr>
+        <p:txBody>
+          <a:bodyPr wrap="square">
+            <a:spAutoFit/>
+          </a:bodyPr>
+          <a:lstStyle/>
+          <a:p>
+            <a:r>
+              <a:rPr lang="en-US" sz="2000" dirty="0"/>
+              <a:t>For multiple keyframes:</a:t>
+            </a:r>
+          </a:p>
+        </p:txBody>
+      </p:sp>
+      <p:sp>
+        <p:nvSpPr>
+          <p:cNvPr id="18" name="Rectangle 17">
+            <a:extLst>
+              <a:ext uri="{FF2B5EF4-FFF2-40B4-BE49-F238E27FC236}">
+                <a16:creationId xmlns:a16="http://schemas.microsoft.com/office/drawing/2014/main" id="{4DB34E1C-C2A9-7E4F-9F8D-03C2B600B8D6}"/>
+              </a:ext>
+            </a:extLst>
+          </p:cNvPr>
+          <p:cNvSpPr/>
+          <p:nvPr/>
+        </p:nvSpPr>
+        <p:spPr>
+          <a:xfrm>
+            <a:off x="767397" y="4039262"/>
+            <a:ext cx="10484937" cy="1931475"/>
+          </a:xfrm>
+          <a:prstGeom prst="rect">
+            <a:avLst/>
+          </a:prstGeom>
+          <a:solidFill>
+            <a:schemeClr val="bg1">
+              <a:lumMod val="95000"/>
+            </a:schemeClr>
+          </a:solidFill>
+          <a:ln w="3175">
+            <a:solidFill>
+              <a:schemeClr val="bg1">
+                <a:lumMod val="85000"/>
+              </a:schemeClr>
+            </a:solidFill>
+          </a:ln>
+        </p:spPr>
+        <p:style>
+          <a:lnRef idx="2">
+            <a:schemeClr val="accent1">
+              <a:shade val="50000"/>
+            </a:schemeClr>
+          </a:lnRef>
+          <a:fillRef idx="1">
+            <a:schemeClr val="accent1"/>
+          </a:fillRef>
+          <a:effectRef idx="0">
+            <a:schemeClr val="accent1"/>
+          </a:effectRef>
+          <a:fontRef idx="minor">
+            <a:schemeClr val="lt1"/>
+          </a:fontRef>
+        </p:style>
+        <p:txBody>
+          <a:bodyPr rtlCol="0" anchor="ctr"/>
+          <a:lstStyle/>
+          <a:p>
+            <a:pPr lvl="1"/>
+            <a:r>
+              <a:rPr lang="en-US" dirty="0">
+                <a:solidFill>
+                  <a:schemeClr val="accent2"/>
+                </a:solidFill>
+              </a:rPr>
+              <a:t>@keyframes name </a:t>
+            </a:r>
+            <a:r>
+              <a:rPr lang="en-US" dirty="0">
+                <a:solidFill>
+                  <a:schemeClr val="tx1"/>
+                </a:solidFill>
+              </a:rPr>
+              <a:t>{</a:t>
+            </a:r>
+          </a:p>
+          <a:p>
+            <a:pPr lvl="1"/>
+            <a:r>
+              <a:rPr lang="en-US" dirty="0">
+                <a:solidFill>
+                  <a:schemeClr val="tx1"/>
+                </a:solidFill>
+              </a:rPr>
+              <a:t>	</a:t>
+            </a:r>
+            <a:r>
+              <a:rPr lang="en-US" dirty="0">
+                <a:solidFill>
+                  <a:schemeClr val="accent1"/>
+                </a:solidFill>
+              </a:rPr>
+              <a:t>0% {property: value;}</a:t>
+            </a:r>
+          </a:p>
+          <a:p>
+            <a:pPr lvl="1"/>
+            <a:r>
+              <a:rPr lang="en-US" dirty="0">
+                <a:solidFill>
+                  <a:schemeClr val="accent1"/>
+                </a:solidFill>
+              </a:rPr>
+              <a:t>	25% {property: value;}</a:t>
+            </a:r>
+          </a:p>
+          <a:p>
+            <a:pPr lvl="1"/>
+            <a:r>
+              <a:rPr lang="en-US" dirty="0">
+                <a:solidFill>
+                  <a:schemeClr val="accent1"/>
+                </a:solidFill>
+              </a:rPr>
+              <a:t>	50% {property: value;}</a:t>
+            </a:r>
+          </a:p>
+          <a:p>
+            <a:pPr lvl="1"/>
+            <a:r>
+              <a:rPr lang="en-US" dirty="0">
+                <a:solidFill>
+                  <a:schemeClr val="accent1"/>
+                </a:solidFill>
+              </a:rPr>
+              <a:t>	75% {property: value;}</a:t>
+            </a:r>
+          </a:p>
+          <a:p>
+            <a:pPr lvl="1"/>
+            <a:r>
+              <a:rPr lang="en-US" dirty="0">
+                <a:solidFill>
+                  <a:schemeClr val="accent1"/>
+                </a:solidFill>
+              </a:rPr>
+              <a:t>	100% {property: value;) </a:t>
+            </a:r>
+            <a:r>
+              <a:rPr lang="en-US" dirty="0">
+                <a:solidFill>
+                  <a:schemeClr val="tx1"/>
+                </a:solidFill>
+              </a:rPr>
+              <a:t>}</a:t>
             </a:r>
           </a:p>
         </p:txBody>
@@ -9399,7 +9729,722 @@
     </p:spTree>
     <p:extLst>
       <p:ext uri="{BB962C8B-B14F-4D97-AF65-F5344CB8AC3E}">
-        <p14:creationId xmlns:p14="http://schemas.microsoft.com/office/powerpoint/2010/main" val="1428014379"/>
+        <p14:creationId xmlns:p14="http://schemas.microsoft.com/office/powerpoint/2010/main" val="3142410821"/>
+      </p:ext>
+    </p:extLst>
+  </p:cSld>
+  <p:clrMapOvr>
+    <a:masterClrMapping/>
+  </p:clrMapOvr>
+</p:sld>
+</file>
+
+<file path=ppt/slides/slide19.xml><?xml version="1.0" encoding="utf-8"?>
+<p:sld xmlns:a="http://schemas.openxmlformats.org/drawingml/2006/main" xmlns:r="http://schemas.openxmlformats.org/officeDocument/2006/relationships" xmlns:p="http://schemas.openxmlformats.org/presentationml/2006/main">
+  <p:cSld>
+    <p:bg>
+      <p:bgPr>
+        <a:solidFill>
+          <a:schemeClr val="bg2"/>
+        </a:solidFill>
+        <a:effectLst/>
+      </p:bgPr>
+    </p:bg>
+    <p:spTree>
+      <p:nvGrpSpPr>
+        <p:cNvPr id="1" name=""/>
+        <p:cNvGrpSpPr/>
+        <p:nvPr/>
+      </p:nvGrpSpPr>
+      <p:grpSpPr>
+        <a:xfrm>
+          <a:off x="0" y="0"/>
+          <a:ext cx="0" cy="0"/>
+          <a:chOff x="0" y="0"/>
+          <a:chExt cx="0" cy="0"/>
+        </a:xfrm>
+      </p:grpSpPr>
+      <p:sp>
+        <p:nvSpPr>
+          <p:cNvPr id="4" name="Rectangle 3">
+            <a:extLst>
+              <a:ext uri="{FF2B5EF4-FFF2-40B4-BE49-F238E27FC236}">
+                <a16:creationId xmlns:a16="http://schemas.microsoft.com/office/drawing/2014/main" id="{678F1DA2-2833-49FF-9287-44720AC6C8D2}"/>
+              </a:ext>
+            </a:extLst>
+          </p:cNvPr>
+          <p:cNvSpPr/>
+          <p:nvPr/>
+        </p:nvSpPr>
+        <p:spPr>
+          <a:xfrm>
+            <a:off x="0" y="6581001"/>
+            <a:ext cx="9976268" cy="276999"/>
+          </a:xfrm>
+          <a:prstGeom prst="rect">
+            <a:avLst/>
+          </a:prstGeom>
+          <a:solidFill>
+            <a:srgbClr val="92D050"/>
+          </a:solidFill>
+          <a:ln>
+            <a:noFill/>
+          </a:ln>
+        </p:spPr>
+        <p:style>
+          <a:lnRef idx="2">
+            <a:schemeClr val="accent1">
+              <a:shade val="50000"/>
+            </a:schemeClr>
+          </a:lnRef>
+          <a:fillRef idx="1">
+            <a:schemeClr val="accent1"/>
+          </a:fillRef>
+          <a:effectRef idx="0">
+            <a:schemeClr val="accent1"/>
+          </a:effectRef>
+          <a:fontRef idx="minor">
+            <a:schemeClr val="lt1"/>
+          </a:fontRef>
+        </p:style>
+        <p:txBody>
+          <a:bodyPr rtlCol="0" anchor="ctr"/>
+          <a:lstStyle/>
+          <a:p>
+            <a:pPr algn="ctr"/>
+            <a:endParaRPr lang="en-US" dirty="0"/>
+          </a:p>
+        </p:txBody>
+      </p:sp>
+      <p:sp>
+        <p:nvSpPr>
+          <p:cNvPr id="5" name="TextBox 4">
+            <a:extLst>
+              <a:ext uri="{FF2B5EF4-FFF2-40B4-BE49-F238E27FC236}">
+                <a16:creationId xmlns:a16="http://schemas.microsoft.com/office/drawing/2014/main" id="{9758F7A4-2143-4CCD-B8B3-8B4A1461ECF9}"/>
+              </a:ext>
+            </a:extLst>
+          </p:cNvPr>
+          <p:cNvSpPr txBox="1"/>
+          <p:nvPr/>
+        </p:nvSpPr>
+        <p:spPr>
+          <a:xfrm>
+            <a:off x="36674" y="6583215"/>
+            <a:ext cx="2682077" cy="276999"/>
+          </a:xfrm>
+          <a:prstGeom prst="rect">
+            <a:avLst/>
+          </a:prstGeom>
+          <a:noFill/>
+        </p:spPr>
+        <p:txBody>
+          <a:bodyPr wrap="square" rtlCol="0">
+            <a:spAutoFit/>
+          </a:bodyPr>
+          <a:lstStyle/>
+          <a:p>
+            <a:r>
+              <a:rPr lang="en-US" sz="1200" dirty="0">
+                <a:solidFill>
+                  <a:schemeClr val="bg1"/>
+                </a:solidFill>
+              </a:rPr>
+              <a:t>Building Personal Websites</a:t>
+            </a:r>
+          </a:p>
+        </p:txBody>
+      </p:sp>
+      <p:sp>
+        <p:nvSpPr>
+          <p:cNvPr id="6" name="Rectangle 5">
+            <a:extLst>
+              <a:ext uri="{FF2B5EF4-FFF2-40B4-BE49-F238E27FC236}">
+                <a16:creationId xmlns:a16="http://schemas.microsoft.com/office/drawing/2014/main" id="{40845236-8634-4353-BA0D-8817FE36EC7A}"/>
+              </a:ext>
+            </a:extLst>
+          </p:cNvPr>
+          <p:cNvSpPr/>
+          <p:nvPr/>
+        </p:nvSpPr>
+        <p:spPr>
+          <a:xfrm>
+            <a:off x="9921514" y="6581001"/>
+            <a:ext cx="2270485" cy="276999"/>
+          </a:xfrm>
+          <a:prstGeom prst="rect">
+            <a:avLst/>
+          </a:prstGeom>
+          <a:solidFill>
+            <a:srgbClr val="00B0F0"/>
+          </a:solidFill>
+          <a:ln>
+            <a:noFill/>
+          </a:ln>
+        </p:spPr>
+        <p:style>
+          <a:lnRef idx="2">
+            <a:schemeClr val="accent1">
+              <a:shade val="50000"/>
+            </a:schemeClr>
+          </a:lnRef>
+          <a:fillRef idx="1">
+            <a:schemeClr val="accent1"/>
+          </a:fillRef>
+          <a:effectRef idx="0">
+            <a:schemeClr val="accent1"/>
+          </a:effectRef>
+          <a:fontRef idx="minor">
+            <a:schemeClr val="lt1"/>
+          </a:fontRef>
+        </p:style>
+        <p:txBody>
+          <a:bodyPr rtlCol="0" anchor="ctr"/>
+          <a:lstStyle/>
+          <a:p>
+            <a:pPr algn="ctr"/>
+            <a:endParaRPr lang="en-US" dirty="0"/>
+          </a:p>
+        </p:txBody>
+      </p:sp>
+      <p:sp>
+        <p:nvSpPr>
+          <p:cNvPr id="8" name="TextBox 7">
+            <a:extLst>
+              <a:ext uri="{FF2B5EF4-FFF2-40B4-BE49-F238E27FC236}">
+                <a16:creationId xmlns:a16="http://schemas.microsoft.com/office/drawing/2014/main" id="{6403EA4A-E7EB-4525-B0D2-13B3997D5780}"/>
+              </a:ext>
+            </a:extLst>
+          </p:cNvPr>
+          <p:cNvSpPr txBox="1"/>
+          <p:nvPr/>
+        </p:nvSpPr>
+        <p:spPr>
+          <a:xfrm>
+            <a:off x="9958188" y="6578787"/>
+            <a:ext cx="2682077" cy="276999"/>
+          </a:xfrm>
+          <a:prstGeom prst="rect">
+            <a:avLst/>
+          </a:prstGeom>
+          <a:noFill/>
+        </p:spPr>
+        <p:txBody>
+          <a:bodyPr wrap="square" rtlCol="0">
+            <a:spAutoFit/>
+          </a:bodyPr>
+          <a:lstStyle/>
+          <a:p>
+            <a:r>
+              <a:rPr lang="en-US" sz="1200" dirty="0">
+                <a:solidFill>
+                  <a:schemeClr val="bg1"/>
+                </a:solidFill>
+              </a:rPr>
+              <a:t>Lecture 07 | Basic Animations</a:t>
+            </a:r>
+          </a:p>
+        </p:txBody>
+      </p:sp>
+      <p:sp>
+        <p:nvSpPr>
+          <p:cNvPr id="21" name="TextBox 20">
+            <a:extLst>
+              <a:ext uri="{FF2B5EF4-FFF2-40B4-BE49-F238E27FC236}">
+                <a16:creationId xmlns:a16="http://schemas.microsoft.com/office/drawing/2014/main" id="{F2052457-9DCE-43DF-AFE4-1D6148577FC9}"/>
+              </a:ext>
+            </a:extLst>
+          </p:cNvPr>
+          <p:cNvSpPr txBox="1"/>
+          <p:nvPr/>
+        </p:nvSpPr>
+        <p:spPr>
+          <a:xfrm>
+            <a:off x="3435815" y="-7700"/>
+            <a:ext cx="5430254" cy="837473"/>
+          </a:xfrm>
+          <a:prstGeom prst="rect">
+            <a:avLst/>
+          </a:prstGeom>
+          <a:noFill/>
+        </p:spPr>
+        <p:txBody>
+          <a:bodyPr wrap="square" rtlCol="0">
+            <a:spAutoFit/>
+          </a:bodyPr>
+          <a:lstStyle/>
+          <a:p>
+            <a:pPr algn="ctr">
+              <a:lnSpc>
+                <a:spcPct val="150000"/>
+              </a:lnSpc>
+            </a:pPr>
+            <a:r>
+              <a:rPr lang="en-US" sz="3600" dirty="0"/>
+              <a:t>Keyframing Animations</a:t>
+            </a:r>
+          </a:p>
+        </p:txBody>
+      </p:sp>
+      <p:sp>
+        <p:nvSpPr>
+          <p:cNvPr id="10" name="Rectangle 9">
+            <a:extLst>
+              <a:ext uri="{FF2B5EF4-FFF2-40B4-BE49-F238E27FC236}">
+                <a16:creationId xmlns:a16="http://schemas.microsoft.com/office/drawing/2014/main" id="{2903CB27-444A-42CF-B76F-22F3B40A2E56}"/>
+              </a:ext>
+            </a:extLst>
+          </p:cNvPr>
+          <p:cNvSpPr/>
+          <p:nvPr/>
+        </p:nvSpPr>
+        <p:spPr>
+          <a:xfrm>
+            <a:off x="767397" y="1468397"/>
+            <a:ext cx="7876674" cy="400110"/>
+          </a:xfrm>
+          <a:prstGeom prst="rect">
+            <a:avLst/>
+          </a:prstGeom>
+        </p:spPr>
+        <p:txBody>
+          <a:bodyPr wrap="square">
+            <a:spAutoFit/>
+          </a:bodyPr>
+          <a:lstStyle/>
+          <a:p>
+            <a:r>
+              <a:rPr lang="en-US" sz="2000" dirty="0"/>
+              <a:t>To bind keyframes to an event:</a:t>
+            </a:r>
+          </a:p>
+        </p:txBody>
+      </p:sp>
+      <p:cxnSp>
+        <p:nvCxnSpPr>
+          <p:cNvPr id="13" name="Straight Connector 12">
+            <a:extLst>
+              <a:ext uri="{FF2B5EF4-FFF2-40B4-BE49-F238E27FC236}">
+                <a16:creationId xmlns:a16="http://schemas.microsoft.com/office/drawing/2014/main" id="{F093F8D7-F748-0B41-9898-7EB6965DF8FA}"/>
+              </a:ext>
+            </a:extLst>
+          </p:cNvPr>
+          <p:cNvCxnSpPr>
+            <a:cxnSpLocks/>
+          </p:cNvCxnSpPr>
+          <p:nvPr/>
+        </p:nvCxnSpPr>
+        <p:spPr>
+          <a:xfrm>
+            <a:off x="5866635" y="827662"/>
+            <a:ext cx="419986" cy="0"/>
+          </a:xfrm>
+          <a:prstGeom prst="line">
+            <a:avLst/>
+          </a:prstGeom>
+          <a:ln w="28575"/>
+        </p:spPr>
+        <p:style>
+          <a:lnRef idx="1">
+            <a:schemeClr val="dk1"/>
+          </a:lnRef>
+          <a:fillRef idx="0">
+            <a:schemeClr val="dk1"/>
+          </a:fillRef>
+          <a:effectRef idx="0">
+            <a:schemeClr val="dk1"/>
+          </a:effectRef>
+          <a:fontRef idx="minor">
+            <a:schemeClr val="tx1"/>
+          </a:fontRef>
+        </p:style>
+      </p:cxnSp>
+      <p:sp>
+        <p:nvSpPr>
+          <p:cNvPr id="14" name="Rectangle 13">
+            <a:extLst>
+              <a:ext uri="{FF2B5EF4-FFF2-40B4-BE49-F238E27FC236}">
+                <a16:creationId xmlns:a16="http://schemas.microsoft.com/office/drawing/2014/main" id="{919F0347-9C96-3C47-AFD2-7F30441E0A40}"/>
+              </a:ext>
+            </a:extLst>
+          </p:cNvPr>
+          <p:cNvSpPr/>
+          <p:nvPr/>
+        </p:nvSpPr>
+        <p:spPr>
+          <a:xfrm>
+            <a:off x="767397" y="1868507"/>
+            <a:ext cx="10484937" cy="663678"/>
+          </a:xfrm>
+          <a:prstGeom prst="rect">
+            <a:avLst/>
+          </a:prstGeom>
+          <a:solidFill>
+            <a:schemeClr val="bg1">
+              <a:lumMod val="95000"/>
+            </a:schemeClr>
+          </a:solidFill>
+          <a:ln w="3175">
+            <a:solidFill>
+              <a:schemeClr val="bg1">
+                <a:lumMod val="85000"/>
+              </a:schemeClr>
+            </a:solidFill>
+          </a:ln>
+        </p:spPr>
+        <p:style>
+          <a:lnRef idx="2">
+            <a:schemeClr val="accent1">
+              <a:shade val="50000"/>
+            </a:schemeClr>
+          </a:lnRef>
+          <a:fillRef idx="1">
+            <a:schemeClr val="accent1"/>
+          </a:fillRef>
+          <a:effectRef idx="0">
+            <a:schemeClr val="accent1"/>
+          </a:effectRef>
+          <a:fontRef idx="minor">
+            <a:schemeClr val="lt1"/>
+          </a:fontRef>
+        </p:style>
+        <p:txBody>
+          <a:bodyPr rtlCol="0" anchor="ctr"/>
+          <a:lstStyle/>
+          <a:p>
+            <a:pPr lvl="1"/>
+            <a:r>
+              <a:rPr lang="en-US" dirty="0">
+                <a:solidFill>
+                  <a:schemeClr val="accent1"/>
+                </a:solidFill>
+              </a:rPr>
+              <a:t>animation-name: name;</a:t>
+            </a:r>
+            <a:endParaRPr lang="en-US" dirty="0">
+              <a:solidFill>
+                <a:schemeClr val="tx1"/>
+              </a:solidFill>
+            </a:endParaRPr>
+          </a:p>
+        </p:txBody>
+      </p:sp>
+      <p:sp>
+        <p:nvSpPr>
+          <p:cNvPr id="12" name="Rectangle 11">
+            <a:extLst>
+              <a:ext uri="{FF2B5EF4-FFF2-40B4-BE49-F238E27FC236}">
+                <a16:creationId xmlns:a16="http://schemas.microsoft.com/office/drawing/2014/main" id="{0EB6BC1E-D33D-AD4D-AD54-EADA5AF66E27}"/>
+              </a:ext>
+            </a:extLst>
+          </p:cNvPr>
+          <p:cNvSpPr/>
+          <p:nvPr/>
+        </p:nvSpPr>
+        <p:spPr>
+          <a:xfrm>
+            <a:off x="767397" y="2688921"/>
+            <a:ext cx="7876674" cy="400110"/>
+          </a:xfrm>
+          <a:prstGeom prst="rect">
+            <a:avLst/>
+          </a:prstGeom>
+        </p:spPr>
+        <p:txBody>
+          <a:bodyPr wrap="square">
+            <a:spAutoFit/>
+          </a:bodyPr>
+          <a:lstStyle/>
+          <a:p>
+            <a:r>
+              <a:rPr lang="en-US" sz="2000" dirty="0"/>
+              <a:t>To set the duration of an animation:</a:t>
+            </a:r>
+          </a:p>
+        </p:txBody>
+      </p:sp>
+      <p:sp>
+        <p:nvSpPr>
+          <p:cNvPr id="15" name="Rectangle 14">
+            <a:extLst>
+              <a:ext uri="{FF2B5EF4-FFF2-40B4-BE49-F238E27FC236}">
+                <a16:creationId xmlns:a16="http://schemas.microsoft.com/office/drawing/2014/main" id="{8772F2A3-FB92-F346-A541-7DD1B710A8C0}"/>
+              </a:ext>
+            </a:extLst>
+          </p:cNvPr>
+          <p:cNvSpPr/>
+          <p:nvPr/>
+        </p:nvSpPr>
+        <p:spPr>
+          <a:xfrm>
+            <a:off x="767397" y="3089031"/>
+            <a:ext cx="10484937" cy="663678"/>
+          </a:xfrm>
+          <a:prstGeom prst="rect">
+            <a:avLst/>
+          </a:prstGeom>
+          <a:solidFill>
+            <a:schemeClr val="bg1">
+              <a:lumMod val="95000"/>
+            </a:schemeClr>
+          </a:solidFill>
+          <a:ln w="3175">
+            <a:solidFill>
+              <a:schemeClr val="bg1">
+                <a:lumMod val="85000"/>
+              </a:schemeClr>
+            </a:solidFill>
+          </a:ln>
+        </p:spPr>
+        <p:style>
+          <a:lnRef idx="2">
+            <a:schemeClr val="accent1">
+              <a:shade val="50000"/>
+            </a:schemeClr>
+          </a:lnRef>
+          <a:fillRef idx="1">
+            <a:schemeClr val="accent1"/>
+          </a:fillRef>
+          <a:effectRef idx="0">
+            <a:schemeClr val="accent1"/>
+          </a:effectRef>
+          <a:fontRef idx="minor">
+            <a:schemeClr val="lt1"/>
+          </a:fontRef>
+        </p:style>
+        <p:txBody>
+          <a:bodyPr rtlCol="0" anchor="ctr"/>
+          <a:lstStyle/>
+          <a:p>
+            <a:pPr lvl="1"/>
+            <a:r>
+              <a:rPr lang="en-US" dirty="0">
+                <a:solidFill>
+                  <a:schemeClr val="accent1"/>
+                </a:solidFill>
+              </a:rPr>
+              <a:t>animation-duration: 5s;</a:t>
+            </a:r>
+            <a:endParaRPr lang="en-US" dirty="0">
+              <a:solidFill>
+                <a:schemeClr val="tx1"/>
+              </a:solidFill>
+            </a:endParaRPr>
+          </a:p>
+        </p:txBody>
+      </p:sp>
+      <p:sp>
+        <p:nvSpPr>
+          <p:cNvPr id="16" name="Rectangle 15">
+            <a:extLst>
+              <a:ext uri="{FF2B5EF4-FFF2-40B4-BE49-F238E27FC236}">
+                <a16:creationId xmlns:a16="http://schemas.microsoft.com/office/drawing/2014/main" id="{036F50FA-CB69-144E-98C2-7E8A7C5A5AE1}"/>
+              </a:ext>
+            </a:extLst>
+          </p:cNvPr>
+          <p:cNvSpPr/>
+          <p:nvPr/>
+        </p:nvSpPr>
+        <p:spPr>
+          <a:xfrm>
+            <a:off x="767397" y="3874193"/>
+            <a:ext cx="7876674" cy="400110"/>
+          </a:xfrm>
+          <a:prstGeom prst="rect">
+            <a:avLst/>
+          </a:prstGeom>
+        </p:spPr>
+        <p:txBody>
+          <a:bodyPr wrap="square">
+            <a:spAutoFit/>
+          </a:bodyPr>
+          <a:lstStyle/>
+          <a:p>
+            <a:r>
+              <a:rPr lang="en-US" sz="2000" dirty="0"/>
+              <a:t>To set the interpolation of an animation:</a:t>
+            </a:r>
+          </a:p>
+        </p:txBody>
+      </p:sp>
+      <p:sp>
+        <p:nvSpPr>
+          <p:cNvPr id="19" name="Rectangle 18">
+            <a:extLst>
+              <a:ext uri="{FF2B5EF4-FFF2-40B4-BE49-F238E27FC236}">
+                <a16:creationId xmlns:a16="http://schemas.microsoft.com/office/drawing/2014/main" id="{A668394F-CE4D-234E-A9C4-6676E5C62B0F}"/>
+              </a:ext>
+            </a:extLst>
+          </p:cNvPr>
+          <p:cNvSpPr/>
+          <p:nvPr/>
+        </p:nvSpPr>
+        <p:spPr>
+          <a:xfrm>
+            <a:off x="767397" y="4274303"/>
+            <a:ext cx="10484937" cy="663678"/>
+          </a:xfrm>
+          <a:prstGeom prst="rect">
+            <a:avLst/>
+          </a:prstGeom>
+          <a:solidFill>
+            <a:schemeClr val="bg1">
+              <a:lumMod val="95000"/>
+            </a:schemeClr>
+          </a:solidFill>
+          <a:ln w="3175">
+            <a:solidFill>
+              <a:schemeClr val="bg1">
+                <a:lumMod val="85000"/>
+              </a:schemeClr>
+            </a:solidFill>
+          </a:ln>
+        </p:spPr>
+        <p:style>
+          <a:lnRef idx="2">
+            <a:schemeClr val="accent1">
+              <a:shade val="50000"/>
+            </a:schemeClr>
+          </a:lnRef>
+          <a:fillRef idx="1">
+            <a:schemeClr val="accent1"/>
+          </a:fillRef>
+          <a:effectRef idx="0">
+            <a:schemeClr val="accent1"/>
+          </a:effectRef>
+          <a:fontRef idx="minor">
+            <a:schemeClr val="lt1"/>
+          </a:fontRef>
+        </p:style>
+        <p:txBody>
+          <a:bodyPr rtlCol="0" anchor="ctr"/>
+          <a:lstStyle/>
+          <a:p>
+            <a:pPr lvl="1"/>
+            <a:r>
+              <a:rPr lang="en-US" dirty="0">
+                <a:solidFill>
+                  <a:schemeClr val="accent1"/>
+                </a:solidFill>
+              </a:rPr>
+              <a:t>animation-timing-function: linear;</a:t>
+            </a:r>
+            <a:endParaRPr lang="en-US" dirty="0">
+              <a:solidFill>
+                <a:schemeClr val="tx1"/>
+              </a:solidFill>
+            </a:endParaRPr>
+          </a:p>
+        </p:txBody>
+      </p:sp>
+      <p:sp>
+        <p:nvSpPr>
+          <p:cNvPr id="20" name="Rectangle 19">
+            <a:extLst>
+              <a:ext uri="{FF2B5EF4-FFF2-40B4-BE49-F238E27FC236}">
+                <a16:creationId xmlns:a16="http://schemas.microsoft.com/office/drawing/2014/main" id="{FB7DAB3B-2176-1D4C-9745-A389D1380C0F}"/>
+              </a:ext>
+            </a:extLst>
+          </p:cNvPr>
+          <p:cNvSpPr/>
+          <p:nvPr/>
+        </p:nvSpPr>
+        <p:spPr>
+          <a:xfrm>
+            <a:off x="767397" y="5059465"/>
+            <a:ext cx="7876674" cy="400110"/>
+          </a:xfrm>
+          <a:prstGeom prst="rect">
+            <a:avLst/>
+          </a:prstGeom>
+        </p:spPr>
+        <p:txBody>
+          <a:bodyPr wrap="square">
+            <a:spAutoFit/>
+          </a:bodyPr>
+          <a:lstStyle/>
+          <a:p>
+            <a:r>
+              <a:rPr lang="en-US" sz="2000" dirty="0"/>
+              <a:t>To set the interpolation of an animation:</a:t>
+            </a:r>
+          </a:p>
+        </p:txBody>
+      </p:sp>
+      <p:sp>
+        <p:nvSpPr>
+          <p:cNvPr id="22" name="Rectangle 21">
+            <a:extLst>
+              <a:ext uri="{FF2B5EF4-FFF2-40B4-BE49-F238E27FC236}">
+                <a16:creationId xmlns:a16="http://schemas.microsoft.com/office/drawing/2014/main" id="{5FE31F92-1A8A-884F-B876-19F588B6EC4F}"/>
+              </a:ext>
+            </a:extLst>
+          </p:cNvPr>
+          <p:cNvSpPr/>
+          <p:nvPr/>
+        </p:nvSpPr>
+        <p:spPr>
+          <a:xfrm>
+            <a:off x="767397" y="5459575"/>
+            <a:ext cx="10484937" cy="663678"/>
+          </a:xfrm>
+          <a:prstGeom prst="rect">
+            <a:avLst/>
+          </a:prstGeom>
+          <a:solidFill>
+            <a:schemeClr val="bg1">
+              <a:lumMod val="95000"/>
+            </a:schemeClr>
+          </a:solidFill>
+          <a:ln w="3175">
+            <a:solidFill>
+              <a:schemeClr val="bg1">
+                <a:lumMod val="85000"/>
+              </a:schemeClr>
+            </a:solidFill>
+          </a:ln>
+        </p:spPr>
+        <p:style>
+          <a:lnRef idx="2">
+            <a:schemeClr val="accent1">
+              <a:shade val="50000"/>
+            </a:schemeClr>
+          </a:lnRef>
+          <a:fillRef idx="1">
+            <a:schemeClr val="accent1"/>
+          </a:fillRef>
+          <a:effectRef idx="0">
+            <a:schemeClr val="accent1"/>
+          </a:effectRef>
+          <a:fontRef idx="minor">
+            <a:schemeClr val="lt1"/>
+          </a:fontRef>
+        </p:style>
+        <p:txBody>
+          <a:bodyPr rtlCol="0" anchor="ctr"/>
+          <a:lstStyle/>
+          <a:p>
+            <a:pPr lvl="1"/>
+            <a:r>
+              <a:rPr lang="en-US" dirty="0">
+                <a:solidFill>
+                  <a:schemeClr val="accent1"/>
+                </a:solidFill>
+              </a:rPr>
+              <a:t>animation-delay: 1s;</a:t>
+            </a:r>
+            <a:endParaRPr lang="en-US" dirty="0">
+              <a:solidFill>
+                <a:schemeClr val="tx1"/>
+              </a:solidFill>
+            </a:endParaRPr>
+          </a:p>
+        </p:txBody>
+      </p:sp>
+    </p:spTree>
+    <p:extLst>
+      <p:ext uri="{BB962C8B-B14F-4D97-AF65-F5344CB8AC3E}">
+        <p14:creationId xmlns:p14="http://schemas.microsoft.com/office/powerpoint/2010/main" val="3082995118"/>
       </p:ext>
     </p:extLst>
   </p:cSld>
@@ -9630,8 +10675,8 @@
         </p:nvSpPr>
         <p:spPr>
           <a:xfrm>
-            <a:off x="340241" y="4044216"/>
-            <a:ext cx="9976267" cy="2018694"/>
+            <a:off x="340241" y="3235324"/>
+            <a:ext cx="9976267" cy="3034357"/>
           </a:xfrm>
           <a:prstGeom prst="rect">
             <a:avLst/>
@@ -9675,12 +10720,3172 @@
               <a:t> Basic Animations: A CSS Approach</a:t>
             </a:r>
           </a:p>
+          <a:p>
+            <a:pPr marL="285750" indent="-285750">
+              <a:lnSpc>
+                <a:spcPct val="150000"/>
+              </a:lnSpc>
+              <a:buFont typeface="Arial" panose="020B0604020202020204" pitchFamily="34" charset="0"/>
+              <a:buChar char="•"/>
+            </a:pPr>
+            <a:r>
+              <a:rPr lang="en-US" sz="4400" dirty="0">
+                <a:solidFill>
+                  <a:schemeClr val="bg1">
+                    <a:lumMod val="65000"/>
+                  </a:schemeClr>
+                </a:solidFill>
+              </a:rPr>
+              <a:t> Keyframing Animations</a:t>
+            </a:r>
+          </a:p>
         </p:txBody>
       </p:sp>
     </p:spTree>
     <p:extLst>
       <p:ext uri="{BB962C8B-B14F-4D97-AF65-F5344CB8AC3E}">
         <p14:creationId xmlns:p14="http://schemas.microsoft.com/office/powerpoint/2010/main" val="1644525396"/>
+      </p:ext>
+    </p:extLst>
+  </p:cSld>
+  <p:clrMapOvr>
+    <a:masterClrMapping/>
+  </p:clrMapOvr>
+</p:sld>
+</file>
+
+<file path=ppt/slides/slide20.xml><?xml version="1.0" encoding="utf-8"?>
+<p:sld xmlns:a="http://schemas.openxmlformats.org/drawingml/2006/main" xmlns:r="http://schemas.openxmlformats.org/officeDocument/2006/relationships" xmlns:p="http://schemas.openxmlformats.org/presentationml/2006/main">
+  <p:cSld>
+    <p:bg>
+      <p:bgPr>
+        <a:solidFill>
+          <a:schemeClr val="bg2"/>
+        </a:solidFill>
+        <a:effectLst/>
+      </p:bgPr>
+    </p:bg>
+    <p:spTree>
+      <p:nvGrpSpPr>
+        <p:cNvPr id="1" name=""/>
+        <p:cNvGrpSpPr/>
+        <p:nvPr/>
+      </p:nvGrpSpPr>
+      <p:grpSpPr>
+        <a:xfrm>
+          <a:off x="0" y="0"/>
+          <a:ext cx="0" cy="0"/>
+          <a:chOff x="0" y="0"/>
+          <a:chExt cx="0" cy="0"/>
+        </a:xfrm>
+      </p:grpSpPr>
+      <p:sp>
+        <p:nvSpPr>
+          <p:cNvPr id="4" name="Rectangle 3">
+            <a:extLst>
+              <a:ext uri="{FF2B5EF4-FFF2-40B4-BE49-F238E27FC236}">
+                <a16:creationId xmlns:a16="http://schemas.microsoft.com/office/drawing/2014/main" id="{678F1DA2-2833-49FF-9287-44720AC6C8D2}"/>
+              </a:ext>
+            </a:extLst>
+          </p:cNvPr>
+          <p:cNvSpPr/>
+          <p:nvPr/>
+        </p:nvSpPr>
+        <p:spPr>
+          <a:xfrm>
+            <a:off x="0" y="6581001"/>
+            <a:ext cx="9976268" cy="276999"/>
+          </a:xfrm>
+          <a:prstGeom prst="rect">
+            <a:avLst/>
+          </a:prstGeom>
+          <a:solidFill>
+            <a:srgbClr val="92D050"/>
+          </a:solidFill>
+          <a:ln>
+            <a:noFill/>
+          </a:ln>
+        </p:spPr>
+        <p:style>
+          <a:lnRef idx="2">
+            <a:schemeClr val="accent1">
+              <a:shade val="50000"/>
+            </a:schemeClr>
+          </a:lnRef>
+          <a:fillRef idx="1">
+            <a:schemeClr val="accent1"/>
+          </a:fillRef>
+          <a:effectRef idx="0">
+            <a:schemeClr val="accent1"/>
+          </a:effectRef>
+          <a:fontRef idx="minor">
+            <a:schemeClr val="lt1"/>
+          </a:fontRef>
+        </p:style>
+        <p:txBody>
+          <a:bodyPr rtlCol="0" anchor="ctr"/>
+          <a:lstStyle/>
+          <a:p>
+            <a:pPr algn="ctr"/>
+            <a:endParaRPr lang="en-US" dirty="0"/>
+          </a:p>
+        </p:txBody>
+      </p:sp>
+      <p:sp>
+        <p:nvSpPr>
+          <p:cNvPr id="5" name="TextBox 4">
+            <a:extLst>
+              <a:ext uri="{FF2B5EF4-FFF2-40B4-BE49-F238E27FC236}">
+                <a16:creationId xmlns:a16="http://schemas.microsoft.com/office/drawing/2014/main" id="{9758F7A4-2143-4CCD-B8B3-8B4A1461ECF9}"/>
+              </a:ext>
+            </a:extLst>
+          </p:cNvPr>
+          <p:cNvSpPr txBox="1"/>
+          <p:nvPr/>
+        </p:nvSpPr>
+        <p:spPr>
+          <a:xfrm>
+            <a:off x="36674" y="6583215"/>
+            <a:ext cx="2682077" cy="276999"/>
+          </a:xfrm>
+          <a:prstGeom prst="rect">
+            <a:avLst/>
+          </a:prstGeom>
+          <a:noFill/>
+        </p:spPr>
+        <p:txBody>
+          <a:bodyPr wrap="square" rtlCol="0">
+            <a:spAutoFit/>
+          </a:bodyPr>
+          <a:lstStyle/>
+          <a:p>
+            <a:r>
+              <a:rPr lang="en-US" sz="1200" dirty="0">
+                <a:solidFill>
+                  <a:schemeClr val="bg1"/>
+                </a:solidFill>
+              </a:rPr>
+              <a:t>Building Personal Websites</a:t>
+            </a:r>
+          </a:p>
+        </p:txBody>
+      </p:sp>
+      <p:sp>
+        <p:nvSpPr>
+          <p:cNvPr id="6" name="Rectangle 5">
+            <a:extLst>
+              <a:ext uri="{FF2B5EF4-FFF2-40B4-BE49-F238E27FC236}">
+                <a16:creationId xmlns:a16="http://schemas.microsoft.com/office/drawing/2014/main" id="{40845236-8634-4353-BA0D-8817FE36EC7A}"/>
+              </a:ext>
+            </a:extLst>
+          </p:cNvPr>
+          <p:cNvSpPr/>
+          <p:nvPr/>
+        </p:nvSpPr>
+        <p:spPr>
+          <a:xfrm>
+            <a:off x="9921514" y="6581001"/>
+            <a:ext cx="2270485" cy="276999"/>
+          </a:xfrm>
+          <a:prstGeom prst="rect">
+            <a:avLst/>
+          </a:prstGeom>
+          <a:solidFill>
+            <a:srgbClr val="00B0F0"/>
+          </a:solidFill>
+          <a:ln>
+            <a:noFill/>
+          </a:ln>
+        </p:spPr>
+        <p:style>
+          <a:lnRef idx="2">
+            <a:schemeClr val="accent1">
+              <a:shade val="50000"/>
+            </a:schemeClr>
+          </a:lnRef>
+          <a:fillRef idx="1">
+            <a:schemeClr val="accent1"/>
+          </a:fillRef>
+          <a:effectRef idx="0">
+            <a:schemeClr val="accent1"/>
+          </a:effectRef>
+          <a:fontRef idx="minor">
+            <a:schemeClr val="lt1"/>
+          </a:fontRef>
+        </p:style>
+        <p:txBody>
+          <a:bodyPr rtlCol="0" anchor="ctr"/>
+          <a:lstStyle/>
+          <a:p>
+            <a:pPr algn="ctr"/>
+            <a:endParaRPr lang="en-US" dirty="0"/>
+          </a:p>
+        </p:txBody>
+      </p:sp>
+      <p:sp>
+        <p:nvSpPr>
+          <p:cNvPr id="8" name="TextBox 7">
+            <a:extLst>
+              <a:ext uri="{FF2B5EF4-FFF2-40B4-BE49-F238E27FC236}">
+                <a16:creationId xmlns:a16="http://schemas.microsoft.com/office/drawing/2014/main" id="{6403EA4A-E7EB-4525-B0D2-13B3997D5780}"/>
+              </a:ext>
+            </a:extLst>
+          </p:cNvPr>
+          <p:cNvSpPr txBox="1"/>
+          <p:nvPr/>
+        </p:nvSpPr>
+        <p:spPr>
+          <a:xfrm>
+            <a:off x="9958188" y="6578787"/>
+            <a:ext cx="2682077" cy="276999"/>
+          </a:xfrm>
+          <a:prstGeom prst="rect">
+            <a:avLst/>
+          </a:prstGeom>
+          <a:noFill/>
+        </p:spPr>
+        <p:txBody>
+          <a:bodyPr wrap="square" rtlCol="0">
+            <a:spAutoFit/>
+          </a:bodyPr>
+          <a:lstStyle/>
+          <a:p>
+            <a:r>
+              <a:rPr lang="en-US" sz="1200" dirty="0">
+                <a:solidFill>
+                  <a:schemeClr val="bg1"/>
+                </a:solidFill>
+              </a:rPr>
+              <a:t>Lecture 07 | Basic Animations</a:t>
+            </a:r>
+          </a:p>
+        </p:txBody>
+      </p:sp>
+      <p:sp>
+        <p:nvSpPr>
+          <p:cNvPr id="21" name="TextBox 20">
+            <a:extLst>
+              <a:ext uri="{FF2B5EF4-FFF2-40B4-BE49-F238E27FC236}">
+                <a16:creationId xmlns:a16="http://schemas.microsoft.com/office/drawing/2014/main" id="{F2052457-9DCE-43DF-AFE4-1D6148577FC9}"/>
+              </a:ext>
+            </a:extLst>
+          </p:cNvPr>
+          <p:cNvSpPr txBox="1"/>
+          <p:nvPr/>
+        </p:nvSpPr>
+        <p:spPr>
+          <a:xfrm>
+            <a:off x="3435815" y="-7700"/>
+            <a:ext cx="5430254" cy="837473"/>
+          </a:xfrm>
+          <a:prstGeom prst="rect">
+            <a:avLst/>
+          </a:prstGeom>
+          <a:noFill/>
+        </p:spPr>
+        <p:txBody>
+          <a:bodyPr wrap="square" rtlCol="0">
+            <a:spAutoFit/>
+          </a:bodyPr>
+          <a:lstStyle/>
+          <a:p>
+            <a:pPr algn="ctr">
+              <a:lnSpc>
+                <a:spcPct val="150000"/>
+              </a:lnSpc>
+            </a:pPr>
+            <a:r>
+              <a:rPr lang="en-US" sz="3600" dirty="0"/>
+              <a:t>Looping Animations</a:t>
+            </a:r>
+          </a:p>
+        </p:txBody>
+      </p:sp>
+      <p:sp>
+        <p:nvSpPr>
+          <p:cNvPr id="10" name="Rectangle 9">
+            <a:extLst>
+              <a:ext uri="{FF2B5EF4-FFF2-40B4-BE49-F238E27FC236}">
+                <a16:creationId xmlns:a16="http://schemas.microsoft.com/office/drawing/2014/main" id="{2903CB27-444A-42CF-B76F-22F3B40A2E56}"/>
+              </a:ext>
+            </a:extLst>
+          </p:cNvPr>
+          <p:cNvSpPr/>
+          <p:nvPr/>
+        </p:nvSpPr>
+        <p:spPr>
+          <a:xfrm>
+            <a:off x="767397" y="1468397"/>
+            <a:ext cx="7876674" cy="400110"/>
+          </a:xfrm>
+          <a:prstGeom prst="rect">
+            <a:avLst/>
+          </a:prstGeom>
+        </p:spPr>
+        <p:txBody>
+          <a:bodyPr wrap="square">
+            <a:spAutoFit/>
+          </a:bodyPr>
+          <a:lstStyle/>
+          <a:p>
+            <a:r>
+              <a:rPr lang="en-US" sz="2000" dirty="0"/>
+              <a:t>Define the direction the animation plays:</a:t>
+            </a:r>
+          </a:p>
+        </p:txBody>
+      </p:sp>
+      <p:cxnSp>
+        <p:nvCxnSpPr>
+          <p:cNvPr id="13" name="Straight Connector 12">
+            <a:extLst>
+              <a:ext uri="{FF2B5EF4-FFF2-40B4-BE49-F238E27FC236}">
+                <a16:creationId xmlns:a16="http://schemas.microsoft.com/office/drawing/2014/main" id="{F093F8D7-F748-0B41-9898-7EB6965DF8FA}"/>
+              </a:ext>
+            </a:extLst>
+          </p:cNvPr>
+          <p:cNvCxnSpPr>
+            <a:cxnSpLocks/>
+          </p:cNvCxnSpPr>
+          <p:nvPr/>
+        </p:nvCxnSpPr>
+        <p:spPr>
+          <a:xfrm>
+            <a:off x="5866635" y="827662"/>
+            <a:ext cx="419986" cy="0"/>
+          </a:xfrm>
+          <a:prstGeom prst="line">
+            <a:avLst/>
+          </a:prstGeom>
+          <a:ln w="28575"/>
+        </p:spPr>
+        <p:style>
+          <a:lnRef idx="1">
+            <a:schemeClr val="dk1"/>
+          </a:lnRef>
+          <a:fillRef idx="0">
+            <a:schemeClr val="dk1"/>
+          </a:fillRef>
+          <a:effectRef idx="0">
+            <a:schemeClr val="dk1"/>
+          </a:effectRef>
+          <a:fontRef idx="minor">
+            <a:schemeClr val="tx1"/>
+          </a:fontRef>
+        </p:style>
+      </p:cxnSp>
+      <p:sp>
+        <p:nvSpPr>
+          <p:cNvPr id="14" name="Rectangle 13">
+            <a:extLst>
+              <a:ext uri="{FF2B5EF4-FFF2-40B4-BE49-F238E27FC236}">
+                <a16:creationId xmlns:a16="http://schemas.microsoft.com/office/drawing/2014/main" id="{919F0347-9C96-3C47-AFD2-7F30441E0A40}"/>
+              </a:ext>
+            </a:extLst>
+          </p:cNvPr>
+          <p:cNvSpPr/>
+          <p:nvPr/>
+        </p:nvSpPr>
+        <p:spPr>
+          <a:xfrm>
+            <a:off x="767397" y="1868506"/>
+            <a:ext cx="10484937" cy="1560493"/>
+          </a:xfrm>
+          <a:prstGeom prst="rect">
+            <a:avLst/>
+          </a:prstGeom>
+          <a:solidFill>
+            <a:schemeClr val="bg1">
+              <a:lumMod val="95000"/>
+            </a:schemeClr>
+          </a:solidFill>
+          <a:ln w="3175">
+            <a:solidFill>
+              <a:schemeClr val="bg1">
+                <a:lumMod val="85000"/>
+              </a:schemeClr>
+            </a:solidFill>
+          </a:ln>
+        </p:spPr>
+        <p:style>
+          <a:lnRef idx="2">
+            <a:schemeClr val="accent1">
+              <a:shade val="50000"/>
+            </a:schemeClr>
+          </a:lnRef>
+          <a:fillRef idx="1">
+            <a:schemeClr val="accent1"/>
+          </a:fillRef>
+          <a:effectRef idx="0">
+            <a:schemeClr val="accent1"/>
+          </a:effectRef>
+          <a:fontRef idx="minor">
+            <a:schemeClr val="lt1"/>
+          </a:fontRef>
+        </p:style>
+        <p:txBody>
+          <a:bodyPr rtlCol="0" anchor="ctr"/>
+          <a:lstStyle/>
+          <a:p>
+            <a:pPr lvl="1"/>
+            <a:r>
+              <a:rPr lang="en-US" dirty="0">
+                <a:solidFill>
+                  <a:schemeClr val="accent1"/>
+                </a:solidFill>
+              </a:rPr>
+              <a:t>animation-direction: normal;                      </a:t>
+            </a:r>
+            <a:r>
+              <a:rPr lang="en-US" dirty="0">
+                <a:solidFill>
+                  <a:schemeClr val="bg1">
+                    <a:lumMod val="65000"/>
+                  </a:schemeClr>
+                </a:solidFill>
+              </a:rPr>
+              <a:t> /* animation plays forwards */</a:t>
+            </a:r>
+          </a:p>
+          <a:p>
+            <a:pPr lvl="1"/>
+            <a:r>
+              <a:rPr lang="en-US" dirty="0">
+                <a:solidFill>
+                  <a:schemeClr val="accent1"/>
+                </a:solidFill>
+              </a:rPr>
+              <a:t>animation-direction: reverse;                 </a:t>
+            </a:r>
+            <a:r>
+              <a:rPr lang="en-US" dirty="0">
+                <a:solidFill>
+                  <a:schemeClr val="bg1">
+                    <a:lumMod val="65000"/>
+                  </a:schemeClr>
+                </a:solidFill>
+              </a:rPr>
+              <a:t>      /* animation plays backwards */</a:t>
+            </a:r>
+          </a:p>
+          <a:p>
+            <a:pPr lvl="1"/>
+            <a:r>
+              <a:rPr lang="en-US" dirty="0">
+                <a:solidFill>
+                  <a:schemeClr val="accent1"/>
+                </a:solidFill>
+              </a:rPr>
+              <a:t>animation-direction: alternate;                  </a:t>
+            </a:r>
+            <a:r>
+              <a:rPr lang="en-US" dirty="0">
+                <a:solidFill>
+                  <a:schemeClr val="bg1">
+                    <a:lumMod val="65000"/>
+                  </a:schemeClr>
+                </a:solidFill>
+              </a:rPr>
+              <a:t>  /* animation plays forwards then forwards */</a:t>
+            </a:r>
+          </a:p>
+          <a:p>
+            <a:pPr lvl="1"/>
+            <a:r>
+              <a:rPr lang="en-US" dirty="0">
+                <a:solidFill>
+                  <a:schemeClr val="accent1"/>
+                </a:solidFill>
+              </a:rPr>
+              <a:t>animation-direction: alternate-reverse;     </a:t>
+            </a:r>
+            <a:r>
+              <a:rPr lang="en-US" dirty="0">
+                <a:solidFill>
+                  <a:schemeClr val="bg1">
+                    <a:lumMod val="65000"/>
+                  </a:schemeClr>
+                </a:solidFill>
+              </a:rPr>
+              <a:t> /* animation plays backwards then forwards */</a:t>
+            </a:r>
+          </a:p>
+        </p:txBody>
+      </p:sp>
+      <p:sp>
+        <p:nvSpPr>
+          <p:cNvPr id="23" name="Rectangle 22">
+            <a:extLst>
+              <a:ext uri="{FF2B5EF4-FFF2-40B4-BE49-F238E27FC236}">
+                <a16:creationId xmlns:a16="http://schemas.microsoft.com/office/drawing/2014/main" id="{85EB1E4C-8F9A-2D4A-89D6-86212CAF1797}"/>
+              </a:ext>
+            </a:extLst>
+          </p:cNvPr>
+          <p:cNvSpPr/>
+          <p:nvPr/>
+        </p:nvSpPr>
+        <p:spPr>
+          <a:xfrm>
+            <a:off x="767397" y="3963994"/>
+            <a:ext cx="7876674" cy="400110"/>
+          </a:xfrm>
+          <a:prstGeom prst="rect">
+            <a:avLst/>
+          </a:prstGeom>
+        </p:spPr>
+        <p:txBody>
+          <a:bodyPr wrap="square">
+            <a:spAutoFit/>
+          </a:bodyPr>
+          <a:lstStyle/>
+          <a:p>
+            <a:r>
+              <a:rPr lang="en-US" sz="2000" dirty="0"/>
+              <a:t>Define the number of iterations the animation plays:</a:t>
+            </a:r>
+          </a:p>
+        </p:txBody>
+      </p:sp>
+      <p:sp>
+        <p:nvSpPr>
+          <p:cNvPr id="24" name="Rectangle 23">
+            <a:extLst>
+              <a:ext uri="{FF2B5EF4-FFF2-40B4-BE49-F238E27FC236}">
+                <a16:creationId xmlns:a16="http://schemas.microsoft.com/office/drawing/2014/main" id="{A657BDBB-9E78-954F-A624-57AB3F90E19A}"/>
+              </a:ext>
+            </a:extLst>
+          </p:cNvPr>
+          <p:cNvSpPr/>
+          <p:nvPr/>
+        </p:nvSpPr>
+        <p:spPr>
+          <a:xfrm>
+            <a:off x="767397" y="4364104"/>
+            <a:ext cx="10484937" cy="837473"/>
+          </a:xfrm>
+          <a:prstGeom prst="rect">
+            <a:avLst/>
+          </a:prstGeom>
+          <a:solidFill>
+            <a:schemeClr val="bg1">
+              <a:lumMod val="95000"/>
+            </a:schemeClr>
+          </a:solidFill>
+          <a:ln w="3175">
+            <a:solidFill>
+              <a:schemeClr val="bg1">
+                <a:lumMod val="85000"/>
+              </a:schemeClr>
+            </a:solidFill>
+          </a:ln>
+        </p:spPr>
+        <p:style>
+          <a:lnRef idx="2">
+            <a:schemeClr val="accent1">
+              <a:shade val="50000"/>
+            </a:schemeClr>
+          </a:lnRef>
+          <a:fillRef idx="1">
+            <a:schemeClr val="accent1"/>
+          </a:fillRef>
+          <a:effectRef idx="0">
+            <a:schemeClr val="accent1"/>
+          </a:effectRef>
+          <a:fontRef idx="minor">
+            <a:schemeClr val="lt1"/>
+          </a:fontRef>
+        </p:style>
+        <p:txBody>
+          <a:bodyPr rtlCol="0" anchor="ctr"/>
+          <a:lstStyle/>
+          <a:p>
+            <a:pPr lvl="1"/>
+            <a:r>
+              <a:rPr lang="en-US" dirty="0">
+                <a:solidFill>
+                  <a:schemeClr val="accent1"/>
+                </a:solidFill>
+              </a:rPr>
+              <a:t>animation-iteration-count: 5;</a:t>
+            </a:r>
+            <a:r>
+              <a:rPr lang="en-US" dirty="0">
+                <a:solidFill>
+                  <a:schemeClr val="bg1">
+                    <a:lumMod val="65000"/>
+                  </a:schemeClr>
+                </a:solidFill>
+              </a:rPr>
+              <a:t>                       /* animation loops 5 times */</a:t>
+            </a:r>
+          </a:p>
+          <a:p>
+            <a:pPr lvl="1"/>
+            <a:r>
+              <a:rPr lang="en-US" dirty="0">
+                <a:solidFill>
+                  <a:schemeClr val="accent1"/>
+                </a:solidFill>
+              </a:rPr>
+              <a:t>animation-iteration-count: infinite;</a:t>
+            </a:r>
+            <a:r>
+              <a:rPr lang="en-US" dirty="0">
+                <a:solidFill>
+                  <a:schemeClr val="bg1">
+                    <a:lumMod val="65000"/>
+                  </a:schemeClr>
+                </a:solidFill>
+              </a:rPr>
+              <a:t>             /* animation loops forever */</a:t>
+            </a:r>
+          </a:p>
+        </p:txBody>
+      </p:sp>
+    </p:spTree>
+    <p:extLst>
+      <p:ext uri="{BB962C8B-B14F-4D97-AF65-F5344CB8AC3E}">
+        <p14:creationId xmlns:p14="http://schemas.microsoft.com/office/powerpoint/2010/main" val="3185591247"/>
+      </p:ext>
+    </p:extLst>
+  </p:cSld>
+  <p:clrMapOvr>
+    <a:masterClrMapping/>
+  </p:clrMapOvr>
+</p:sld>
+</file>
+
+<file path=ppt/slides/slide21.xml><?xml version="1.0" encoding="utf-8"?>
+<p:sld xmlns:a="http://schemas.openxmlformats.org/drawingml/2006/main" xmlns:r="http://schemas.openxmlformats.org/officeDocument/2006/relationships" xmlns:p="http://schemas.openxmlformats.org/presentationml/2006/main">
+  <p:cSld>
+    <p:bg>
+      <p:bgPr>
+        <a:solidFill>
+          <a:schemeClr val="bg2"/>
+        </a:solidFill>
+        <a:effectLst/>
+      </p:bgPr>
+    </p:bg>
+    <p:spTree>
+      <p:nvGrpSpPr>
+        <p:cNvPr id="1" name=""/>
+        <p:cNvGrpSpPr/>
+        <p:nvPr/>
+      </p:nvGrpSpPr>
+      <p:grpSpPr>
+        <a:xfrm>
+          <a:off x="0" y="0"/>
+          <a:ext cx="0" cy="0"/>
+          <a:chOff x="0" y="0"/>
+          <a:chExt cx="0" cy="0"/>
+        </a:xfrm>
+      </p:grpSpPr>
+      <p:sp>
+        <p:nvSpPr>
+          <p:cNvPr id="4" name="Rectangle 3">
+            <a:extLst>
+              <a:ext uri="{FF2B5EF4-FFF2-40B4-BE49-F238E27FC236}">
+                <a16:creationId xmlns:a16="http://schemas.microsoft.com/office/drawing/2014/main" id="{678F1DA2-2833-49FF-9287-44720AC6C8D2}"/>
+              </a:ext>
+            </a:extLst>
+          </p:cNvPr>
+          <p:cNvSpPr/>
+          <p:nvPr/>
+        </p:nvSpPr>
+        <p:spPr>
+          <a:xfrm>
+            <a:off x="0" y="6581001"/>
+            <a:ext cx="9976268" cy="276999"/>
+          </a:xfrm>
+          <a:prstGeom prst="rect">
+            <a:avLst/>
+          </a:prstGeom>
+          <a:solidFill>
+            <a:srgbClr val="92D050"/>
+          </a:solidFill>
+          <a:ln>
+            <a:noFill/>
+          </a:ln>
+        </p:spPr>
+        <p:style>
+          <a:lnRef idx="2">
+            <a:schemeClr val="accent1">
+              <a:shade val="50000"/>
+            </a:schemeClr>
+          </a:lnRef>
+          <a:fillRef idx="1">
+            <a:schemeClr val="accent1"/>
+          </a:fillRef>
+          <a:effectRef idx="0">
+            <a:schemeClr val="accent1"/>
+          </a:effectRef>
+          <a:fontRef idx="minor">
+            <a:schemeClr val="lt1"/>
+          </a:fontRef>
+        </p:style>
+        <p:txBody>
+          <a:bodyPr rtlCol="0" anchor="ctr"/>
+          <a:lstStyle/>
+          <a:p>
+            <a:pPr algn="ctr"/>
+            <a:endParaRPr lang="en-US" dirty="0"/>
+          </a:p>
+        </p:txBody>
+      </p:sp>
+      <p:sp>
+        <p:nvSpPr>
+          <p:cNvPr id="5" name="TextBox 4">
+            <a:extLst>
+              <a:ext uri="{FF2B5EF4-FFF2-40B4-BE49-F238E27FC236}">
+                <a16:creationId xmlns:a16="http://schemas.microsoft.com/office/drawing/2014/main" id="{9758F7A4-2143-4CCD-B8B3-8B4A1461ECF9}"/>
+              </a:ext>
+            </a:extLst>
+          </p:cNvPr>
+          <p:cNvSpPr txBox="1"/>
+          <p:nvPr/>
+        </p:nvSpPr>
+        <p:spPr>
+          <a:xfrm>
+            <a:off x="36674" y="6583215"/>
+            <a:ext cx="2682077" cy="276999"/>
+          </a:xfrm>
+          <a:prstGeom prst="rect">
+            <a:avLst/>
+          </a:prstGeom>
+          <a:noFill/>
+        </p:spPr>
+        <p:txBody>
+          <a:bodyPr wrap="square" rtlCol="0">
+            <a:spAutoFit/>
+          </a:bodyPr>
+          <a:lstStyle/>
+          <a:p>
+            <a:r>
+              <a:rPr lang="en-US" sz="1200" dirty="0">
+                <a:solidFill>
+                  <a:schemeClr val="bg1"/>
+                </a:solidFill>
+              </a:rPr>
+              <a:t>Building Personal Websites</a:t>
+            </a:r>
+          </a:p>
+        </p:txBody>
+      </p:sp>
+      <p:sp>
+        <p:nvSpPr>
+          <p:cNvPr id="6" name="Rectangle 5">
+            <a:extLst>
+              <a:ext uri="{FF2B5EF4-FFF2-40B4-BE49-F238E27FC236}">
+                <a16:creationId xmlns:a16="http://schemas.microsoft.com/office/drawing/2014/main" id="{40845236-8634-4353-BA0D-8817FE36EC7A}"/>
+              </a:ext>
+            </a:extLst>
+          </p:cNvPr>
+          <p:cNvSpPr/>
+          <p:nvPr/>
+        </p:nvSpPr>
+        <p:spPr>
+          <a:xfrm>
+            <a:off x="9921514" y="6581001"/>
+            <a:ext cx="2270485" cy="276999"/>
+          </a:xfrm>
+          <a:prstGeom prst="rect">
+            <a:avLst/>
+          </a:prstGeom>
+          <a:solidFill>
+            <a:srgbClr val="00B0F0"/>
+          </a:solidFill>
+          <a:ln>
+            <a:noFill/>
+          </a:ln>
+        </p:spPr>
+        <p:style>
+          <a:lnRef idx="2">
+            <a:schemeClr val="accent1">
+              <a:shade val="50000"/>
+            </a:schemeClr>
+          </a:lnRef>
+          <a:fillRef idx="1">
+            <a:schemeClr val="accent1"/>
+          </a:fillRef>
+          <a:effectRef idx="0">
+            <a:schemeClr val="accent1"/>
+          </a:effectRef>
+          <a:fontRef idx="minor">
+            <a:schemeClr val="lt1"/>
+          </a:fontRef>
+        </p:style>
+        <p:txBody>
+          <a:bodyPr rtlCol="0" anchor="ctr"/>
+          <a:lstStyle/>
+          <a:p>
+            <a:pPr algn="ctr"/>
+            <a:endParaRPr lang="en-US" dirty="0"/>
+          </a:p>
+        </p:txBody>
+      </p:sp>
+      <p:sp>
+        <p:nvSpPr>
+          <p:cNvPr id="8" name="TextBox 7">
+            <a:extLst>
+              <a:ext uri="{FF2B5EF4-FFF2-40B4-BE49-F238E27FC236}">
+                <a16:creationId xmlns:a16="http://schemas.microsoft.com/office/drawing/2014/main" id="{6403EA4A-E7EB-4525-B0D2-13B3997D5780}"/>
+              </a:ext>
+            </a:extLst>
+          </p:cNvPr>
+          <p:cNvSpPr txBox="1"/>
+          <p:nvPr/>
+        </p:nvSpPr>
+        <p:spPr>
+          <a:xfrm>
+            <a:off x="9958188" y="6578787"/>
+            <a:ext cx="2682077" cy="276999"/>
+          </a:xfrm>
+          <a:prstGeom prst="rect">
+            <a:avLst/>
+          </a:prstGeom>
+          <a:noFill/>
+        </p:spPr>
+        <p:txBody>
+          <a:bodyPr wrap="square" rtlCol="0">
+            <a:spAutoFit/>
+          </a:bodyPr>
+          <a:lstStyle/>
+          <a:p>
+            <a:r>
+              <a:rPr lang="en-US" sz="1200" dirty="0">
+                <a:solidFill>
+                  <a:schemeClr val="bg1"/>
+                </a:solidFill>
+              </a:rPr>
+              <a:t>Lecture 07 | Basic Animations</a:t>
+            </a:r>
+          </a:p>
+        </p:txBody>
+      </p:sp>
+      <p:sp>
+        <p:nvSpPr>
+          <p:cNvPr id="21" name="TextBox 20">
+            <a:extLst>
+              <a:ext uri="{FF2B5EF4-FFF2-40B4-BE49-F238E27FC236}">
+                <a16:creationId xmlns:a16="http://schemas.microsoft.com/office/drawing/2014/main" id="{F2052457-9DCE-43DF-AFE4-1D6148577FC9}"/>
+              </a:ext>
+            </a:extLst>
+          </p:cNvPr>
+          <p:cNvSpPr txBox="1"/>
+          <p:nvPr/>
+        </p:nvSpPr>
+        <p:spPr>
+          <a:xfrm>
+            <a:off x="3435815" y="-7700"/>
+            <a:ext cx="5430254" cy="837473"/>
+          </a:xfrm>
+          <a:prstGeom prst="rect">
+            <a:avLst/>
+          </a:prstGeom>
+          <a:noFill/>
+        </p:spPr>
+        <p:txBody>
+          <a:bodyPr wrap="square" rtlCol="0">
+            <a:spAutoFit/>
+          </a:bodyPr>
+          <a:lstStyle/>
+          <a:p>
+            <a:pPr algn="ctr">
+              <a:lnSpc>
+                <a:spcPct val="150000"/>
+              </a:lnSpc>
+            </a:pPr>
+            <a:r>
+              <a:rPr lang="en-US" sz="3600" dirty="0"/>
+              <a:t>Setting Animations</a:t>
+            </a:r>
+          </a:p>
+        </p:txBody>
+      </p:sp>
+      <p:cxnSp>
+        <p:nvCxnSpPr>
+          <p:cNvPr id="13" name="Straight Connector 12">
+            <a:extLst>
+              <a:ext uri="{FF2B5EF4-FFF2-40B4-BE49-F238E27FC236}">
+                <a16:creationId xmlns:a16="http://schemas.microsoft.com/office/drawing/2014/main" id="{F093F8D7-F748-0B41-9898-7EB6965DF8FA}"/>
+              </a:ext>
+            </a:extLst>
+          </p:cNvPr>
+          <p:cNvCxnSpPr>
+            <a:cxnSpLocks/>
+          </p:cNvCxnSpPr>
+          <p:nvPr/>
+        </p:nvCxnSpPr>
+        <p:spPr>
+          <a:xfrm>
+            <a:off x="5866635" y="827662"/>
+            <a:ext cx="419986" cy="0"/>
+          </a:xfrm>
+          <a:prstGeom prst="line">
+            <a:avLst/>
+          </a:prstGeom>
+          <a:ln w="28575"/>
+        </p:spPr>
+        <p:style>
+          <a:lnRef idx="1">
+            <a:schemeClr val="dk1"/>
+          </a:lnRef>
+          <a:fillRef idx="0">
+            <a:schemeClr val="dk1"/>
+          </a:fillRef>
+          <a:effectRef idx="0">
+            <a:schemeClr val="dk1"/>
+          </a:effectRef>
+          <a:fontRef idx="minor">
+            <a:schemeClr val="tx1"/>
+          </a:fontRef>
+        </p:style>
+      </p:cxnSp>
+      <p:sp>
+        <p:nvSpPr>
+          <p:cNvPr id="11" name="TextBox 10">
+            <a:extLst>
+              <a:ext uri="{FF2B5EF4-FFF2-40B4-BE49-F238E27FC236}">
+                <a16:creationId xmlns:a16="http://schemas.microsoft.com/office/drawing/2014/main" id="{23184FA0-DBEB-BD49-86A1-C061116CB398}"/>
+              </a:ext>
+            </a:extLst>
+          </p:cNvPr>
+          <p:cNvSpPr txBox="1"/>
+          <p:nvPr/>
+        </p:nvSpPr>
+        <p:spPr>
+          <a:xfrm>
+            <a:off x="675524" y="1462970"/>
+            <a:ext cx="9714226" cy="400110"/>
+          </a:xfrm>
+          <a:prstGeom prst="rect">
+            <a:avLst/>
+          </a:prstGeom>
+          <a:noFill/>
+        </p:spPr>
+        <p:txBody>
+          <a:bodyPr wrap="square" rtlCol="0">
+            <a:spAutoFit/>
+          </a:bodyPr>
+          <a:lstStyle/>
+          <a:p>
+            <a:r>
+              <a:rPr lang="en-US" sz="2000" dirty="0"/>
+              <a:t>These two are equivalent.</a:t>
+            </a:r>
+          </a:p>
+        </p:txBody>
+      </p:sp>
+      <p:sp>
+        <p:nvSpPr>
+          <p:cNvPr id="15" name="Rectangle 14">
+            <a:extLst>
+              <a:ext uri="{FF2B5EF4-FFF2-40B4-BE49-F238E27FC236}">
+                <a16:creationId xmlns:a16="http://schemas.microsoft.com/office/drawing/2014/main" id="{18E1F1B5-4B09-824B-9395-44297D8FB124}"/>
+              </a:ext>
+            </a:extLst>
+          </p:cNvPr>
+          <p:cNvSpPr/>
+          <p:nvPr/>
+        </p:nvSpPr>
+        <p:spPr>
+          <a:xfrm>
+            <a:off x="675524" y="1880816"/>
+            <a:ext cx="10605620" cy="2297779"/>
+          </a:xfrm>
+          <a:prstGeom prst="rect">
+            <a:avLst/>
+          </a:prstGeom>
+          <a:solidFill>
+            <a:schemeClr val="bg1">
+              <a:lumMod val="95000"/>
+            </a:schemeClr>
+          </a:solidFill>
+          <a:ln w="3175">
+            <a:solidFill>
+              <a:schemeClr val="bg1">
+                <a:lumMod val="85000"/>
+              </a:schemeClr>
+            </a:solidFill>
+          </a:ln>
+        </p:spPr>
+        <p:style>
+          <a:lnRef idx="2">
+            <a:schemeClr val="accent1">
+              <a:shade val="50000"/>
+            </a:schemeClr>
+          </a:lnRef>
+          <a:fillRef idx="1">
+            <a:schemeClr val="accent1"/>
+          </a:fillRef>
+          <a:effectRef idx="0">
+            <a:schemeClr val="accent1"/>
+          </a:effectRef>
+          <a:fontRef idx="minor">
+            <a:schemeClr val="lt1"/>
+          </a:fontRef>
+        </p:style>
+        <p:txBody>
+          <a:bodyPr rtlCol="0" anchor="ctr"/>
+          <a:lstStyle/>
+          <a:p>
+            <a:pPr lvl="1"/>
+            <a:r>
+              <a:rPr lang="en-US" dirty="0">
+                <a:solidFill>
+                  <a:schemeClr val="tx1"/>
+                </a:solidFill>
+              </a:rPr>
+              <a:t>.</a:t>
+            </a:r>
+            <a:r>
+              <a:rPr lang="en-US" dirty="0" err="1">
+                <a:solidFill>
+                  <a:schemeClr val="accent2"/>
+                </a:solidFill>
+              </a:rPr>
+              <a:t>css-transition:hover</a:t>
+            </a:r>
+            <a:r>
+              <a:rPr lang="en-US" dirty="0">
+                <a:solidFill>
+                  <a:schemeClr val="accent2"/>
+                </a:solidFill>
+              </a:rPr>
+              <a:t> </a:t>
+            </a:r>
+            <a:r>
+              <a:rPr lang="en-US" dirty="0">
+                <a:solidFill>
+                  <a:schemeClr val="tx1"/>
+                </a:solidFill>
+              </a:rPr>
+              <a:t>{</a:t>
+            </a:r>
+          </a:p>
+          <a:p>
+            <a:pPr lvl="1"/>
+            <a:r>
+              <a:rPr lang="en-US" dirty="0">
+                <a:solidFill>
+                  <a:schemeClr val="tx1"/>
+                </a:solidFill>
+              </a:rPr>
+              <a:t>	</a:t>
+            </a:r>
+            <a:r>
+              <a:rPr lang="en-US" dirty="0">
+                <a:solidFill>
+                  <a:srgbClr val="FF0000"/>
+                </a:solidFill>
+              </a:rPr>
+              <a:t>animation-name: </a:t>
+            </a:r>
+            <a:r>
+              <a:rPr lang="en-US" dirty="0">
+                <a:solidFill>
+                  <a:schemeClr val="accent1"/>
+                </a:solidFill>
+              </a:rPr>
+              <a:t>name;</a:t>
+            </a:r>
+          </a:p>
+          <a:p>
+            <a:pPr lvl="1"/>
+            <a:r>
+              <a:rPr lang="en-US" dirty="0">
+                <a:solidFill>
+                  <a:schemeClr val="accent1"/>
+                </a:solidFill>
+              </a:rPr>
+              <a:t>	</a:t>
+            </a:r>
+            <a:r>
+              <a:rPr lang="en-US" dirty="0">
+                <a:solidFill>
+                  <a:srgbClr val="FF0000"/>
+                </a:solidFill>
+              </a:rPr>
+              <a:t>animation-duration: </a:t>
+            </a:r>
+            <a:r>
+              <a:rPr lang="en-US" dirty="0">
+                <a:solidFill>
+                  <a:schemeClr val="accent1"/>
+                </a:solidFill>
+              </a:rPr>
+              <a:t>5s;</a:t>
+            </a:r>
+            <a:endParaRPr lang="en-US" dirty="0">
+              <a:solidFill>
+                <a:schemeClr val="tx1"/>
+              </a:solidFill>
+            </a:endParaRPr>
+          </a:p>
+          <a:p>
+            <a:pPr lvl="1"/>
+            <a:r>
+              <a:rPr lang="en-US" dirty="0">
+                <a:solidFill>
+                  <a:schemeClr val="tx1"/>
+                </a:solidFill>
+              </a:rPr>
+              <a:t>	</a:t>
+            </a:r>
+            <a:r>
+              <a:rPr lang="en-US" dirty="0">
+                <a:solidFill>
+                  <a:srgbClr val="FF0000"/>
+                </a:solidFill>
+              </a:rPr>
+              <a:t>animation-timing-function:</a:t>
+            </a:r>
+            <a:r>
+              <a:rPr lang="en-US" dirty="0">
+                <a:solidFill>
+                  <a:schemeClr val="accent1"/>
+                </a:solidFill>
+              </a:rPr>
+              <a:t> linear;</a:t>
+            </a:r>
+            <a:endParaRPr lang="en-US" dirty="0">
+              <a:solidFill>
+                <a:schemeClr val="tx1"/>
+              </a:solidFill>
+            </a:endParaRPr>
+          </a:p>
+          <a:p>
+            <a:pPr lvl="1"/>
+            <a:r>
+              <a:rPr lang="en-US" dirty="0">
+                <a:solidFill>
+                  <a:schemeClr val="accent1"/>
+                </a:solidFill>
+              </a:rPr>
+              <a:t>	</a:t>
+            </a:r>
+            <a:r>
+              <a:rPr lang="en-US" dirty="0">
+                <a:solidFill>
+                  <a:srgbClr val="FF0000"/>
+                </a:solidFill>
+              </a:rPr>
+              <a:t>animation-delay: </a:t>
+            </a:r>
+            <a:r>
+              <a:rPr lang="en-US" dirty="0">
+                <a:solidFill>
+                  <a:schemeClr val="accent1"/>
+                </a:solidFill>
+              </a:rPr>
+              <a:t>1s;</a:t>
+            </a:r>
+            <a:endParaRPr lang="en-US" dirty="0">
+              <a:solidFill>
+                <a:schemeClr val="tx1"/>
+              </a:solidFill>
+            </a:endParaRPr>
+          </a:p>
+          <a:p>
+            <a:pPr lvl="1"/>
+            <a:r>
+              <a:rPr lang="en-US" dirty="0">
+                <a:solidFill>
+                  <a:schemeClr val="accent1"/>
+                </a:solidFill>
+              </a:rPr>
+              <a:t>	</a:t>
+            </a:r>
+            <a:r>
+              <a:rPr lang="en-US" dirty="0">
+                <a:solidFill>
+                  <a:srgbClr val="FF0000"/>
+                </a:solidFill>
+              </a:rPr>
+              <a:t>animation-iteration-count:</a:t>
+            </a:r>
+            <a:r>
+              <a:rPr lang="en-US" dirty="0">
+                <a:solidFill>
+                  <a:schemeClr val="accent1"/>
+                </a:solidFill>
+              </a:rPr>
+              <a:t> infinite; </a:t>
+            </a:r>
+          </a:p>
+          <a:p>
+            <a:pPr lvl="1"/>
+            <a:r>
+              <a:rPr lang="en-US" dirty="0">
+                <a:solidFill>
+                  <a:srgbClr val="FF0000"/>
+                </a:solidFill>
+              </a:rPr>
+              <a:t>	animation-direction:</a:t>
+            </a:r>
+            <a:r>
+              <a:rPr lang="en-US" dirty="0">
+                <a:solidFill>
+                  <a:schemeClr val="accent1"/>
+                </a:solidFill>
+              </a:rPr>
+              <a:t> alternate; </a:t>
+            </a:r>
+            <a:r>
+              <a:rPr lang="en-US" dirty="0">
+                <a:solidFill>
+                  <a:schemeClr val="tx1"/>
+                </a:solidFill>
+              </a:rPr>
+              <a:t>}</a:t>
+            </a:r>
+          </a:p>
+        </p:txBody>
+      </p:sp>
+      <p:sp>
+        <p:nvSpPr>
+          <p:cNvPr id="16" name="Rectangle 15">
+            <a:extLst>
+              <a:ext uri="{FF2B5EF4-FFF2-40B4-BE49-F238E27FC236}">
+                <a16:creationId xmlns:a16="http://schemas.microsoft.com/office/drawing/2014/main" id="{7AEC69EC-BC50-1245-BCE0-5B7692694489}"/>
+              </a:ext>
+            </a:extLst>
+          </p:cNvPr>
+          <p:cNvSpPr/>
+          <p:nvPr/>
+        </p:nvSpPr>
+        <p:spPr>
+          <a:xfrm>
+            <a:off x="675524" y="4319731"/>
+            <a:ext cx="10605620" cy="1075299"/>
+          </a:xfrm>
+          <a:prstGeom prst="rect">
+            <a:avLst/>
+          </a:prstGeom>
+          <a:solidFill>
+            <a:schemeClr val="bg1">
+              <a:lumMod val="95000"/>
+            </a:schemeClr>
+          </a:solidFill>
+          <a:ln w="3175">
+            <a:solidFill>
+              <a:schemeClr val="bg1">
+                <a:lumMod val="85000"/>
+              </a:schemeClr>
+            </a:solidFill>
+          </a:ln>
+        </p:spPr>
+        <p:style>
+          <a:lnRef idx="2">
+            <a:schemeClr val="accent1">
+              <a:shade val="50000"/>
+            </a:schemeClr>
+          </a:lnRef>
+          <a:fillRef idx="1">
+            <a:schemeClr val="accent1"/>
+          </a:fillRef>
+          <a:effectRef idx="0">
+            <a:schemeClr val="accent1"/>
+          </a:effectRef>
+          <a:fontRef idx="minor">
+            <a:schemeClr val="lt1"/>
+          </a:fontRef>
+        </p:style>
+        <p:txBody>
+          <a:bodyPr rtlCol="0" anchor="ctr"/>
+          <a:lstStyle/>
+          <a:p>
+            <a:pPr lvl="1"/>
+            <a:r>
+              <a:rPr lang="en-US" dirty="0">
+                <a:solidFill>
+                  <a:schemeClr val="tx1"/>
+                </a:solidFill>
+              </a:rPr>
+              <a:t>.</a:t>
+            </a:r>
+            <a:r>
+              <a:rPr lang="en-US" dirty="0" err="1">
+                <a:solidFill>
+                  <a:schemeClr val="accent2"/>
+                </a:solidFill>
+              </a:rPr>
+              <a:t>css-transition:hover</a:t>
+            </a:r>
+            <a:r>
+              <a:rPr lang="en-US" dirty="0">
+                <a:solidFill>
+                  <a:schemeClr val="accent2"/>
+                </a:solidFill>
+              </a:rPr>
+              <a:t> </a:t>
+            </a:r>
+            <a:r>
+              <a:rPr lang="en-US" dirty="0">
+                <a:solidFill>
+                  <a:schemeClr val="tx1"/>
+                </a:solidFill>
+              </a:rPr>
+              <a:t>{</a:t>
+            </a:r>
+          </a:p>
+          <a:p>
+            <a:pPr lvl="1"/>
+            <a:r>
+              <a:rPr lang="en-US" dirty="0">
+                <a:solidFill>
+                  <a:schemeClr val="tx1"/>
+                </a:solidFill>
+              </a:rPr>
+              <a:t>	</a:t>
+            </a:r>
+            <a:r>
+              <a:rPr lang="en-US" dirty="0">
+                <a:solidFill>
+                  <a:srgbClr val="FF0000"/>
+                </a:solidFill>
+              </a:rPr>
+              <a:t>animation: </a:t>
+            </a:r>
+            <a:r>
+              <a:rPr lang="en-US" dirty="0">
+                <a:solidFill>
+                  <a:schemeClr val="accent1"/>
+                </a:solidFill>
+              </a:rPr>
+              <a:t>name 5s linear 1s infinite alternate; </a:t>
+            </a:r>
+            <a:r>
+              <a:rPr lang="en-US" dirty="0">
+                <a:solidFill>
+                  <a:schemeClr val="tx1"/>
+                </a:solidFill>
+              </a:rPr>
+              <a:t>}</a:t>
+            </a:r>
+          </a:p>
+        </p:txBody>
+      </p:sp>
+    </p:spTree>
+    <p:extLst>
+      <p:ext uri="{BB962C8B-B14F-4D97-AF65-F5344CB8AC3E}">
+        <p14:creationId xmlns:p14="http://schemas.microsoft.com/office/powerpoint/2010/main" val="1948497508"/>
+      </p:ext>
+    </p:extLst>
+  </p:cSld>
+  <p:clrMapOvr>
+    <a:masterClrMapping/>
+  </p:clrMapOvr>
+</p:sld>
+</file>
+
+<file path=ppt/slides/slide22.xml><?xml version="1.0" encoding="utf-8"?>
+<p:sld xmlns:a="http://schemas.openxmlformats.org/drawingml/2006/main" xmlns:r="http://schemas.openxmlformats.org/officeDocument/2006/relationships" xmlns:p="http://schemas.openxmlformats.org/presentationml/2006/main">
+  <p:cSld>
+    <p:bg>
+      <p:bgPr>
+        <a:solidFill>
+          <a:schemeClr val="bg2"/>
+        </a:solidFill>
+        <a:effectLst/>
+      </p:bgPr>
+    </p:bg>
+    <p:spTree>
+      <p:nvGrpSpPr>
+        <p:cNvPr id="1" name=""/>
+        <p:cNvGrpSpPr/>
+        <p:nvPr/>
+      </p:nvGrpSpPr>
+      <p:grpSpPr>
+        <a:xfrm>
+          <a:off x="0" y="0"/>
+          <a:ext cx="0" cy="0"/>
+          <a:chOff x="0" y="0"/>
+          <a:chExt cx="0" cy="0"/>
+        </a:xfrm>
+      </p:grpSpPr>
+      <p:sp>
+        <p:nvSpPr>
+          <p:cNvPr id="4" name="Rectangle 3">
+            <a:extLst>
+              <a:ext uri="{FF2B5EF4-FFF2-40B4-BE49-F238E27FC236}">
+                <a16:creationId xmlns:a16="http://schemas.microsoft.com/office/drawing/2014/main" id="{678F1DA2-2833-49FF-9287-44720AC6C8D2}"/>
+              </a:ext>
+            </a:extLst>
+          </p:cNvPr>
+          <p:cNvSpPr/>
+          <p:nvPr/>
+        </p:nvSpPr>
+        <p:spPr>
+          <a:xfrm>
+            <a:off x="0" y="6581001"/>
+            <a:ext cx="9976268" cy="276999"/>
+          </a:xfrm>
+          <a:prstGeom prst="rect">
+            <a:avLst/>
+          </a:prstGeom>
+          <a:solidFill>
+            <a:srgbClr val="92D050"/>
+          </a:solidFill>
+          <a:ln>
+            <a:noFill/>
+          </a:ln>
+        </p:spPr>
+        <p:style>
+          <a:lnRef idx="2">
+            <a:schemeClr val="accent1">
+              <a:shade val="50000"/>
+            </a:schemeClr>
+          </a:lnRef>
+          <a:fillRef idx="1">
+            <a:schemeClr val="accent1"/>
+          </a:fillRef>
+          <a:effectRef idx="0">
+            <a:schemeClr val="accent1"/>
+          </a:effectRef>
+          <a:fontRef idx="minor">
+            <a:schemeClr val="lt1"/>
+          </a:fontRef>
+        </p:style>
+        <p:txBody>
+          <a:bodyPr rtlCol="0" anchor="ctr"/>
+          <a:lstStyle/>
+          <a:p>
+            <a:pPr algn="ctr"/>
+            <a:endParaRPr lang="en-US" dirty="0"/>
+          </a:p>
+        </p:txBody>
+      </p:sp>
+      <p:sp>
+        <p:nvSpPr>
+          <p:cNvPr id="5" name="TextBox 4">
+            <a:extLst>
+              <a:ext uri="{FF2B5EF4-FFF2-40B4-BE49-F238E27FC236}">
+                <a16:creationId xmlns:a16="http://schemas.microsoft.com/office/drawing/2014/main" id="{9758F7A4-2143-4CCD-B8B3-8B4A1461ECF9}"/>
+              </a:ext>
+            </a:extLst>
+          </p:cNvPr>
+          <p:cNvSpPr txBox="1"/>
+          <p:nvPr/>
+        </p:nvSpPr>
+        <p:spPr>
+          <a:xfrm>
+            <a:off x="36674" y="6583215"/>
+            <a:ext cx="2682077" cy="276999"/>
+          </a:xfrm>
+          <a:prstGeom prst="rect">
+            <a:avLst/>
+          </a:prstGeom>
+          <a:noFill/>
+        </p:spPr>
+        <p:txBody>
+          <a:bodyPr wrap="square" rtlCol="0">
+            <a:spAutoFit/>
+          </a:bodyPr>
+          <a:lstStyle/>
+          <a:p>
+            <a:r>
+              <a:rPr lang="en-US" sz="1200" dirty="0">
+                <a:solidFill>
+                  <a:schemeClr val="bg1"/>
+                </a:solidFill>
+              </a:rPr>
+              <a:t>Building Personal Websites</a:t>
+            </a:r>
+          </a:p>
+        </p:txBody>
+      </p:sp>
+      <p:sp>
+        <p:nvSpPr>
+          <p:cNvPr id="6" name="Rectangle 5">
+            <a:extLst>
+              <a:ext uri="{FF2B5EF4-FFF2-40B4-BE49-F238E27FC236}">
+                <a16:creationId xmlns:a16="http://schemas.microsoft.com/office/drawing/2014/main" id="{40845236-8634-4353-BA0D-8817FE36EC7A}"/>
+              </a:ext>
+            </a:extLst>
+          </p:cNvPr>
+          <p:cNvSpPr/>
+          <p:nvPr/>
+        </p:nvSpPr>
+        <p:spPr>
+          <a:xfrm>
+            <a:off x="9921514" y="6581001"/>
+            <a:ext cx="2270485" cy="276999"/>
+          </a:xfrm>
+          <a:prstGeom prst="rect">
+            <a:avLst/>
+          </a:prstGeom>
+          <a:solidFill>
+            <a:srgbClr val="00B0F0"/>
+          </a:solidFill>
+          <a:ln>
+            <a:noFill/>
+          </a:ln>
+        </p:spPr>
+        <p:style>
+          <a:lnRef idx="2">
+            <a:schemeClr val="accent1">
+              <a:shade val="50000"/>
+            </a:schemeClr>
+          </a:lnRef>
+          <a:fillRef idx="1">
+            <a:schemeClr val="accent1"/>
+          </a:fillRef>
+          <a:effectRef idx="0">
+            <a:schemeClr val="accent1"/>
+          </a:effectRef>
+          <a:fontRef idx="minor">
+            <a:schemeClr val="lt1"/>
+          </a:fontRef>
+        </p:style>
+        <p:txBody>
+          <a:bodyPr rtlCol="0" anchor="ctr"/>
+          <a:lstStyle/>
+          <a:p>
+            <a:pPr algn="ctr"/>
+            <a:endParaRPr lang="en-US" dirty="0"/>
+          </a:p>
+        </p:txBody>
+      </p:sp>
+      <p:sp>
+        <p:nvSpPr>
+          <p:cNvPr id="8" name="TextBox 7">
+            <a:extLst>
+              <a:ext uri="{FF2B5EF4-FFF2-40B4-BE49-F238E27FC236}">
+                <a16:creationId xmlns:a16="http://schemas.microsoft.com/office/drawing/2014/main" id="{6403EA4A-E7EB-4525-B0D2-13B3997D5780}"/>
+              </a:ext>
+            </a:extLst>
+          </p:cNvPr>
+          <p:cNvSpPr txBox="1"/>
+          <p:nvPr/>
+        </p:nvSpPr>
+        <p:spPr>
+          <a:xfrm>
+            <a:off x="9958188" y="6578787"/>
+            <a:ext cx="2682077" cy="276999"/>
+          </a:xfrm>
+          <a:prstGeom prst="rect">
+            <a:avLst/>
+          </a:prstGeom>
+          <a:noFill/>
+        </p:spPr>
+        <p:txBody>
+          <a:bodyPr wrap="square" rtlCol="0">
+            <a:spAutoFit/>
+          </a:bodyPr>
+          <a:lstStyle/>
+          <a:p>
+            <a:r>
+              <a:rPr lang="en-US" sz="1200" dirty="0">
+                <a:solidFill>
+                  <a:schemeClr val="bg1"/>
+                </a:solidFill>
+              </a:rPr>
+              <a:t>Lecture 07 | Basic Animations</a:t>
+            </a:r>
+          </a:p>
+        </p:txBody>
+      </p:sp>
+      <p:sp>
+        <p:nvSpPr>
+          <p:cNvPr id="21" name="TextBox 20">
+            <a:extLst>
+              <a:ext uri="{FF2B5EF4-FFF2-40B4-BE49-F238E27FC236}">
+                <a16:creationId xmlns:a16="http://schemas.microsoft.com/office/drawing/2014/main" id="{F2052457-9DCE-43DF-AFE4-1D6148577FC9}"/>
+              </a:ext>
+            </a:extLst>
+          </p:cNvPr>
+          <p:cNvSpPr txBox="1"/>
+          <p:nvPr/>
+        </p:nvSpPr>
+        <p:spPr>
+          <a:xfrm>
+            <a:off x="3435815" y="-7700"/>
+            <a:ext cx="5430254" cy="837473"/>
+          </a:xfrm>
+          <a:prstGeom prst="rect">
+            <a:avLst/>
+          </a:prstGeom>
+          <a:noFill/>
+        </p:spPr>
+        <p:txBody>
+          <a:bodyPr wrap="square" rtlCol="0">
+            <a:spAutoFit/>
+          </a:bodyPr>
+          <a:lstStyle/>
+          <a:p>
+            <a:pPr algn="ctr">
+              <a:lnSpc>
+                <a:spcPct val="150000"/>
+              </a:lnSpc>
+            </a:pPr>
+            <a:r>
+              <a:rPr lang="en-US" sz="3600" dirty="0"/>
+              <a:t>Setting Animations</a:t>
+            </a:r>
+          </a:p>
+        </p:txBody>
+      </p:sp>
+      <p:cxnSp>
+        <p:nvCxnSpPr>
+          <p:cNvPr id="13" name="Straight Connector 12">
+            <a:extLst>
+              <a:ext uri="{FF2B5EF4-FFF2-40B4-BE49-F238E27FC236}">
+                <a16:creationId xmlns:a16="http://schemas.microsoft.com/office/drawing/2014/main" id="{F093F8D7-F748-0B41-9898-7EB6965DF8FA}"/>
+              </a:ext>
+            </a:extLst>
+          </p:cNvPr>
+          <p:cNvCxnSpPr>
+            <a:cxnSpLocks/>
+          </p:cNvCxnSpPr>
+          <p:nvPr/>
+        </p:nvCxnSpPr>
+        <p:spPr>
+          <a:xfrm>
+            <a:off x="5866635" y="827662"/>
+            <a:ext cx="419986" cy="0"/>
+          </a:xfrm>
+          <a:prstGeom prst="line">
+            <a:avLst/>
+          </a:prstGeom>
+          <a:ln w="28575"/>
+        </p:spPr>
+        <p:style>
+          <a:lnRef idx="1">
+            <a:schemeClr val="dk1"/>
+          </a:lnRef>
+          <a:fillRef idx="0">
+            <a:schemeClr val="dk1"/>
+          </a:fillRef>
+          <a:effectRef idx="0">
+            <a:schemeClr val="dk1"/>
+          </a:effectRef>
+          <a:fontRef idx="minor">
+            <a:schemeClr val="tx1"/>
+          </a:fontRef>
+        </p:style>
+      </p:cxnSp>
+      <p:sp>
+        <p:nvSpPr>
+          <p:cNvPr id="11" name="TextBox 10">
+            <a:extLst>
+              <a:ext uri="{FF2B5EF4-FFF2-40B4-BE49-F238E27FC236}">
+                <a16:creationId xmlns:a16="http://schemas.microsoft.com/office/drawing/2014/main" id="{23184FA0-DBEB-BD49-86A1-C061116CB398}"/>
+              </a:ext>
+            </a:extLst>
+          </p:cNvPr>
+          <p:cNvSpPr txBox="1"/>
+          <p:nvPr/>
+        </p:nvSpPr>
+        <p:spPr>
+          <a:xfrm>
+            <a:off x="675524" y="1462970"/>
+            <a:ext cx="9714226" cy="400110"/>
+          </a:xfrm>
+          <a:prstGeom prst="rect">
+            <a:avLst/>
+          </a:prstGeom>
+          <a:noFill/>
+        </p:spPr>
+        <p:txBody>
+          <a:bodyPr wrap="square" rtlCol="0">
+            <a:spAutoFit/>
+          </a:bodyPr>
+          <a:lstStyle/>
+          <a:p>
+            <a:r>
+              <a:rPr lang="en-US" sz="2000" dirty="0"/>
+              <a:t>What’s the issue with this?</a:t>
+            </a:r>
+          </a:p>
+        </p:txBody>
+      </p:sp>
+      <p:sp>
+        <p:nvSpPr>
+          <p:cNvPr id="16" name="Rectangle 15">
+            <a:extLst>
+              <a:ext uri="{FF2B5EF4-FFF2-40B4-BE49-F238E27FC236}">
+                <a16:creationId xmlns:a16="http://schemas.microsoft.com/office/drawing/2014/main" id="{7AEC69EC-BC50-1245-BCE0-5B7692694489}"/>
+              </a:ext>
+            </a:extLst>
+          </p:cNvPr>
+          <p:cNvSpPr/>
+          <p:nvPr/>
+        </p:nvSpPr>
+        <p:spPr>
+          <a:xfrm>
+            <a:off x="675524" y="1863080"/>
+            <a:ext cx="10605620" cy="3030278"/>
+          </a:xfrm>
+          <a:prstGeom prst="rect">
+            <a:avLst/>
+          </a:prstGeom>
+          <a:solidFill>
+            <a:schemeClr val="bg1">
+              <a:lumMod val="95000"/>
+            </a:schemeClr>
+          </a:solidFill>
+          <a:ln w="3175">
+            <a:solidFill>
+              <a:schemeClr val="bg1">
+                <a:lumMod val="85000"/>
+              </a:schemeClr>
+            </a:solidFill>
+          </a:ln>
+        </p:spPr>
+        <p:style>
+          <a:lnRef idx="2">
+            <a:schemeClr val="accent1">
+              <a:shade val="50000"/>
+            </a:schemeClr>
+          </a:lnRef>
+          <a:fillRef idx="1">
+            <a:schemeClr val="accent1"/>
+          </a:fillRef>
+          <a:effectRef idx="0">
+            <a:schemeClr val="accent1"/>
+          </a:effectRef>
+          <a:fontRef idx="minor">
+            <a:schemeClr val="lt1"/>
+          </a:fontRef>
+        </p:style>
+        <p:txBody>
+          <a:bodyPr rtlCol="0" anchor="ctr"/>
+          <a:lstStyle/>
+          <a:p>
+            <a:pPr lvl="1"/>
+            <a:r>
+              <a:rPr lang="en-US" dirty="0">
+                <a:solidFill>
+                  <a:schemeClr val="accent2"/>
+                </a:solidFill>
+              </a:rPr>
+              <a:t>@keyframes cycle </a:t>
+            </a:r>
+            <a:r>
+              <a:rPr lang="en-US" dirty="0">
+                <a:solidFill>
+                  <a:schemeClr val="tx1"/>
+                </a:solidFill>
+              </a:rPr>
+              <a:t>{</a:t>
+            </a:r>
+          </a:p>
+          <a:p>
+            <a:pPr lvl="1"/>
+            <a:r>
+              <a:rPr lang="en-US" dirty="0">
+                <a:solidFill>
+                  <a:schemeClr val="accent1"/>
+                </a:solidFill>
+              </a:rPr>
+              <a:t>	0% {left: 10px;}</a:t>
+            </a:r>
+          </a:p>
+          <a:p>
+            <a:pPr lvl="1"/>
+            <a:r>
+              <a:rPr lang="en-US" dirty="0">
+                <a:solidFill>
+                  <a:schemeClr val="accent1"/>
+                </a:solidFill>
+              </a:rPr>
+              <a:t>	50% {left: 70px;}</a:t>
+            </a:r>
+          </a:p>
+          <a:p>
+            <a:pPr lvl="1"/>
+            <a:r>
+              <a:rPr lang="en-US" dirty="0">
+                <a:solidFill>
+                  <a:schemeClr val="accent1"/>
+                </a:solidFill>
+              </a:rPr>
+              <a:t>	100% {left: 50px;} </a:t>
+            </a:r>
+            <a:r>
+              <a:rPr lang="en-US" dirty="0">
+                <a:solidFill>
+                  <a:schemeClr val="tx1"/>
+                </a:solidFill>
+              </a:rPr>
+              <a:t>}</a:t>
+            </a:r>
+          </a:p>
+          <a:p>
+            <a:pPr lvl="1"/>
+            <a:endParaRPr lang="en-US" dirty="0">
+              <a:solidFill>
+                <a:schemeClr val="accent2"/>
+              </a:solidFill>
+            </a:endParaRPr>
+          </a:p>
+          <a:p>
+            <a:pPr lvl="1"/>
+            <a:r>
+              <a:rPr lang="en-US" dirty="0">
+                <a:solidFill>
+                  <a:schemeClr val="accent2"/>
+                </a:solidFill>
+              </a:rPr>
+              <a:t>.</a:t>
+            </a:r>
+            <a:r>
+              <a:rPr lang="en-US" dirty="0" err="1">
+                <a:solidFill>
+                  <a:schemeClr val="accent2"/>
+                </a:solidFill>
+              </a:rPr>
+              <a:t>css</a:t>
+            </a:r>
+            <a:r>
+              <a:rPr lang="en-US" dirty="0">
+                <a:solidFill>
+                  <a:schemeClr val="accent2"/>
+                </a:solidFill>
+              </a:rPr>
+              <a:t>-transition</a:t>
+            </a:r>
+            <a:r>
+              <a:rPr lang="en-US" dirty="0">
+                <a:solidFill>
+                  <a:schemeClr val="tx1"/>
+                </a:solidFill>
+              </a:rPr>
+              <a:t> {</a:t>
+            </a:r>
+          </a:p>
+          <a:p>
+            <a:pPr lvl="1"/>
+            <a:r>
+              <a:rPr lang="en-US" dirty="0">
+                <a:solidFill>
+                  <a:schemeClr val="tx1"/>
+                </a:solidFill>
+              </a:rPr>
+              <a:t>	</a:t>
+            </a:r>
+            <a:r>
+              <a:rPr lang="en-US" dirty="0">
+                <a:solidFill>
+                  <a:schemeClr val="accent1"/>
+                </a:solidFill>
+              </a:rPr>
+              <a:t>left: 0px; </a:t>
+            </a:r>
+            <a:r>
+              <a:rPr lang="en-US" dirty="0">
+                <a:solidFill>
+                  <a:schemeClr val="tx1"/>
+                </a:solidFill>
+              </a:rPr>
+              <a:t>}</a:t>
+            </a:r>
+          </a:p>
+          <a:p>
+            <a:pPr lvl="1"/>
+            <a:endParaRPr lang="en-US" dirty="0">
+              <a:solidFill>
+                <a:schemeClr val="accent2"/>
+              </a:solidFill>
+            </a:endParaRPr>
+          </a:p>
+          <a:p>
+            <a:pPr lvl="1"/>
+            <a:r>
+              <a:rPr lang="en-US" dirty="0">
+                <a:solidFill>
+                  <a:schemeClr val="accent2"/>
+                </a:solidFill>
+              </a:rPr>
+              <a:t>.</a:t>
+            </a:r>
+            <a:r>
+              <a:rPr lang="en-US" dirty="0" err="1">
+                <a:solidFill>
+                  <a:schemeClr val="accent2"/>
+                </a:solidFill>
+              </a:rPr>
+              <a:t>css-transition:hover</a:t>
+            </a:r>
+            <a:r>
+              <a:rPr lang="en-US" dirty="0">
+                <a:solidFill>
+                  <a:schemeClr val="accent2"/>
+                </a:solidFill>
+              </a:rPr>
+              <a:t> </a:t>
+            </a:r>
+            <a:r>
+              <a:rPr lang="en-US" dirty="0">
+                <a:solidFill>
+                  <a:schemeClr val="tx1"/>
+                </a:solidFill>
+              </a:rPr>
+              <a:t>{</a:t>
+            </a:r>
+          </a:p>
+          <a:p>
+            <a:pPr lvl="1"/>
+            <a:r>
+              <a:rPr lang="en-US" dirty="0">
+                <a:solidFill>
+                  <a:schemeClr val="tx1"/>
+                </a:solidFill>
+              </a:rPr>
+              <a:t>	</a:t>
+            </a:r>
+            <a:r>
+              <a:rPr lang="en-US" dirty="0">
+                <a:solidFill>
+                  <a:schemeClr val="accent1"/>
+                </a:solidFill>
+              </a:rPr>
+              <a:t>animation: cycle 2s linear 0s 1 alternate; </a:t>
+            </a:r>
+            <a:r>
+              <a:rPr lang="en-US" dirty="0">
+                <a:solidFill>
+                  <a:schemeClr val="tx1"/>
+                </a:solidFill>
+              </a:rPr>
+              <a:t>}</a:t>
+            </a:r>
+          </a:p>
+        </p:txBody>
+      </p:sp>
+      <p:sp>
+        <p:nvSpPr>
+          <p:cNvPr id="12" name="TextBox 11">
+            <a:extLst>
+              <a:ext uri="{FF2B5EF4-FFF2-40B4-BE49-F238E27FC236}">
+                <a16:creationId xmlns:a16="http://schemas.microsoft.com/office/drawing/2014/main" id="{3AF68357-0A31-F840-912A-4470CE4FB0A3}"/>
+              </a:ext>
+            </a:extLst>
+          </p:cNvPr>
+          <p:cNvSpPr txBox="1"/>
+          <p:nvPr/>
+        </p:nvSpPr>
+        <p:spPr>
+          <a:xfrm>
+            <a:off x="675524" y="5194975"/>
+            <a:ext cx="9714226" cy="400110"/>
+          </a:xfrm>
+          <a:prstGeom prst="rect">
+            <a:avLst/>
+          </a:prstGeom>
+          <a:noFill/>
+        </p:spPr>
+        <p:txBody>
+          <a:bodyPr wrap="square" rtlCol="0">
+            <a:spAutoFit/>
+          </a:bodyPr>
+          <a:lstStyle/>
+          <a:p>
+            <a:r>
+              <a:rPr lang="en-US" sz="2000" dirty="0"/>
+              <a:t>Animation starts by snapping right 10px and ends snapping left 10px. </a:t>
+            </a:r>
+          </a:p>
+        </p:txBody>
+      </p:sp>
+    </p:spTree>
+    <p:extLst>
+      <p:ext uri="{BB962C8B-B14F-4D97-AF65-F5344CB8AC3E}">
+        <p14:creationId xmlns:p14="http://schemas.microsoft.com/office/powerpoint/2010/main" val="2208443121"/>
+      </p:ext>
+    </p:extLst>
+  </p:cSld>
+  <p:clrMapOvr>
+    <a:masterClrMapping/>
+  </p:clrMapOvr>
+  <p:timing>
+    <p:tnLst>
+      <p:par>
+        <p:cTn id="1" dur="indefinite" restart="never" nodeType="tmRoot">
+          <p:childTnLst>
+            <p:seq concurrent="1" nextAc="seek">
+              <p:cTn id="2" dur="indefinite" nodeType="mainSeq">
+                <p:childTnLst>
+                  <p:par>
+                    <p:cTn id="3" fill="hold">
+                      <p:stCondLst>
+                        <p:cond delay="indefinite"/>
+                      </p:stCondLst>
+                      <p:childTnLst>
+                        <p:par>
+                          <p:cTn id="4" fill="hold">
+                            <p:stCondLst>
+                              <p:cond delay="0"/>
+                            </p:stCondLst>
+                            <p:childTnLst>
+                              <p:par>
+                                <p:cTn id="5" presetID="1" presetClass="entr" presetSubtype="0" fill="hold" grpId="0" nodeType="clickEffect">
+                                  <p:stCondLst>
+                                    <p:cond delay="0"/>
+                                  </p:stCondLst>
+                                  <p:childTnLst>
+                                    <p:set>
+                                      <p:cBhvr>
+                                        <p:cTn id="6" dur="1" fill="hold">
+                                          <p:stCondLst>
+                                            <p:cond delay="0"/>
+                                          </p:stCondLst>
+                                        </p:cTn>
+                                        <p:tgtEl>
+                                          <p:spTgt spid="12"/>
+                                        </p:tgtEl>
+                                        <p:attrNameLst>
+                                          <p:attrName>style.visibility</p:attrName>
+                                        </p:attrNameLst>
+                                      </p:cBhvr>
+                                      <p:to>
+                                        <p:strVal val="visible"/>
+                                      </p:to>
+                                    </p:set>
+                                  </p:childTnLst>
+                                </p:cTn>
+                              </p:par>
+                            </p:childTnLst>
+                          </p:cTn>
+                        </p:par>
+                      </p:childTnLst>
+                    </p:cTn>
+                  </p:par>
+                </p:childTnLst>
+              </p:cTn>
+              <p:prevCondLst>
+                <p:cond evt="onPrev" delay="0">
+                  <p:tgtEl>
+                    <p:sldTgt/>
+                  </p:tgtEl>
+                </p:cond>
+              </p:prevCondLst>
+              <p:nextCondLst>
+                <p:cond evt="onNext" delay="0">
+                  <p:tgtEl>
+                    <p:sldTgt/>
+                  </p:tgtEl>
+                </p:cond>
+              </p:nextCondLst>
+            </p:seq>
+          </p:childTnLst>
+        </p:cTn>
+      </p:par>
+    </p:tnLst>
+    <p:bldLst>
+      <p:bldP spid="12" grpId="0"/>
+    </p:bldLst>
+  </p:timing>
+</p:sld>
+</file>
+
+<file path=ppt/slides/slide23.xml><?xml version="1.0" encoding="utf-8"?>
+<p:sld xmlns:a="http://schemas.openxmlformats.org/drawingml/2006/main" xmlns:r="http://schemas.openxmlformats.org/officeDocument/2006/relationships" xmlns:p="http://schemas.openxmlformats.org/presentationml/2006/main">
+  <p:cSld>
+    <p:bg>
+      <p:bgPr>
+        <a:solidFill>
+          <a:schemeClr val="bg2"/>
+        </a:solidFill>
+        <a:effectLst/>
+      </p:bgPr>
+    </p:bg>
+    <p:spTree>
+      <p:nvGrpSpPr>
+        <p:cNvPr id="1" name=""/>
+        <p:cNvGrpSpPr/>
+        <p:nvPr/>
+      </p:nvGrpSpPr>
+      <p:grpSpPr>
+        <a:xfrm>
+          <a:off x="0" y="0"/>
+          <a:ext cx="0" cy="0"/>
+          <a:chOff x="0" y="0"/>
+          <a:chExt cx="0" cy="0"/>
+        </a:xfrm>
+      </p:grpSpPr>
+      <p:sp>
+        <p:nvSpPr>
+          <p:cNvPr id="4" name="Rectangle 3">
+            <a:extLst>
+              <a:ext uri="{FF2B5EF4-FFF2-40B4-BE49-F238E27FC236}">
+                <a16:creationId xmlns:a16="http://schemas.microsoft.com/office/drawing/2014/main" id="{678F1DA2-2833-49FF-9287-44720AC6C8D2}"/>
+              </a:ext>
+            </a:extLst>
+          </p:cNvPr>
+          <p:cNvSpPr/>
+          <p:nvPr/>
+        </p:nvSpPr>
+        <p:spPr>
+          <a:xfrm>
+            <a:off x="0" y="6581001"/>
+            <a:ext cx="9976268" cy="276999"/>
+          </a:xfrm>
+          <a:prstGeom prst="rect">
+            <a:avLst/>
+          </a:prstGeom>
+          <a:solidFill>
+            <a:srgbClr val="92D050"/>
+          </a:solidFill>
+          <a:ln>
+            <a:noFill/>
+          </a:ln>
+        </p:spPr>
+        <p:style>
+          <a:lnRef idx="2">
+            <a:schemeClr val="accent1">
+              <a:shade val="50000"/>
+            </a:schemeClr>
+          </a:lnRef>
+          <a:fillRef idx="1">
+            <a:schemeClr val="accent1"/>
+          </a:fillRef>
+          <a:effectRef idx="0">
+            <a:schemeClr val="accent1"/>
+          </a:effectRef>
+          <a:fontRef idx="minor">
+            <a:schemeClr val="lt1"/>
+          </a:fontRef>
+        </p:style>
+        <p:txBody>
+          <a:bodyPr rtlCol="0" anchor="ctr"/>
+          <a:lstStyle/>
+          <a:p>
+            <a:pPr algn="ctr"/>
+            <a:endParaRPr lang="en-US" dirty="0"/>
+          </a:p>
+        </p:txBody>
+      </p:sp>
+      <p:sp>
+        <p:nvSpPr>
+          <p:cNvPr id="5" name="TextBox 4">
+            <a:extLst>
+              <a:ext uri="{FF2B5EF4-FFF2-40B4-BE49-F238E27FC236}">
+                <a16:creationId xmlns:a16="http://schemas.microsoft.com/office/drawing/2014/main" id="{9758F7A4-2143-4CCD-B8B3-8B4A1461ECF9}"/>
+              </a:ext>
+            </a:extLst>
+          </p:cNvPr>
+          <p:cNvSpPr txBox="1"/>
+          <p:nvPr/>
+        </p:nvSpPr>
+        <p:spPr>
+          <a:xfrm>
+            <a:off x="36674" y="6583215"/>
+            <a:ext cx="2682077" cy="276999"/>
+          </a:xfrm>
+          <a:prstGeom prst="rect">
+            <a:avLst/>
+          </a:prstGeom>
+          <a:noFill/>
+        </p:spPr>
+        <p:txBody>
+          <a:bodyPr wrap="square" rtlCol="0">
+            <a:spAutoFit/>
+          </a:bodyPr>
+          <a:lstStyle/>
+          <a:p>
+            <a:r>
+              <a:rPr lang="en-US" sz="1200" dirty="0">
+                <a:solidFill>
+                  <a:schemeClr val="bg1"/>
+                </a:solidFill>
+              </a:rPr>
+              <a:t>Building Personal Websites</a:t>
+            </a:r>
+          </a:p>
+        </p:txBody>
+      </p:sp>
+      <p:sp>
+        <p:nvSpPr>
+          <p:cNvPr id="6" name="Rectangle 5">
+            <a:extLst>
+              <a:ext uri="{FF2B5EF4-FFF2-40B4-BE49-F238E27FC236}">
+                <a16:creationId xmlns:a16="http://schemas.microsoft.com/office/drawing/2014/main" id="{40845236-8634-4353-BA0D-8817FE36EC7A}"/>
+              </a:ext>
+            </a:extLst>
+          </p:cNvPr>
+          <p:cNvSpPr/>
+          <p:nvPr/>
+        </p:nvSpPr>
+        <p:spPr>
+          <a:xfrm>
+            <a:off x="9921514" y="6581001"/>
+            <a:ext cx="2270485" cy="276999"/>
+          </a:xfrm>
+          <a:prstGeom prst="rect">
+            <a:avLst/>
+          </a:prstGeom>
+          <a:solidFill>
+            <a:srgbClr val="00B0F0"/>
+          </a:solidFill>
+          <a:ln>
+            <a:noFill/>
+          </a:ln>
+        </p:spPr>
+        <p:style>
+          <a:lnRef idx="2">
+            <a:schemeClr val="accent1">
+              <a:shade val="50000"/>
+            </a:schemeClr>
+          </a:lnRef>
+          <a:fillRef idx="1">
+            <a:schemeClr val="accent1"/>
+          </a:fillRef>
+          <a:effectRef idx="0">
+            <a:schemeClr val="accent1"/>
+          </a:effectRef>
+          <a:fontRef idx="minor">
+            <a:schemeClr val="lt1"/>
+          </a:fontRef>
+        </p:style>
+        <p:txBody>
+          <a:bodyPr rtlCol="0" anchor="ctr"/>
+          <a:lstStyle/>
+          <a:p>
+            <a:pPr algn="ctr"/>
+            <a:endParaRPr lang="en-US" dirty="0"/>
+          </a:p>
+        </p:txBody>
+      </p:sp>
+      <p:sp>
+        <p:nvSpPr>
+          <p:cNvPr id="8" name="TextBox 7">
+            <a:extLst>
+              <a:ext uri="{FF2B5EF4-FFF2-40B4-BE49-F238E27FC236}">
+                <a16:creationId xmlns:a16="http://schemas.microsoft.com/office/drawing/2014/main" id="{6403EA4A-E7EB-4525-B0D2-13B3997D5780}"/>
+              </a:ext>
+            </a:extLst>
+          </p:cNvPr>
+          <p:cNvSpPr txBox="1"/>
+          <p:nvPr/>
+        </p:nvSpPr>
+        <p:spPr>
+          <a:xfrm>
+            <a:off x="9958188" y="6578787"/>
+            <a:ext cx="2682077" cy="276999"/>
+          </a:xfrm>
+          <a:prstGeom prst="rect">
+            <a:avLst/>
+          </a:prstGeom>
+          <a:noFill/>
+        </p:spPr>
+        <p:txBody>
+          <a:bodyPr wrap="square" rtlCol="0">
+            <a:spAutoFit/>
+          </a:bodyPr>
+          <a:lstStyle/>
+          <a:p>
+            <a:r>
+              <a:rPr lang="en-US" sz="1200" dirty="0">
+                <a:solidFill>
+                  <a:schemeClr val="bg1"/>
+                </a:solidFill>
+              </a:rPr>
+              <a:t>Lecture 07 | Basic Animations</a:t>
+            </a:r>
+          </a:p>
+        </p:txBody>
+      </p:sp>
+      <p:sp>
+        <p:nvSpPr>
+          <p:cNvPr id="21" name="TextBox 20">
+            <a:extLst>
+              <a:ext uri="{FF2B5EF4-FFF2-40B4-BE49-F238E27FC236}">
+                <a16:creationId xmlns:a16="http://schemas.microsoft.com/office/drawing/2014/main" id="{F2052457-9DCE-43DF-AFE4-1D6148577FC9}"/>
+              </a:ext>
+            </a:extLst>
+          </p:cNvPr>
+          <p:cNvSpPr txBox="1"/>
+          <p:nvPr/>
+        </p:nvSpPr>
+        <p:spPr>
+          <a:xfrm>
+            <a:off x="3435815" y="-7700"/>
+            <a:ext cx="5430254" cy="837473"/>
+          </a:xfrm>
+          <a:prstGeom prst="rect">
+            <a:avLst/>
+          </a:prstGeom>
+          <a:noFill/>
+        </p:spPr>
+        <p:txBody>
+          <a:bodyPr wrap="square" rtlCol="0">
+            <a:spAutoFit/>
+          </a:bodyPr>
+          <a:lstStyle/>
+          <a:p>
+            <a:pPr algn="ctr">
+              <a:lnSpc>
+                <a:spcPct val="150000"/>
+              </a:lnSpc>
+            </a:pPr>
+            <a:r>
+              <a:rPr lang="en-US" sz="3600" dirty="0"/>
+              <a:t>Animation Fill Mode</a:t>
+            </a:r>
+          </a:p>
+        </p:txBody>
+      </p:sp>
+      <p:cxnSp>
+        <p:nvCxnSpPr>
+          <p:cNvPr id="13" name="Straight Connector 12">
+            <a:extLst>
+              <a:ext uri="{FF2B5EF4-FFF2-40B4-BE49-F238E27FC236}">
+                <a16:creationId xmlns:a16="http://schemas.microsoft.com/office/drawing/2014/main" id="{F093F8D7-F748-0B41-9898-7EB6965DF8FA}"/>
+              </a:ext>
+            </a:extLst>
+          </p:cNvPr>
+          <p:cNvCxnSpPr>
+            <a:cxnSpLocks/>
+          </p:cNvCxnSpPr>
+          <p:nvPr/>
+        </p:nvCxnSpPr>
+        <p:spPr>
+          <a:xfrm>
+            <a:off x="5866635" y="827662"/>
+            <a:ext cx="419986" cy="0"/>
+          </a:xfrm>
+          <a:prstGeom prst="line">
+            <a:avLst/>
+          </a:prstGeom>
+          <a:ln w="28575"/>
+        </p:spPr>
+        <p:style>
+          <a:lnRef idx="1">
+            <a:schemeClr val="dk1"/>
+          </a:lnRef>
+          <a:fillRef idx="0">
+            <a:schemeClr val="dk1"/>
+          </a:fillRef>
+          <a:effectRef idx="0">
+            <a:schemeClr val="dk1"/>
+          </a:effectRef>
+          <a:fontRef idx="minor">
+            <a:schemeClr val="tx1"/>
+          </a:fontRef>
+        </p:style>
+      </p:cxnSp>
+      <p:sp>
+        <p:nvSpPr>
+          <p:cNvPr id="14" name="Rectangle 13">
+            <a:extLst>
+              <a:ext uri="{FF2B5EF4-FFF2-40B4-BE49-F238E27FC236}">
+                <a16:creationId xmlns:a16="http://schemas.microsoft.com/office/drawing/2014/main" id="{A498709F-D64E-074C-ADA7-8607082C6187}"/>
+              </a:ext>
+            </a:extLst>
+          </p:cNvPr>
+          <p:cNvSpPr/>
+          <p:nvPr/>
+        </p:nvSpPr>
+        <p:spPr>
+          <a:xfrm>
+            <a:off x="767397" y="1468397"/>
+            <a:ext cx="7876674" cy="400110"/>
+          </a:xfrm>
+          <a:prstGeom prst="rect">
+            <a:avLst/>
+          </a:prstGeom>
+        </p:spPr>
+        <p:txBody>
+          <a:bodyPr wrap="square">
+            <a:spAutoFit/>
+          </a:bodyPr>
+          <a:lstStyle/>
+          <a:p>
+            <a:r>
+              <a:rPr lang="en-US" sz="2000" dirty="0"/>
+              <a:t>We can modify how animation cycles start and end:</a:t>
+            </a:r>
+          </a:p>
+        </p:txBody>
+      </p:sp>
+      <p:sp>
+        <p:nvSpPr>
+          <p:cNvPr id="15" name="Rectangle 14">
+            <a:extLst>
+              <a:ext uri="{FF2B5EF4-FFF2-40B4-BE49-F238E27FC236}">
+                <a16:creationId xmlns:a16="http://schemas.microsoft.com/office/drawing/2014/main" id="{2B303325-FA02-E842-AB72-DB8FD418B046}"/>
+              </a:ext>
+            </a:extLst>
+          </p:cNvPr>
+          <p:cNvSpPr/>
+          <p:nvPr/>
+        </p:nvSpPr>
+        <p:spPr>
+          <a:xfrm>
+            <a:off x="767397" y="1868507"/>
+            <a:ext cx="10484937" cy="1172406"/>
+          </a:xfrm>
+          <a:prstGeom prst="rect">
+            <a:avLst/>
+          </a:prstGeom>
+          <a:solidFill>
+            <a:schemeClr val="bg1">
+              <a:lumMod val="95000"/>
+            </a:schemeClr>
+          </a:solidFill>
+          <a:ln w="3175">
+            <a:solidFill>
+              <a:schemeClr val="bg1">
+                <a:lumMod val="85000"/>
+              </a:schemeClr>
+            </a:solidFill>
+          </a:ln>
+        </p:spPr>
+        <p:style>
+          <a:lnRef idx="2">
+            <a:schemeClr val="accent1">
+              <a:shade val="50000"/>
+            </a:schemeClr>
+          </a:lnRef>
+          <a:fillRef idx="1">
+            <a:schemeClr val="accent1"/>
+          </a:fillRef>
+          <a:effectRef idx="0">
+            <a:schemeClr val="accent1"/>
+          </a:effectRef>
+          <a:fontRef idx="minor">
+            <a:schemeClr val="lt1"/>
+          </a:fontRef>
+        </p:style>
+        <p:txBody>
+          <a:bodyPr rtlCol="0" anchor="ctr"/>
+          <a:lstStyle/>
+          <a:p>
+            <a:pPr lvl="1"/>
+            <a:r>
+              <a:rPr lang="en-US" dirty="0">
+                <a:solidFill>
+                  <a:schemeClr val="accent1"/>
+                </a:solidFill>
+              </a:rPr>
+              <a:t>animation-fill-mode: none;                      </a:t>
+            </a:r>
+            <a:r>
+              <a:rPr lang="en-US" dirty="0">
+                <a:solidFill>
+                  <a:schemeClr val="bg1">
+                    <a:lumMod val="65000"/>
+                  </a:schemeClr>
+                </a:solidFill>
+              </a:rPr>
+              <a:t> /* animation reverts back to initial values */</a:t>
+            </a:r>
+          </a:p>
+          <a:p>
+            <a:pPr lvl="1"/>
+            <a:r>
+              <a:rPr lang="en-US" dirty="0">
+                <a:solidFill>
+                  <a:schemeClr val="accent1"/>
+                </a:solidFill>
+              </a:rPr>
+              <a:t>animation-fill-mode : forwards;               </a:t>
+            </a:r>
+            <a:r>
+              <a:rPr lang="en-US" dirty="0">
+                <a:solidFill>
+                  <a:schemeClr val="bg1">
+                    <a:lumMod val="65000"/>
+                  </a:schemeClr>
+                </a:solidFill>
+              </a:rPr>
+              <a:t>/* animation holds on last keyframe */</a:t>
+            </a:r>
+          </a:p>
+          <a:p>
+            <a:pPr lvl="1"/>
+            <a:r>
+              <a:rPr lang="en-US" dirty="0">
+                <a:solidFill>
+                  <a:schemeClr val="accent1"/>
+                </a:solidFill>
+              </a:rPr>
+              <a:t>animation-fill-mode : backwards;          </a:t>
+            </a:r>
+            <a:r>
+              <a:rPr lang="en-US" dirty="0">
+                <a:solidFill>
+                  <a:schemeClr val="bg1">
+                    <a:lumMod val="65000"/>
+                  </a:schemeClr>
+                </a:solidFill>
+              </a:rPr>
+              <a:t>  /* animation reverts and holds on first keyframe */</a:t>
+            </a:r>
+          </a:p>
+        </p:txBody>
+      </p:sp>
+      <p:sp>
+        <p:nvSpPr>
+          <p:cNvPr id="17" name="Rectangle 16">
+            <a:extLst>
+              <a:ext uri="{FF2B5EF4-FFF2-40B4-BE49-F238E27FC236}">
+                <a16:creationId xmlns:a16="http://schemas.microsoft.com/office/drawing/2014/main" id="{F4444C2A-D2B9-7D4D-8A13-97272DF07913}"/>
+              </a:ext>
+            </a:extLst>
+          </p:cNvPr>
+          <p:cNvSpPr/>
+          <p:nvPr/>
+        </p:nvSpPr>
+        <p:spPr>
+          <a:xfrm>
+            <a:off x="767397" y="3237334"/>
+            <a:ext cx="7876674" cy="400110"/>
+          </a:xfrm>
+          <a:prstGeom prst="rect">
+            <a:avLst/>
+          </a:prstGeom>
+        </p:spPr>
+        <p:txBody>
+          <a:bodyPr wrap="square">
+            <a:spAutoFit/>
+          </a:bodyPr>
+          <a:lstStyle/>
+          <a:p>
+            <a:r>
+              <a:rPr lang="en-US" sz="2000" dirty="0"/>
+              <a:t>Execution varies depending on animation direction.</a:t>
+            </a:r>
+          </a:p>
+        </p:txBody>
+      </p:sp>
+    </p:spTree>
+    <p:extLst>
+      <p:ext uri="{BB962C8B-B14F-4D97-AF65-F5344CB8AC3E}">
+        <p14:creationId xmlns:p14="http://schemas.microsoft.com/office/powerpoint/2010/main" val="2112836214"/>
+      </p:ext>
+    </p:extLst>
+  </p:cSld>
+  <p:clrMapOvr>
+    <a:masterClrMapping/>
+  </p:clrMapOvr>
+</p:sld>
+</file>
+
+<file path=ppt/slides/slide24.xml><?xml version="1.0" encoding="utf-8"?>
+<p:sld xmlns:a="http://schemas.openxmlformats.org/drawingml/2006/main" xmlns:r="http://schemas.openxmlformats.org/officeDocument/2006/relationships" xmlns:p="http://schemas.openxmlformats.org/presentationml/2006/main">
+  <p:cSld>
+    <p:bg>
+      <p:bgPr>
+        <a:solidFill>
+          <a:schemeClr val="bg2"/>
+        </a:solidFill>
+        <a:effectLst/>
+      </p:bgPr>
+    </p:bg>
+    <p:spTree>
+      <p:nvGrpSpPr>
+        <p:cNvPr id="1" name=""/>
+        <p:cNvGrpSpPr/>
+        <p:nvPr/>
+      </p:nvGrpSpPr>
+      <p:grpSpPr>
+        <a:xfrm>
+          <a:off x="0" y="0"/>
+          <a:ext cx="0" cy="0"/>
+          <a:chOff x="0" y="0"/>
+          <a:chExt cx="0" cy="0"/>
+        </a:xfrm>
+      </p:grpSpPr>
+      <p:sp>
+        <p:nvSpPr>
+          <p:cNvPr id="4" name="Rectangle 3">
+            <a:extLst>
+              <a:ext uri="{FF2B5EF4-FFF2-40B4-BE49-F238E27FC236}">
+                <a16:creationId xmlns:a16="http://schemas.microsoft.com/office/drawing/2014/main" id="{678F1DA2-2833-49FF-9287-44720AC6C8D2}"/>
+              </a:ext>
+            </a:extLst>
+          </p:cNvPr>
+          <p:cNvSpPr/>
+          <p:nvPr/>
+        </p:nvSpPr>
+        <p:spPr>
+          <a:xfrm>
+            <a:off x="0" y="6581001"/>
+            <a:ext cx="9976268" cy="276999"/>
+          </a:xfrm>
+          <a:prstGeom prst="rect">
+            <a:avLst/>
+          </a:prstGeom>
+          <a:solidFill>
+            <a:srgbClr val="92D050"/>
+          </a:solidFill>
+          <a:ln>
+            <a:noFill/>
+          </a:ln>
+        </p:spPr>
+        <p:style>
+          <a:lnRef idx="2">
+            <a:schemeClr val="accent1">
+              <a:shade val="50000"/>
+            </a:schemeClr>
+          </a:lnRef>
+          <a:fillRef idx="1">
+            <a:schemeClr val="accent1"/>
+          </a:fillRef>
+          <a:effectRef idx="0">
+            <a:schemeClr val="accent1"/>
+          </a:effectRef>
+          <a:fontRef idx="minor">
+            <a:schemeClr val="lt1"/>
+          </a:fontRef>
+        </p:style>
+        <p:txBody>
+          <a:bodyPr rtlCol="0" anchor="ctr"/>
+          <a:lstStyle/>
+          <a:p>
+            <a:pPr algn="ctr"/>
+            <a:endParaRPr lang="en-US" dirty="0"/>
+          </a:p>
+        </p:txBody>
+      </p:sp>
+      <p:sp>
+        <p:nvSpPr>
+          <p:cNvPr id="5" name="TextBox 4">
+            <a:extLst>
+              <a:ext uri="{FF2B5EF4-FFF2-40B4-BE49-F238E27FC236}">
+                <a16:creationId xmlns:a16="http://schemas.microsoft.com/office/drawing/2014/main" id="{9758F7A4-2143-4CCD-B8B3-8B4A1461ECF9}"/>
+              </a:ext>
+            </a:extLst>
+          </p:cNvPr>
+          <p:cNvSpPr txBox="1"/>
+          <p:nvPr/>
+        </p:nvSpPr>
+        <p:spPr>
+          <a:xfrm>
+            <a:off x="36674" y="6583215"/>
+            <a:ext cx="2682077" cy="276999"/>
+          </a:xfrm>
+          <a:prstGeom prst="rect">
+            <a:avLst/>
+          </a:prstGeom>
+          <a:noFill/>
+        </p:spPr>
+        <p:txBody>
+          <a:bodyPr wrap="square" rtlCol="0">
+            <a:spAutoFit/>
+          </a:bodyPr>
+          <a:lstStyle/>
+          <a:p>
+            <a:r>
+              <a:rPr lang="en-US" sz="1200" dirty="0">
+                <a:solidFill>
+                  <a:schemeClr val="bg1"/>
+                </a:solidFill>
+              </a:rPr>
+              <a:t>Building Personal Websites</a:t>
+            </a:r>
+          </a:p>
+        </p:txBody>
+      </p:sp>
+      <p:sp>
+        <p:nvSpPr>
+          <p:cNvPr id="6" name="Rectangle 5">
+            <a:extLst>
+              <a:ext uri="{FF2B5EF4-FFF2-40B4-BE49-F238E27FC236}">
+                <a16:creationId xmlns:a16="http://schemas.microsoft.com/office/drawing/2014/main" id="{40845236-8634-4353-BA0D-8817FE36EC7A}"/>
+              </a:ext>
+            </a:extLst>
+          </p:cNvPr>
+          <p:cNvSpPr/>
+          <p:nvPr/>
+        </p:nvSpPr>
+        <p:spPr>
+          <a:xfrm>
+            <a:off x="9921514" y="6581001"/>
+            <a:ext cx="2270485" cy="276999"/>
+          </a:xfrm>
+          <a:prstGeom prst="rect">
+            <a:avLst/>
+          </a:prstGeom>
+          <a:solidFill>
+            <a:srgbClr val="00B0F0"/>
+          </a:solidFill>
+          <a:ln>
+            <a:noFill/>
+          </a:ln>
+        </p:spPr>
+        <p:style>
+          <a:lnRef idx="2">
+            <a:schemeClr val="accent1">
+              <a:shade val="50000"/>
+            </a:schemeClr>
+          </a:lnRef>
+          <a:fillRef idx="1">
+            <a:schemeClr val="accent1"/>
+          </a:fillRef>
+          <a:effectRef idx="0">
+            <a:schemeClr val="accent1"/>
+          </a:effectRef>
+          <a:fontRef idx="minor">
+            <a:schemeClr val="lt1"/>
+          </a:fontRef>
+        </p:style>
+        <p:txBody>
+          <a:bodyPr rtlCol="0" anchor="ctr"/>
+          <a:lstStyle/>
+          <a:p>
+            <a:pPr algn="ctr"/>
+            <a:endParaRPr lang="en-US" dirty="0"/>
+          </a:p>
+        </p:txBody>
+      </p:sp>
+      <p:sp>
+        <p:nvSpPr>
+          <p:cNvPr id="8" name="TextBox 7">
+            <a:extLst>
+              <a:ext uri="{FF2B5EF4-FFF2-40B4-BE49-F238E27FC236}">
+                <a16:creationId xmlns:a16="http://schemas.microsoft.com/office/drawing/2014/main" id="{6403EA4A-E7EB-4525-B0D2-13B3997D5780}"/>
+              </a:ext>
+            </a:extLst>
+          </p:cNvPr>
+          <p:cNvSpPr txBox="1"/>
+          <p:nvPr/>
+        </p:nvSpPr>
+        <p:spPr>
+          <a:xfrm>
+            <a:off x="9958188" y="6578787"/>
+            <a:ext cx="2682077" cy="276999"/>
+          </a:xfrm>
+          <a:prstGeom prst="rect">
+            <a:avLst/>
+          </a:prstGeom>
+          <a:noFill/>
+        </p:spPr>
+        <p:txBody>
+          <a:bodyPr wrap="square" rtlCol="0">
+            <a:spAutoFit/>
+          </a:bodyPr>
+          <a:lstStyle/>
+          <a:p>
+            <a:r>
+              <a:rPr lang="en-US" sz="1200" dirty="0">
+                <a:solidFill>
+                  <a:schemeClr val="bg1"/>
+                </a:solidFill>
+              </a:rPr>
+              <a:t>Lecture 07 | Basic Animations</a:t>
+            </a:r>
+          </a:p>
+        </p:txBody>
+      </p:sp>
+      <p:sp>
+        <p:nvSpPr>
+          <p:cNvPr id="13" name="TextBox 12">
+            <a:extLst>
+              <a:ext uri="{FF2B5EF4-FFF2-40B4-BE49-F238E27FC236}">
+                <a16:creationId xmlns:a16="http://schemas.microsoft.com/office/drawing/2014/main" id="{8077B4A1-82A6-C040-9E1D-E8D2B9DD3A50}"/>
+              </a:ext>
+            </a:extLst>
+          </p:cNvPr>
+          <p:cNvSpPr txBox="1"/>
+          <p:nvPr/>
+        </p:nvSpPr>
+        <p:spPr>
+          <a:xfrm>
+            <a:off x="536954" y="1318963"/>
+            <a:ext cx="10579395" cy="1891287"/>
+          </a:xfrm>
+          <a:prstGeom prst="rect">
+            <a:avLst/>
+          </a:prstGeom>
+          <a:noFill/>
+        </p:spPr>
+        <p:txBody>
+          <a:bodyPr wrap="square" rtlCol="0">
+            <a:spAutoFit/>
+          </a:bodyPr>
+          <a:lstStyle/>
+          <a:p>
+            <a:pPr marL="342900" indent="-342900">
+              <a:lnSpc>
+                <a:spcPct val="150000"/>
+              </a:lnSpc>
+              <a:buFont typeface="Wingdings" pitchFamily="2" charset="2"/>
+              <a:buChar char="q"/>
+            </a:pPr>
+            <a:r>
+              <a:rPr lang="en-US" sz="2000" dirty="0"/>
+              <a:t>Play around with the Cubic Bezier site for custom interpolations.</a:t>
+            </a:r>
+          </a:p>
+          <a:p>
+            <a:pPr marL="342900" indent="-342900">
+              <a:lnSpc>
+                <a:spcPct val="150000"/>
+              </a:lnSpc>
+              <a:buFont typeface="Wingdings" pitchFamily="2" charset="2"/>
+              <a:buChar char="q"/>
+            </a:pPr>
+            <a:r>
+              <a:rPr lang="en-US" sz="2000" dirty="0"/>
+              <a:t>Use the transition property to create custom animations for elements.</a:t>
+            </a:r>
+          </a:p>
+          <a:p>
+            <a:pPr marL="342900" indent="-342900">
+              <a:lnSpc>
+                <a:spcPct val="150000"/>
+              </a:lnSpc>
+              <a:buFont typeface="Wingdings" pitchFamily="2" charset="2"/>
+              <a:buChar char="q"/>
+            </a:pPr>
+            <a:r>
+              <a:rPr lang="en-US" sz="2000" dirty="0"/>
+              <a:t>Use keyframe animations for more advanced interpolations.</a:t>
+            </a:r>
+          </a:p>
+          <a:p>
+            <a:pPr>
+              <a:lnSpc>
+                <a:spcPct val="150000"/>
+              </a:lnSpc>
+            </a:pPr>
+            <a:endParaRPr lang="en-US" sz="2000" dirty="0"/>
+          </a:p>
+        </p:txBody>
+      </p:sp>
+      <p:sp>
+        <p:nvSpPr>
+          <p:cNvPr id="14" name="TextBox 13">
+            <a:extLst>
+              <a:ext uri="{FF2B5EF4-FFF2-40B4-BE49-F238E27FC236}">
+                <a16:creationId xmlns:a16="http://schemas.microsoft.com/office/drawing/2014/main" id="{081F8AE0-D7CD-5E4A-AE8F-8B2D1CA22466}"/>
+              </a:ext>
+            </a:extLst>
+          </p:cNvPr>
+          <p:cNvSpPr txBox="1"/>
+          <p:nvPr/>
+        </p:nvSpPr>
+        <p:spPr>
+          <a:xfrm>
+            <a:off x="3703675" y="138479"/>
+            <a:ext cx="4784649" cy="837473"/>
+          </a:xfrm>
+          <a:prstGeom prst="rect">
+            <a:avLst/>
+          </a:prstGeom>
+          <a:noFill/>
+        </p:spPr>
+        <p:txBody>
+          <a:bodyPr wrap="square" rtlCol="0">
+            <a:spAutoFit/>
+          </a:bodyPr>
+          <a:lstStyle/>
+          <a:p>
+            <a:pPr algn="ctr">
+              <a:lnSpc>
+                <a:spcPct val="150000"/>
+              </a:lnSpc>
+            </a:pPr>
+            <a:r>
+              <a:rPr lang="en-US" sz="3600" dirty="0"/>
+              <a:t>Homework Ideas</a:t>
+            </a:r>
+          </a:p>
+        </p:txBody>
+      </p:sp>
+      <p:cxnSp>
+        <p:nvCxnSpPr>
+          <p:cNvPr id="15" name="Straight Connector 14">
+            <a:extLst>
+              <a:ext uri="{FF2B5EF4-FFF2-40B4-BE49-F238E27FC236}">
+                <a16:creationId xmlns:a16="http://schemas.microsoft.com/office/drawing/2014/main" id="{F9156874-7A9E-B24D-B05E-6B8B571EB48C}"/>
+              </a:ext>
+            </a:extLst>
+          </p:cNvPr>
+          <p:cNvCxnSpPr>
+            <a:cxnSpLocks/>
+          </p:cNvCxnSpPr>
+          <p:nvPr/>
+        </p:nvCxnSpPr>
+        <p:spPr>
+          <a:xfrm>
+            <a:off x="5955606" y="1013664"/>
+            <a:ext cx="419986" cy="0"/>
+          </a:xfrm>
+          <a:prstGeom prst="line">
+            <a:avLst/>
+          </a:prstGeom>
+          <a:ln w="28575"/>
+        </p:spPr>
+        <p:style>
+          <a:lnRef idx="1">
+            <a:schemeClr val="dk1"/>
+          </a:lnRef>
+          <a:fillRef idx="0">
+            <a:schemeClr val="dk1"/>
+          </a:fillRef>
+          <a:effectRef idx="0">
+            <a:schemeClr val="dk1"/>
+          </a:effectRef>
+          <a:fontRef idx="minor">
+            <a:schemeClr val="tx1"/>
+          </a:fontRef>
+        </p:style>
+      </p:cxnSp>
+    </p:spTree>
+    <p:extLst>
+      <p:ext uri="{BB962C8B-B14F-4D97-AF65-F5344CB8AC3E}">
+        <p14:creationId xmlns:p14="http://schemas.microsoft.com/office/powerpoint/2010/main" val="3581236615"/>
+      </p:ext>
+    </p:extLst>
+  </p:cSld>
+  <p:clrMapOvr>
+    <a:masterClrMapping/>
+  </p:clrMapOvr>
+</p:sld>
+</file>
+
+<file path=ppt/slides/slide25.xml><?xml version="1.0" encoding="utf-8"?>
+<p:sld xmlns:a="http://schemas.openxmlformats.org/drawingml/2006/main" xmlns:r="http://schemas.openxmlformats.org/officeDocument/2006/relationships" xmlns:p="http://schemas.openxmlformats.org/presentationml/2006/main">
+  <p:cSld>
+    <p:bg>
+      <p:bgPr>
+        <a:solidFill>
+          <a:schemeClr val="bg2"/>
+        </a:solidFill>
+        <a:effectLst/>
+      </p:bgPr>
+    </p:bg>
+    <p:spTree>
+      <p:nvGrpSpPr>
+        <p:cNvPr id="1" name=""/>
+        <p:cNvGrpSpPr/>
+        <p:nvPr/>
+      </p:nvGrpSpPr>
+      <p:grpSpPr>
+        <a:xfrm>
+          <a:off x="0" y="0"/>
+          <a:ext cx="0" cy="0"/>
+          <a:chOff x="0" y="0"/>
+          <a:chExt cx="0" cy="0"/>
+        </a:xfrm>
+      </p:grpSpPr>
+      <p:sp>
+        <p:nvSpPr>
+          <p:cNvPr id="4" name="Rectangle 3">
+            <a:extLst>
+              <a:ext uri="{FF2B5EF4-FFF2-40B4-BE49-F238E27FC236}">
+                <a16:creationId xmlns:a16="http://schemas.microsoft.com/office/drawing/2014/main" id="{678F1DA2-2833-49FF-9287-44720AC6C8D2}"/>
+              </a:ext>
+            </a:extLst>
+          </p:cNvPr>
+          <p:cNvSpPr/>
+          <p:nvPr/>
+        </p:nvSpPr>
+        <p:spPr>
+          <a:xfrm>
+            <a:off x="0" y="6581001"/>
+            <a:ext cx="9976268" cy="276999"/>
+          </a:xfrm>
+          <a:prstGeom prst="rect">
+            <a:avLst/>
+          </a:prstGeom>
+          <a:solidFill>
+            <a:srgbClr val="92D050"/>
+          </a:solidFill>
+          <a:ln>
+            <a:noFill/>
+          </a:ln>
+        </p:spPr>
+        <p:style>
+          <a:lnRef idx="2">
+            <a:schemeClr val="accent1">
+              <a:shade val="50000"/>
+            </a:schemeClr>
+          </a:lnRef>
+          <a:fillRef idx="1">
+            <a:schemeClr val="accent1"/>
+          </a:fillRef>
+          <a:effectRef idx="0">
+            <a:schemeClr val="accent1"/>
+          </a:effectRef>
+          <a:fontRef idx="minor">
+            <a:schemeClr val="lt1"/>
+          </a:fontRef>
+        </p:style>
+        <p:txBody>
+          <a:bodyPr rtlCol="0" anchor="ctr"/>
+          <a:lstStyle/>
+          <a:p>
+            <a:pPr algn="ctr"/>
+            <a:endParaRPr lang="en-US" dirty="0"/>
+          </a:p>
+        </p:txBody>
+      </p:sp>
+      <p:sp>
+        <p:nvSpPr>
+          <p:cNvPr id="5" name="TextBox 4">
+            <a:extLst>
+              <a:ext uri="{FF2B5EF4-FFF2-40B4-BE49-F238E27FC236}">
+                <a16:creationId xmlns:a16="http://schemas.microsoft.com/office/drawing/2014/main" id="{9758F7A4-2143-4CCD-B8B3-8B4A1461ECF9}"/>
+              </a:ext>
+            </a:extLst>
+          </p:cNvPr>
+          <p:cNvSpPr txBox="1"/>
+          <p:nvPr/>
+        </p:nvSpPr>
+        <p:spPr>
+          <a:xfrm>
+            <a:off x="36674" y="6583215"/>
+            <a:ext cx="2682077" cy="276999"/>
+          </a:xfrm>
+          <a:prstGeom prst="rect">
+            <a:avLst/>
+          </a:prstGeom>
+          <a:noFill/>
+        </p:spPr>
+        <p:txBody>
+          <a:bodyPr wrap="square" rtlCol="0">
+            <a:spAutoFit/>
+          </a:bodyPr>
+          <a:lstStyle/>
+          <a:p>
+            <a:r>
+              <a:rPr lang="en-US" sz="1200" dirty="0">
+                <a:solidFill>
+                  <a:schemeClr val="bg1"/>
+                </a:solidFill>
+              </a:rPr>
+              <a:t>Building Personal Websites</a:t>
+            </a:r>
+          </a:p>
+        </p:txBody>
+      </p:sp>
+      <p:sp>
+        <p:nvSpPr>
+          <p:cNvPr id="6" name="Rectangle 5">
+            <a:extLst>
+              <a:ext uri="{FF2B5EF4-FFF2-40B4-BE49-F238E27FC236}">
+                <a16:creationId xmlns:a16="http://schemas.microsoft.com/office/drawing/2014/main" id="{40845236-8634-4353-BA0D-8817FE36EC7A}"/>
+              </a:ext>
+            </a:extLst>
+          </p:cNvPr>
+          <p:cNvSpPr/>
+          <p:nvPr/>
+        </p:nvSpPr>
+        <p:spPr>
+          <a:xfrm>
+            <a:off x="9921514" y="6581001"/>
+            <a:ext cx="2270485" cy="276999"/>
+          </a:xfrm>
+          <a:prstGeom prst="rect">
+            <a:avLst/>
+          </a:prstGeom>
+          <a:solidFill>
+            <a:srgbClr val="00B0F0"/>
+          </a:solidFill>
+          <a:ln>
+            <a:noFill/>
+          </a:ln>
+        </p:spPr>
+        <p:style>
+          <a:lnRef idx="2">
+            <a:schemeClr val="accent1">
+              <a:shade val="50000"/>
+            </a:schemeClr>
+          </a:lnRef>
+          <a:fillRef idx="1">
+            <a:schemeClr val="accent1"/>
+          </a:fillRef>
+          <a:effectRef idx="0">
+            <a:schemeClr val="accent1"/>
+          </a:effectRef>
+          <a:fontRef idx="minor">
+            <a:schemeClr val="lt1"/>
+          </a:fontRef>
+        </p:style>
+        <p:txBody>
+          <a:bodyPr rtlCol="0" anchor="ctr"/>
+          <a:lstStyle/>
+          <a:p>
+            <a:pPr algn="ctr"/>
+            <a:endParaRPr lang="en-US" dirty="0"/>
+          </a:p>
+        </p:txBody>
+      </p:sp>
+      <p:sp>
+        <p:nvSpPr>
+          <p:cNvPr id="8" name="TextBox 7">
+            <a:extLst>
+              <a:ext uri="{FF2B5EF4-FFF2-40B4-BE49-F238E27FC236}">
+                <a16:creationId xmlns:a16="http://schemas.microsoft.com/office/drawing/2014/main" id="{6403EA4A-E7EB-4525-B0D2-13B3997D5780}"/>
+              </a:ext>
+            </a:extLst>
+          </p:cNvPr>
+          <p:cNvSpPr txBox="1"/>
+          <p:nvPr/>
+        </p:nvSpPr>
+        <p:spPr>
+          <a:xfrm>
+            <a:off x="9958188" y="6578787"/>
+            <a:ext cx="2682077" cy="276999"/>
+          </a:xfrm>
+          <a:prstGeom prst="rect">
+            <a:avLst/>
+          </a:prstGeom>
+          <a:noFill/>
+        </p:spPr>
+        <p:txBody>
+          <a:bodyPr wrap="square" rtlCol="0">
+            <a:spAutoFit/>
+          </a:bodyPr>
+          <a:lstStyle/>
+          <a:p>
+            <a:r>
+              <a:rPr lang="en-US" sz="1200" dirty="0">
+                <a:solidFill>
+                  <a:schemeClr val="bg1"/>
+                </a:solidFill>
+              </a:rPr>
+              <a:t>Lecture 07 | Basic Animations</a:t>
+            </a:r>
+          </a:p>
+        </p:txBody>
+      </p:sp>
+      <p:sp>
+        <p:nvSpPr>
+          <p:cNvPr id="7" name="TextBox 6">
+            <a:extLst>
+              <a:ext uri="{FF2B5EF4-FFF2-40B4-BE49-F238E27FC236}">
+                <a16:creationId xmlns:a16="http://schemas.microsoft.com/office/drawing/2014/main" id="{ED7E96AE-E09B-40E0-8966-5104069C1F43}"/>
+              </a:ext>
+            </a:extLst>
+          </p:cNvPr>
+          <p:cNvSpPr txBox="1"/>
+          <p:nvPr/>
+        </p:nvSpPr>
+        <p:spPr>
+          <a:xfrm>
+            <a:off x="4608636" y="3105834"/>
+            <a:ext cx="2974727" cy="646331"/>
+          </a:xfrm>
+          <a:prstGeom prst="rect">
+            <a:avLst/>
+          </a:prstGeom>
+          <a:noFill/>
+        </p:spPr>
+        <p:txBody>
+          <a:bodyPr wrap="square" rtlCol="0">
+            <a:spAutoFit/>
+          </a:bodyPr>
+          <a:lstStyle/>
+          <a:p>
+            <a:pPr algn="ctr"/>
+            <a:r>
+              <a:rPr lang="en-US" sz="3600" dirty="0"/>
+              <a:t>Live Demo</a:t>
+            </a:r>
+          </a:p>
+        </p:txBody>
+      </p:sp>
+    </p:spTree>
+    <p:extLst>
+      <p:ext uri="{BB962C8B-B14F-4D97-AF65-F5344CB8AC3E}">
+        <p14:creationId xmlns:p14="http://schemas.microsoft.com/office/powerpoint/2010/main" val="1428014379"/>
       </p:ext>
     </p:extLst>
   </p:cSld>

--- a/assets/lectures/BPW_Lecture_07.pptx
+++ b/assets/lectures/BPW_Lecture_07.pptx
@@ -295,7 +295,7 @@
           <a:p>
             <a:fld id="{F57857CC-207A-4D73-9A20-C856A5068D10}" type="datetimeFigureOut">
               <a:rPr lang="en-US" smtClean="0"/>
-              <a:t>1/7/19</a:t>
+              <a:t>1/8/19</a:t>
             </a:fld>
             <a:endParaRPr lang="en-US"/>
           </a:p>
@@ -493,7 +493,7 @@
           <a:p>
             <a:fld id="{F57857CC-207A-4D73-9A20-C856A5068D10}" type="datetimeFigureOut">
               <a:rPr lang="en-US" smtClean="0"/>
-              <a:t>1/7/19</a:t>
+              <a:t>1/8/19</a:t>
             </a:fld>
             <a:endParaRPr lang="en-US"/>
           </a:p>
@@ -701,7 +701,7 @@
           <a:p>
             <a:fld id="{F57857CC-207A-4D73-9A20-C856A5068D10}" type="datetimeFigureOut">
               <a:rPr lang="en-US" smtClean="0"/>
-              <a:t>1/7/19</a:t>
+              <a:t>1/8/19</a:t>
             </a:fld>
             <a:endParaRPr lang="en-US"/>
           </a:p>
@@ -899,7 +899,7 @@
           <a:p>
             <a:fld id="{F57857CC-207A-4D73-9A20-C856A5068D10}" type="datetimeFigureOut">
               <a:rPr lang="en-US" smtClean="0"/>
-              <a:t>1/7/19</a:t>
+              <a:t>1/8/19</a:t>
             </a:fld>
             <a:endParaRPr lang="en-US"/>
           </a:p>
@@ -1174,7 +1174,7 @@
           <a:p>
             <a:fld id="{F57857CC-207A-4D73-9A20-C856A5068D10}" type="datetimeFigureOut">
               <a:rPr lang="en-US" smtClean="0"/>
-              <a:t>1/7/19</a:t>
+              <a:t>1/8/19</a:t>
             </a:fld>
             <a:endParaRPr lang="en-US"/>
           </a:p>
@@ -1439,7 +1439,7 @@
           <a:p>
             <a:fld id="{F57857CC-207A-4D73-9A20-C856A5068D10}" type="datetimeFigureOut">
               <a:rPr lang="en-US" smtClean="0"/>
-              <a:t>1/7/19</a:t>
+              <a:t>1/8/19</a:t>
             </a:fld>
             <a:endParaRPr lang="en-US"/>
           </a:p>
@@ -1851,7 +1851,7 @@
           <a:p>
             <a:fld id="{F57857CC-207A-4D73-9A20-C856A5068D10}" type="datetimeFigureOut">
               <a:rPr lang="en-US" smtClean="0"/>
-              <a:t>1/7/19</a:t>
+              <a:t>1/8/19</a:t>
             </a:fld>
             <a:endParaRPr lang="en-US"/>
           </a:p>
@@ -1992,7 +1992,7 @@
           <a:p>
             <a:fld id="{F57857CC-207A-4D73-9A20-C856A5068D10}" type="datetimeFigureOut">
               <a:rPr lang="en-US" smtClean="0"/>
-              <a:t>1/7/19</a:t>
+              <a:t>1/8/19</a:t>
             </a:fld>
             <a:endParaRPr lang="en-US"/>
           </a:p>
@@ -2105,7 +2105,7 @@
           <a:p>
             <a:fld id="{F57857CC-207A-4D73-9A20-C856A5068D10}" type="datetimeFigureOut">
               <a:rPr lang="en-US" smtClean="0"/>
-              <a:t>1/7/19</a:t>
+              <a:t>1/8/19</a:t>
             </a:fld>
             <a:endParaRPr lang="en-US"/>
           </a:p>
@@ -2416,7 +2416,7 @@
           <a:p>
             <a:fld id="{F57857CC-207A-4D73-9A20-C856A5068D10}" type="datetimeFigureOut">
               <a:rPr lang="en-US" smtClean="0"/>
-              <a:t>1/7/19</a:t>
+              <a:t>1/8/19</a:t>
             </a:fld>
             <a:endParaRPr lang="en-US"/>
           </a:p>
@@ -2704,7 +2704,7 @@
           <a:p>
             <a:fld id="{F57857CC-207A-4D73-9A20-C856A5068D10}" type="datetimeFigureOut">
               <a:rPr lang="en-US" smtClean="0"/>
-              <a:t>1/7/19</a:t>
+              <a:t>1/8/19</a:t>
             </a:fld>
             <a:endParaRPr lang="en-US"/>
           </a:p>
@@ -2945,7 +2945,7 @@
           <a:p>
             <a:fld id="{F57857CC-207A-4D73-9A20-C856A5068D10}" type="datetimeFigureOut">
               <a:rPr lang="en-US" smtClean="0"/>
-              <a:t>1/7/19</a:t>
+              <a:t>1/8/19</a:t>
             </a:fld>
             <a:endParaRPr lang="en-US"/>
           </a:p>
@@ -13181,7 +13181,7 @@
                   <a:schemeClr val="accent1"/>
                 </a:solidFill>
               </a:rPr>
-              <a:t>animation-fill-mode : forwards;               </a:t>
+              <a:t>animation-fill-mode: forwards;                </a:t>
             </a:r>
             <a:r>
               <a:rPr lang="en-US" dirty="0">
@@ -13202,7 +13202,7 @@
                   <a:schemeClr val="accent1"/>
                 </a:solidFill>
               </a:rPr>
-              <a:t>animation-fill-mode : backwards;          </a:t>
+              <a:t>animation-fill-mode: backwards;           </a:t>
             </a:r>
             <a:r>
               <a:rPr lang="en-US" dirty="0">

--- a/assets/lectures/BPW_Lecture_07.pptx
+++ b/assets/lectures/BPW_Lecture_07.pptx
@@ -295,7 +295,7 @@
           <a:p>
             <a:fld id="{F57857CC-207A-4D73-9A20-C856A5068D10}" type="datetimeFigureOut">
               <a:rPr lang="en-US" smtClean="0"/>
-              <a:t>1/8/19</a:t>
+              <a:t>3/18/21</a:t>
             </a:fld>
             <a:endParaRPr lang="en-US"/>
           </a:p>
@@ -493,7 +493,7 @@
           <a:p>
             <a:fld id="{F57857CC-207A-4D73-9A20-C856A5068D10}" type="datetimeFigureOut">
               <a:rPr lang="en-US" smtClean="0"/>
-              <a:t>1/8/19</a:t>
+              <a:t>3/18/21</a:t>
             </a:fld>
             <a:endParaRPr lang="en-US"/>
           </a:p>
@@ -701,7 +701,7 @@
           <a:p>
             <a:fld id="{F57857CC-207A-4D73-9A20-C856A5068D10}" type="datetimeFigureOut">
               <a:rPr lang="en-US" smtClean="0"/>
-              <a:t>1/8/19</a:t>
+              <a:t>3/18/21</a:t>
             </a:fld>
             <a:endParaRPr lang="en-US"/>
           </a:p>
@@ -899,7 +899,7 @@
           <a:p>
             <a:fld id="{F57857CC-207A-4D73-9A20-C856A5068D10}" type="datetimeFigureOut">
               <a:rPr lang="en-US" smtClean="0"/>
-              <a:t>1/8/19</a:t>
+              <a:t>3/18/21</a:t>
             </a:fld>
             <a:endParaRPr lang="en-US"/>
           </a:p>
@@ -1174,7 +1174,7 @@
           <a:p>
             <a:fld id="{F57857CC-207A-4D73-9A20-C856A5068D10}" type="datetimeFigureOut">
               <a:rPr lang="en-US" smtClean="0"/>
-              <a:t>1/8/19</a:t>
+              <a:t>3/18/21</a:t>
             </a:fld>
             <a:endParaRPr lang="en-US"/>
           </a:p>
@@ -1439,7 +1439,7 @@
           <a:p>
             <a:fld id="{F57857CC-207A-4D73-9A20-C856A5068D10}" type="datetimeFigureOut">
               <a:rPr lang="en-US" smtClean="0"/>
-              <a:t>1/8/19</a:t>
+              <a:t>3/18/21</a:t>
             </a:fld>
             <a:endParaRPr lang="en-US"/>
           </a:p>
@@ -1851,7 +1851,7 @@
           <a:p>
             <a:fld id="{F57857CC-207A-4D73-9A20-C856A5068D10}" type="datetimeFigureOut">
               <a:rPr lang="en-US" smtClean="0"/>
-              <a:t>1/8/19</a:t>
+              <a:t>3/18/21</a:t>
             </a:fld>
             <a:endParaRPr lang="en-US"/>
           </a:p>
@@ -1992,7 +1992,7 @@
           <a:p>
             <a:fld id="{F57857CC-207A-4D73-9A20-C856A5068D10}" type="datetimeFigureOut">
               <a:rPr lang="en-US" smtClean="0"/>
-              <a:t>1/8/19</a:t>
+              <a:t>3/18/21</a:t>
             </a:fld>
             <a:endParaRPr lang="en-US"/>
           </a:p>
@@ -2105,7 +2105,7 @@
           <a:p>
             <a:fld id="{F57857CC-207A-4D73-9A20-C856A5068D10}" type="datetimeFigureOut">
               <a:rPr lang="en-US" smtClean="0"/>
-              <a:t>1/8/19</a:t>
+              <a:t>3/18/21</a:t>
             </a:fld>
             <a:endParaRPr lang="en-US"/>
           </a:p>
@@ -2416,7 +2416,7 @@
           <a:p>
             <a:fld id="{F57857CC-207A-4D73-9A20-C856A5068D10}" type="datetimeFigureOut">
               <a:rPr lang="en-US" smtClean="0"/>
-              <a:t>1/8/19</a:t>
+              <a:t>3/18/21</a:t>
             </a:fld>
             <a:endParaRPr lang="en-US"/>
           </a:p>
@@ -2704,7 +2704,7 @@
           <a:p>
             <a:fld id="{F57857CC-207A-4D73-9A20-C856A5068D10}" type="datetimeFigureOut">
               <a:rPr lang="en-US" smtClean="0"/>
-              <a:t>1/8/19</a:t>
+              <a:t>3/18/21</a:t>
             </a:fld>
             <a:endParaRPr lang="en-US"/>
           </a:p>
@@ -2945,7 +2945,7 @@
           <a:p>
             <a:fld id="{F57857CC-207A-4D73-9A20-C856A5068D10}" type="datetimeFigureOut">
               <a:rPr lang="en-US" smtClean="0"/>
-              <a:t>1/8/19</a:t>
+              <a:t>3/18/21</a:t>
             </a:fld>
             <a:endParaRPr lang="en-US"/>
           </a:p>
@@ -11186,7 +11186,27 @@
                   </a:schemeClr>
                 </a:solidFill>
               </a:rPr>
-              <a:t>  /* animation plays forwards then forwards */</a:t>
+              <a:t>  /* animation plays forwards </a:t>
+            </a:r>
+            <a:r>
+              <a:rPr lang="en-US">
+                <a:solidFill>
+                  <a:schemeClr val="bg1">
+                    <a:lumMod val="65000"/>
+                  </a:schemeClr>
+                </a:solidFill>
+              </a:rPr>
+              <a:t>then backwards </a:t>
+            </a:r>
+            <a:r>
+              <a:rPr lang="en-US" dirty="0">
+                <a:solidFill>
+                  <a:schemeClr val="bg1">
+                    <a:lumMod val="65000"/>
+                  </a:schemeClr>
+                </a:solidFill>
+              </a:rPr>
+              <a:t>*/</a:t>
             </a:r>
           </a:p>
           <a:p>
